--- a/sensores_cmos_presentacion.pptx
+++ b/sensores_cmos_presentacion.pptx
@@ -739,7 +739,7 @@
           <a:p>
             <a:fld id="{5BCAD085-E8A6-8845-BD4E-CB4CCA059FC4}" type="datetimeFigureOut">
               <a:rPr lang="en-US" smtClean="0"/>
-              <a:t>10/17/2024</a:t>
+              <a:t>11/8/2024</a:t>
             </a:fld>
             <a:endParaRPr lang="en-US"/>
           </a:p>
@@ -935,7 +935,7 @@
           <a:p>
             <a:fld id="{5BCAD085-E8A6-8845-BD4E-CB4CCA059FC4}" type="datetimeFigureOut">
               <a:rPr lang="en-US" smtClean="0"/>
-              <a:t>10/17/2024</a:t>
+              <a:t>11/8/2024</a:t>
             </a:fld>
             <a:endParaRPr lang="en-US"/>
           </a:p>
@@ -1120,7 +1120,7 @@
           <a:p>
             <a:fld id="{5BCAD085-E8A6-8845-BD4E-CB4CCA059FC4}" type="datetimeFigureOut">
               <a:rPr lang="en-US" smtClean="0"/>
-              <a:t>10/17/2024</a:t>
+              <a:t>11/8/2024</a:t>
             </a:fld>
             <a:endParaRPr lang="en-US"/>
           </a:p>
@@ -1270,7 +1270,7 @@
           <a:p>
             <a:fld id="{5BCAD085-E8A6-8845-BD4E-CB4CCA059FC4}" type="datetimeFigureOut">
               <a:rPr lang="en-US" smtClean="0"/>
-              <a:t>10/17/2024</a:t>
+              <a:t>11/8/2024</a:t>
             </a:fld>
             <a:endParaRPr lang="en-US"/>
           </a:p>
@@ -1525,7 +1525,7 @@
           <a:p>
             <a:fld id="{5BCAD085-E8A6-8845-BD4E-CB4CCA059FC4}" type="datetimeFigureOut">
               <a:rPr lang="en-US" smtClean="0"/>
-              <a:t>10/17/2024</a:t>
+              <a:t>11/8/2024</a:t>
             </a:fld>
             <a:endParaRPr lang="en-US"/>
           </a:p>
@@ -1934,7 +1934,7 @@
           <a:p>
             <a:fld id="{5BCAD085-E8A6-8845-BD4E-CB4CCA059FC4}" type="datetimeFigureOut">
               <a:rPr lang="en-US" smtClean="0"/>
-              <a:t>10/17/2024</a:t>
+              <a:t>11/8/2024</a:t>
             </a:fld>
             <a:endParaRPr lang="en-US"/>
           </a:p>
@@ -2380,7 +2380,7 @@
           <a:p>
             <a:fld id="{5BCAD085-E8A6-8845-BD4E-CB4CCA059FC4}" type="datetimeFigureOut">
               <a:rPr lang="en-US" smtClean="0"/>
-              <a:t>10/17/2024</a:t>
+              <a:t>11/8/2024</a:t>
             </a:fld>
             <a:endParaRPr lang="en-US"/>
           </a:p>
@@ -2481,7 +2481,7 @@
           <a:p>
             <a:fld id="{5BCAD085-E8A6-8845-BD4E-CB4CCA059FC4}" type="datetimeFigureOut">
               <a:rPr lang="en-US" smtClean="0"/>
-              <a:t>10/17/2024</a:t>
+              <a:t>11/8/2024</a:t>
             </a:fld>
             <a:endParaRPr lang="en-US"/>
           </a:p>
@@ -2602,7 +2602,7 @@
           <a:p>
             <a:fld id="{5BCAD085-E8A6-8845-BD4E-CB4CCA059FC4}" type="datetimeFigureOut">
               <a:rPr lang="en-US" smtClean="0"/>
-              <a:t>10/17/2024</a:t>
+              <a:t>11/8/2024</a:t>
             </a:fld>
             <a:endParaRPr lang="en-US"/>
           </a:p>
@@ -2876,7 +2876,7 @@
           <a:p>
             <a:fld id="{5BCAD085-E8A6-8845-BD4E-CB4CCA059FC4}" type="datetimeFigureOut">
               <a:rPr lang="en-US" smtClean="0"/>
-              <a:t>10/17/2024</a:t>
+              <a:t>11/8/2024</a:t>
             </a:fld>
             <a:endParaRPr lang="en-US"/>
           </a:p>
@@ -3081,7 +3081,7 @@
           <a:p>
             <a:fld id="{5BCAD085-E8A6-8845-BD4E-CB4CCA059FC4}" type="datetimeFigureOut">
               <a:rPr lang="en-US" smtClean="0"/>
-              <a:t>10/17/2024</a:t>
+              <a:t>11/8/2024</a:t>
             </a:fld>
             <a:endParaRPr lang="en-US"/>
           </a:p>
@@ -4190,7 +4190,7 @@
           <a:p>
             <a:fld id="{5BCAD085-E8A6-8845-BD4E-CB4CCA059FC4}" type="datetimeFigureOut">
               <a:rPr lang="en-US" smtClean="0"/>
-              <a:t>10/17/2024</a:t>
+              <a:t>11/8/2024</a:t>
             </a:fld>
             <a:endParaRPr lang="en-US"/>
           </a:p>
@@ -5294,7 +5294,12 @@
           <a:lstStyle/>
           <a:p>
             <a:r>
-              <a:t>Objetivo General</a:t>
+              <a:rPr dirty="0" err="1"/>
+              <a:t>Objetivo</a:t>
+            </a:r>
+            <a:r>
+              <a:rPr dirty="0"/>
+              <a:t> General</a:t>
             </a:r>
           </a:p>
         </p:txBody>
@@ -5545,24 +5550,27 @@
         <p:spPr/>
         <p:txBody>
           <a:bodyPr>
-            <a:normAutofit/>
+            <a:normAutofit lnSpcReduction="10000"/>
           </a:bodyPr>
           <a:lstStyle/>
           <a:p>
-            <a:pPr marL="0" indent="0">
-              <a:buNone/>
+            <a:pPr marL="457200" indent="-457200">
+              <a:buClrTx/>
+              <a:buSzPct val="85000"/>
+              <a:buFont typeface="Arial" panose="020B0604020202020204" pitchFamily="34" charset="0"/>
+              <a:buChar char="•"/>
             </a:pPr>
             <a:r>
-              <a:rPr dirty="0"/>
-              <a:t>• </a:t>
-            </a:r>
-            <a:r>
-              <a:rPr dirty="0" err="1"/>
+              <a:rPr dirty="0" err="1" smtClean="0"/>
               <a:t>Sensores</a:t>
             </a:r>
             <a:r>
-              <a:rPr dirty="0"/>
-              <a:t> de luz CMOS con </a:t>
+              <a:rPr dirty="0" smtClean="0"/>
+              <a:t> </a:t>
+            </a:r>
+            <a:r>
+              <a:rPr dirty="0"/>
+              <a:t>de luz CMOS con </a:t>
             </a:r>
             <a:r>
               <a:rPr dirty="0" err="1"/>
@@ -5589,21 +5597,25 @@
               <a:t> </a:t>
             </a:r>
             <a:r>
-              <a:rPr dirty="0" err="1"/>
+              <a:rPr dirty="0" err="1" smtClean="0"/>
               <a:t>existen</a:t>
             </a:r>
             <a:r>
-              <a:rPr dirty="0"/>
+              <a:rPr dirty="0" smtClean="0"/>
               <a:t>.</a:t>
             </a:r>
-          </a:p>
-          <a:p>
-            <a:pPr marL="0" indent="0">
-              <a:buNone/>
+            <a:endParaRPr lang="es-AR" dirty="0" smtClean="0"/>
+          </a:p>
+          <a:p>
+            <a:pPr marL="457200" indent="-457200">
+              <a:buClrTx/>
+              <a:buSzPct val="85000"/>
+              <a:buFont typeface="Arial" panose="020B0604020202020204" pitchFamily="34" charset="0"/>
+              <a:buChar char="•"/>
             </a:pPr>
             <a:r>
-              <a:rPr dirty="0"/>
-              <a:t>  - Se </a:t>
+              <a:rPr dirty="0" smtClean="0"/>
+              <a:t>Se </a:t>
             </a:r>
             <a:r>
               <a:rPr dirty="0" err="1"/>
@@ -5647,12 +5659,15 @@
             </a:r>
           </a:p>
           <a:p>
-            <a:pPr marL="0" indent="0">
-              <a:buNone/>
+            <a:pPr marL="457200" indent="-457200">
+              <a:buClrTx/>
+              <a:buSzPct val="85000"/>
+              <a:buFont typeface="Arial" panose="020B0604020202020204" pitchFamily="34" charset="0"/>
+              <a:buChar char="•"/>
             </a:pPr>
             <a:r>
-              <a:rPr dirty="0"/>
-              <a:t>• La </a:t>
+              <a:rPr dirty="0" smtClean="0"/>
+              <a:t>La </a:t>
             </a:r>
             <a:r>
               <a:rPr dirty="0" err="1"/>
@@ -5712,19 +5727,18 @@
             </a:r>
           </a:p>
           <a:p>
-            <a:pPr marL="0" indent="0">
-              <a:buNone/>
+            <a:pPr marL="457200" indent="-457200">
+              <a:buClrTx/>
+              <a:buSzPct val="85000"/>
+              <a:buFont typeface="Arial" panose="020B0604020202020204" pitchFamily="34" charset="0"/>
+              <a:buChar char="•"/>
             </a:pPr>
             <a:r>
-              <a:rPr dirty="0"/>
-              <a:t>• </a:t>
-            </a:r>
-            <a:r>
-              <a:rPr dirty="0" err="1"/>
+              <a:rPr dirty="0" err="1" smtClean="0"/>
               <a:t>Aplicaciones</a:t>
             </a:r>
             <a:r>
-              <a:rPr dirty="0"/>
+              <a:rPr dirty="0" smtClean="0"/>
               <a:t> </a:t>
             </a:r>
             <a:r>
@@ -5777,12 +5791,15 @@
             </a:r>
           </a:p>
           <a:p>
-            <a:pPr marL="0" indent="0">
-              <a:buNone/>
+            <a:pPr marL="457200" indent="-457200">
+              <a:buClrTx/>
+              <a:buSzPct val="85000"/>
+              <a:buFont typeface="Arial" panose="020B0604020202020204" pitchFamily="34" charset="0"/>
+              <a:buChar char="•"/>
             </a:pPr>
             <a:r>
-              <a:rPr dirty="0"/>
-              <a:t>• Este </a:t>
+              <a:rPr dirty="0" smtClean="0"/>
+              <a:t>Este </a:t>
             </a:r>
             <a:r>
               <a:rPr dirty="0" err="1"/>
@@ -5875,8 +5892,10 @@
           <a:lstStyle/>
           <a:p>
             <a:r>
+              <a:rPr dirty="0" err="1"/>
               <a:t>Antecedentes</a:t>
             </a:r>
+            <a:endParaRPr dirty="0"/>
           </a:p>
         </p:txBody>
       </p:sp>
@@ -5931,15 +5950,15 @@
               <a:buNone/>
             </a:pPr>
             <a:r>
-              <a:rPr dirty="0"/>
+              <a:rPr dirty="0" smtClean="0"/>
               <a:t>• </a:t>
             </a:r>
             <a:r>
-              <a:rPr dirty="0" err="1"/>
+              <a:rPr dirty="0" err="1" smtClean="0"/>
               <a:t>Aplicaciones</a:t>
             </a:r>
             <a:r>
-              <a:rPr dirty="0"/>
+              <a:rPr dirty="0" smtClean="0"/>
               <a:t> </a:t>
             </a:r>
             <a:r>

--- a/sensores_cmos_presentacion.pptx
+++ b/sensores_cmos_presentacion.pptx
@@ -9,10 +9,13 @@
     <p:sldId id="257" r:id="rId3"/>
     <p:sldId id="258" r:id="rId4"/>
     <p:sldId id="259" r:id="rId5"/>
-    <p:sldId id="260" r:id="rId6"/>
-    <p:sldId id="261" r:id="rId7"/>
-    <p:sldId id="262" r:id="rId8"/>
-    <p:sldId id="263" r:id="rId9"/>
+    <p:sldId id="264" r:id="rId6"/>
+    <p:sldId id="265" r:id="rId7"/>
+    <p:sldId id="266" r:id="rId8"/>
+    <p:sldId id="260" r:id="rId9"/>
+    <p:sldId id="261" r:id="rId10"/>
+    <p:sldId id="262" r:id="rId11"/>
+    <p:sldId id="263" r:id="rId12"/>
   </p:sldIdLst>
   <p:sldSz cx="9144000" cy="6858000" type="screen4x3"/>
   <p:notesSz cx="6858000" cy="9144000"/>
@@ -739,7 +742,7 @@
           <a:p>
             <a:fld id="{5BCAD085-E8A6-8845-BD4E-CB4CCA059FC4}" type="datetimeFigureOut">
               <a:rPr lang="en-US" smtClean="0"/>
-              <a:t>11/8/2024</a:t>
+              <a:t>11/15/2024</a:t>
             </a:fld>
             <a:endParaRPr lang="en-US"/>
           </a:p>
@@ -935,7 +938,7 @@
           <a:p>
             <a:fld id="{5BCAD085-E8A6-8845-BD4E-CB4CCA059FC4}" type="datetimeFigureOut">
               <a:rPr lang="en-US" smtClean="0"/>
-              <a:t>11/8/2024</a:t>
+              <a:t>11/15/2024</a:t>
             </a:fld>
             <a:endParaRPr lang="en-US"/>
           </a:p>
@@ -1120,7 +1123,7 @@
           <a:p>
             <a:fld id="{5BCAD085-E8A6-8845-BD4E-CB4CCA059FC4}" type="datetimeFigureOut">
               <a:rPr lang="en-US" smtClean="0"/>
-              <a:t>11/8/2024</a:t>
+              <a:t>11/15/2024</a:t>
             </a:fld>
             <a:endParaRPr lang="en-US"/>
           </a:p>
@@ -1270,7 +1273,7 @@
           <a:p>
             <a:fld id="{5BCAD085-E8A6-8845-BD4E-CB4CCA059FC4}" type="datetimeFigureOut">
               <a:rPr lang="en-US" smtClean="0"/>
-              <a:t>11/8/2024</a:t>
+              <a:t>11/15/2024</a:t>
             </a:fld>
             <a:endParaRPr lang="en-US"/>
           </a:p>
@@ -1525,7 +1528,7 @@
           <a:p>
             <a:fld id="{5BCAD085-E8A6-8845-BD4E-CB4CCA059FC4}" type="datetimeFigureOut">
               <a:rPr lang="en-US" smtClean="0"/>
-              <a:t>11/8/2024</a:t>
+              <a:t>11/15/2024</a:t>
             </a:fld>
             <a:endParaRPr lang="en-US"/>
           </a:p>
@@ -1934,7 +1937,7 @@
           <a:p>
             <a:fld id="{5BCAD085-E8A6-8845-BD4E-CB4CCA059FC4}" type="datetimeFigureOut">
               <a:rPr lang="en-US" smtClean="0"/>
-              <a:t>11/8/2024</a:t>
+              <a:t>11/15/2024</a:t>
             </a:fld>
             <a:endParaRPr lang="en-US"/>
           </a:p>
@@ -2380,7 +2383,7 @@
           <a:p>
             <a:fld id="{5BCAD085-E8A6-8845-BD4E-CB4CCA059FC4}" type="datetimeFigureOut">
               <a:rPr lang="en-US" smtClean="0"/>
-              <a:t>11/8/2024</a:t>
+              <a:t>11/15/2024</a:t>
             </a:fld>
             <a:endParaRPr lang="en-US"/>
           </a:p>
@@ -2481,7 +2484,7 @@
           <a:p>
             <a:fld id="{5BCAD085-E8A6-8845-BD4E-CB4CCA059FC4}" type="datetimeFigureOut">
               <a:rPr lang="en-US" smtClean="0"/>
-              <a:t>11/8/2024</a:t>
+              <a:t>11/15/2024</a:t>
             </a:fld>
             <a:endParaRPr lang="en-US"/>
           </a:p>
@@ -2602,7 +2605,7 @@
           <a:p>
             <a:fld id="{5BCAD085-E8A6-8845-BD4E-CB4CCA059FC4}" type="datetimeFigureOut">
               <a:rPr lang="en-US" smtClean="0"/>
-              <a:t>11/8/2024</a:t>
+              <a:t>11/15/2024</a:t>
             </a:fld>
             <a:endParaRPr lang="en-US"/>
           </a:p>
@@ -2876,7 +2879,7 @@
           <a:p>
             <a:fld id="{5BCAD085-E8A6-8845-BD4E-CB4CCA059FC4}" type="datetimeFigureOut">
               <a:rPr lang="en-US" smtClean="0"/>
-              <a:t>11/8/2024</a:t>
+              <a:t>11/15/2024</a:t>
             </a:fld>
             <a:endParaRPr lang="en-US"/>
           </a:p>
@@ -3081,7 +3084,7 @@
           <a:p>
             <a:fld id="{5BCAD085-E8A6-8845-BD4E-CB4CCA059FC4}" type="datetimeFigureOut">
               <a:rPr lang="en-US" smtClean="0"/>
-              <a:t>11/8/2024</a:t>
+              <a:t>11/15/2024</a:t>
             </a:fld>
             <a:endParaRPr lang="en-US"/>
           </a:p>
@@ -4190,7 +4193,7 @@
           <a:p>
             <a:fld id="{5BCAD085-E8A6-8845-BD4E-CB4CCA059FC4}" type="datetimeFigureOut">
               <a:rPr lang="en-US" smtClean="0"/>
-              <a:t>11/8/2024</a:t>
+              <a:t>11/15/2024</a:t>
             </a:fld>
             <a:endParaRPr lang="en-US"/>
           </a:p>
@@ -4701,6 +4704,587 @@
           </a:p>
         </p:txBody>
       </p:sp>
+      <p:pic>
+        <p:nvPicPr>
+          <p:cNvPr id="4" name="Picture 2"/>
+          <p:cNvPicPr>
+            <a:picLocks noChangeAspect="1" noChangeArrowheads="1"/>
+          </p:cNvPicPr>
+          <p:nvPr/>
+        </p:nvPicPr>
+        <p:blipFill>
+          <a:blip r:embed="rId2">
+            <a:extLst>
+              <a:ext uri="{28A0092B-C50C-407E-A947-70E740481C1C}">
+                <a14:useLocalDpi xmlns:a14="http://schemas.microsoft.com/office/drawing/2010/main" val="0"/>
+              </a:ext>
+            </a:extLst>
+          </a:blip>
+          <a:srcRect/>
+          <a:stretch>
+            <a:fillRect/>
+          </a:stretch>
+        </p:blipFill>
+        <p:spPr bwMode="auto">
+          <a:xfrm>
+            <a:off x="1241425" y="4346139"/>
+            <a:ext cx="3152775" cy="2296779"/>
+          </a:xfrm>
+          <a:prstGeom prst="rect">
+            <a:avLst/>
+          </a:prstGeom>
+          <a:noFill/>
+          <a:ln>
+            <a:noFill/>
+          </a:ln>
+          <a:effectLst/>
+          <a:extLst>
+            <a:ext uri="{909E8E84-426E-40DD-AFC4-6F175D3DCCD1}">
+              <a14:hiddenFill xmlns:a14="http://schemas.microsoft.com/office/drawing/2010/main">
+                <a:solidFill>
+                  <a:schemeClr val="accent1"/>
+                </a:solidFill>
+              </a14:hiddenFill>
+            </a:ext>
+            <a:ext uri="{91240B29-F687-4F45-9708-019B960494DF}">
+              <a14:hiddenLine xmlns:a14="http://schemas.microsoft.com/office/drawing/2010/main" w="9525">
+                <a:solidFill>
+                  <a:schemeClr val="tx1"/>
+                </a:solidFill>
+                <a:miter lim="800000"/>
+                <a:headEnd/>
+                <a:tailEnd/>
+              </a14:hiddenLine>
+            </a:ext>
+            <a:ext uri="{AF507438-7753-43E0-B8FC-AC1667EBCBE1}">
+              <a14:hiddenEffects xmlns:a14="http://schemas.microsoft.com/office/drawing/2010/main">
+                <a:effectLst>
+                  <a:outerShdw dist="35921" dir="2700000" algn="ctr" rotWithShape="0">
+                    <a:schemeClr val="bg2"/>
+                  </a:outerShdw>
+                </a:effectLst>
+              </a14:hiddenEffects>
+            </a:ext>
+          </a:extLst>
+        </p:spPr>
+      </p:pic>
+    </p:spTree>
+  </p:cSld>
+  <p:clrMapOvr>
+    <a:masterClrMapping/>
+  </p:clrMapOvr>
+  <p:timing>
+    <p:tnLst>
+      <p:par>
+        <p:cTn id="1" dur="indefinite" restart="never" nodeType="tmRoot"/>
+      </p:par>
+    </p:tnLst>
+  </p:timing>
+</p:sld>
+</file>
+
+<file path=ppt/slides/slide10.xml><?xml version="1.0" encoding="utf-8"?>
+<p:sld xmlns:a="http://schemas.openxmlformats.org/drawingml/2006/main" xmlns:r="http://schemas.openxmlformats.org/officeDocument/2006/relationships" xmlns:p="http://schemas.openxmlformats.org/presentationml/2006/main">
+  <p:cSld>
+    <p:spTree>
+      <p:nvGrpSpPr>
+        <p:cNvPr id="1" name=""/>
+        <p:cNvGrpSpPr/>
+        <p:nvPr/>
+      </p:nvGrpSpPr>
+      <p:grpSpPr>
+        <a:xfrm>
+          <a:off x="0" y="0"/>
+          <a:ext cx="0" cy="0"/>
+          <a:chOff x="0" y="0"/>
+          <a:chExt cx="0" cy="0"/>
+        </a:xfrm>
+      </p:grpSpPr>
+      <p:sp>
+        <p:nvSpPr>
+          <p:cNvPr id="3" name="Content Placeholder 2"/>
+          <p:cNvSpPr>
+            <a:spLocks noGrp="1"/>
+          </p:cNvSpPr>
+          <p:nvPr>
+            <p:ph idx="1"/>
+          </p:nvPr>
+        </p:nvSpPr>
+        <p:spPr/>
+        <p:txBody>
+          <a:bodyPr/>
+          <a:lstStyle/>
+          <a:p>
+            <a:pPr marL="0" indent="0">
+              <a:buNone/>
+            </a:pPr>
+            <a:r>
+              <a:rPr dirty="0"/>
+              <a:t>• </a:t>
+            </a:r>
+            <a:r>
+              <a:rPr dirty="0" err="1"/>
+              <a:t>Uso</a:t>
+            </a:r>
+            <a:r>
+              <a:rPr dirty="0"/>
+              <a:t> de la </a:t>
+            </a:r>
+            <a:r>
+              <a:rPr dirty="0" err="1"/>
+              <a:t>técnica</a:t>
+            </a:r>
+            <a:r>
+              <a:rPr dirty="0"/>
+              <a:t> de </a:t>
+            </a:r>
+            <a:r>
+              <a:rPr dirty="0" err="1"/>
+              <a:t>correlación</a:t>
+            </a:r>
+            <a:r>
+              <a:rPr dirty="0"/>
+              <a:t> de speckle </a:t>
+            </a:r>
+            <a:r>
+              <a:rPr dirty="0" err="1"/>
+              <a:t>en</a:t>
+            </a:r>
+            <a:r>
+              <a:rPr dirty="0"/>
+              <a:t> </a:t>
+            </a:r>
+            <a:r>
+              <a:rPr dirty="0" err="1"/>
+              <a:t>tiempo</a:t>
+            </a:r>
+            <a:r>
+              <a:rPr dirty="0"/>
+              <a:t> real:</a:t>
+            </a:r>
+          </a:p>
+          <a:p>
+            <a:pPr marL="0" indent="0">
+              <a:buNone/>
+            </a:pPr>
+            <a:r>
+              <a:rPr dirty="0"/>
+              <a:t>  - </a:t>
+            </a:r>
+            <a:r>
+              <a:rPr dirty="0" err="1"/>
+              <a:t>Dinámica</a:t>
+            </a:r>
+            <a:r>
+              <a:rPr dirty="0"/>
+              <a:t> </a:t>
+            </a:r>
+            <a:r>
+              <a:rPr dirty="0" err="1"/>
+              <a:t>interconexión</a:t>
+            </a:r>
+            <a:r>
+              <a:rPr dirty="0"/>
+              <a:t> de </a:t>
+            </a:r>
+            <a:r>
+              <a:rPr dirty="0" err="1"/>
+              <a:t>píxeles</a:t>
+            </a:r>
+            <a:r>
+              <a:rPr dirty="0"/>
+              <a:t> para </a:t>
+            </a:r>
+            <a:r>
+              <a:rPr dirty="0" err="1"/>
+              <a:t>correlación</a:t>
+            </a:r>
+            <a:r>
+              <a:rPr dirty="0"/>
+              <a:t> </a:t>
+            </a:r>
+            <a:r>
+              <a:rPr dirty="0" err="1"/>
+              <a:t>instantánea</a:t>
+            </a:r>
+            <a:r>
+              <a:rPr dirty="0"/>
+              <a:t>.</a:t>
+            </a:r>
+          </a:p>
+          <a:p>
+            <a:pPr marL="0" indent="0">
+              <a:buNone/>
+            </a:pPr>
+            <a:r>
+              <a:rPr dirty="0"/>
+              <a:t>  - </a:t>
+            </a:r>
+            <a:r>
+              <a:rPr dirty="0" err="1"/>
+              <a:t>Mide</a:t>
+            </a:r>
+            <a:r>
+              <a:rPr dirty="0"/>
+              <a:t> </a:t>
+            </a:r>
+            <a:r>
+              <a:rPr dirty="0" err="1"/>
+              <a:t>velocidad</a:t>
+            </a:r>
+            <a:r>
+              <a:rPr dirty="0"/>
+              <a:t> de </a:t>
+            </a:r>
+            <a:r>
+              <a:rPr dirty="0" err="1"/>
+              <a:t>rotación</a:t>
+            </a:r>
+            <a:r>
+              <a:rPr dirty="0"/>
+              <a:t> y </a:t>
+            </a:r>
+            <a:r>
+              <a:rPr dirty="0" err="1"/>
+              <a:t>posición</a:t>
+            </a:r>
+            <a:r>
+              <a:rPr dirty="0"/>
+              <a:t> angular </a:t>
+            </a:r>
+            <a:r>
+              <a:rPr dirty="0" err="1"/>
+              <a:t>en</a:t>
+            </a:r>
+            <a:r>
+              <a:rPr dirty="0"/>
+              <a:t> </a:t>
+            </a:r>
+            <a:r>
+              <a:rPr dirty="0" err="1"/>
+              <a:t>ejes</a:t>
+            </a:r>
+            <a:r>
+              <a:rPr dirty="0"/>
+              <a:t>.</a:t>
+            </a:r>
+          </a:p>
+          <a:p>
+            <a:pPr marL="0" indent="0">
+              <a:buNone/>
+            </a:pPr>
+            <a:r>
+              <a:rPr dirty="0"/>
+              <a:t>  - </a:t>
+            </a:r>
+            <a:r>
+              <a:rPr dirty="0" err="1"/>
+              <a:t>Multipropósito</a:t>
+            </a:r>
+            <a:r>
+              <a:rPr dirty="0"/>
+              <a:t>: </a:t>
+            </a:r>
+            <a:r>
+              <a:rPr dirty="0" err="1"/>
+              <a:t>detección</a:t>
+            </a:r>
+            <a:r>
+              <a:rPr dirty="0"/>
+              <a:t> de </a:t>
+            </a:r>
+            <a:r>
+              <a:rPr dirty="0" err="1"/>
+              <a:t>ultrasonido</a:t>
+            </a:r>
+            <a:r>
+              <a:rPr dirty="0"/>
+              <a:t> y </a:t>
+            </a:r>
+            <a:r>
+              <a:rPr dirty="0" err="1"/>
+              <a:t>otras</a:t>
+            </a:r>
+            <a:r>
+              <a:rPr dirty="0"/>
+              <a:t> </a:t>
+            </a:r>
+            <a:r>
+              <a:rPr dirty="0" err="1"/>
+              <a:t>aplicaciones</a:t>
+            </a:r>
+            <a:r>
+              <a:rPr dirty="0"/>
+              <a:t> </a:t>
+            </a:r>
+            <a:r>
+              <a:rPr dirty="0" err="1"/>
+              <a:t>industriales</a:t>
+            </a:r>
+            <a:r>
+              <a:rPr dirty="0"/>
+              <a:t>.</a:t>
+            </a:r>
+          </a:p>
+        </p:txBody>
+      </p:sp>
+      <p:sp>
+        <p:nvSpPr>
+          <p:cNvPr id="2" name="Title 1"/>
+          <p:cNvSpPr>
+            <a:spLocks noGrp="1"/>
+          </p:cNvSpPr>
+          <p:nvPr>
+            <p:ph type="title"/>
+          </p:nvPr>
+        </p:nvSpPr>
+        <p:spPr/>
+        <p:txBody>
+          <a:bodyPr>
+            <a:normAutofit/>
+          </a:bodyPr>
+          <a:lstStyle/>
+          <a:p>
+            <a:r>
+              <a:rPr dirty="0" err="1"/>
+              <a:t>Innovación</a:t>
+            </a:r>
+            <a:r>
+              <a:rPr dirty="0"/>
+              <a:t> </a:t>
+            </a:r>
+            <a:r>
+              <a:rPr dirty="0" err="1"/>
+              <a:t>Propuesta</a:t>
+            </a:r>
+            <a:endParaRPr dirty="0"/>
+          </a:p>
+        </p:txBody>
+      </p:sp>
+    </p:spTree>
+  </p:cSld>
+  <p:clrMapOvr>
+    <a:masterClrMapping/>
+  </p:clrMapOvr>
+  <p:timing>
+    <p:tnLst>
+      <p:par>
+        <p:cTn id="1" dur="indefinite" restart="never" nodeType="tmRoot"/>
+      </p:par>
+    </p:tnLst>
+  </p:timing>
+</p:sld>
+</file>
+
+<file path=ppt/slides/slide11.xml><?xml version="1.0" encoding="utf-8"?>
+<p:sld xmlns:a="http://schemas.openxmlformats.org/drawingml/2006/main" xmlns:r="http://schemas.openxmlformats.org/officeDocument/2006/relationships" xmlns:p="http://schemas.openxmlformats.org/presentationml/2006/main">
+  <p:cSld>
+    <p:spTree>
+      <p:nvGrpSpPr>
+        <p:cNvPr id="1" name=""/>
+        <p:cNvGrpSpPr/>
+        <p:nvPr/>
+      </p:nvGrpSpPr>
+      <p:grpSpPr>
+        <a:xfrm>
+          <a:off x="0" y="0"/>
+          <a:ext cx="0" cy="0"/>
+          <a:chOff x="0" y="0"/>
+          <a:chExt cx="0" cy="0"/>
+        </a:xfrm>
+      </p:grpSpPr>
+      <p:sp>
+        <p:nvSpPr>
+          <p:cNvPr id="3" name="Content Placeholder 2"/>
+          <p:cNvSpPr>
+            <a:spLocks noGrp="1"/>
+          </p:cNvSpPr>
+          <p:nvPr>
+            <p:ph idx="1"/>
+          </p:nvPr>
+        </p:nvSpPr>
+        <p:spPr/>
+        <p:txBody>
+          <a:bodyPr/>
+          <a:lstStyle/>
+          <a:p>
+            <a:pPr marL="0" indent="0">
+              <a:buNone/>
+            </a:pPr>
+            <a:r>
+              <a:rPr dirty="0"/>
+              <a:t>• </a:t>
+            </a:r>
+            <a:r>
+              <a:rPr dirty="0" err="1"/>
+              <a:t>Medición</a:t>
+            </a:r>
+            <a:r>
+              <a:rPr dirty="0"/>
+              <a:t> de </a:t>
+            </a:r>
+            <a:r>
+              <a:rPr dirty="0" err="1"/>
+              <a:t>posición</a:t>
+            </a:r>
+            <a:r>
+              <a:rPr dirty="0"/>
+              <a:t> angular y </a:t>
+            </a:r>
+            <a:r>
+              <a:rPr dirty="0" err="1"/>
+              <a:t>velocidad</a:t>
+            </a:r>
+            <a:r>
+              <a:rPr dirty="0"/>
+              <a:t> de </a:t>
+            </a:r>
+            <a:r>
+              <a:rPr dirty="0" err="1"/>
+              <a:t>giro</a:t>
+            </a:r>
+            <a:r>
+              <a:rPr dirty="0"/>
+              <a:t>.</a:t>
+            </a:r>
+          </a:p>
+          <a:p>
+            <a:pPr marL="0" indent="0">
+              <a:buNone/>
+            </a:pPr>
+            <a:r>
+              <a:rPr dirty="0"/>
+              <a:t>• </a:t>
+            </a:r>
+            <a:r>
+              <a:rPr dirty="0" err="1"/>
+              <a:t>Expectativas</a:t>
+            </a:r>
+            <a:r>
+              <a:rPr dirty="0"/>
+              <a:t> de </a:t>
+            </a:r>
+            <a:r>
+              <a:rPr dirty="0" err="1"/>
+              <a:t>linealidad</a:t>
+            </a:r>
+            <a:r>
+              <a:rPr dirty="0"/>
+              <a:t> </a:t>
+            </a:r>
+            <a:r>
+              <a:rPr dirty="0" err="1"/>
+              <a:t>en</a:t>
+            </a:r>
+            <a:r>
+              <a:rPr dirty="0"/>
+              <a:t> la </a:t>
+            </a:r>
+            <a:r>
+              <a:rPr dirty="0" err="1"/>
+              <a:t>fotorespuesta</a:t>
+            </a:r>
+            <a:r>
+              <a:rPr dirty="0"/>
+              <a:t>.</a:t>
+            </a:r>
+          </a:p>
+          <a:p>
+            <a:pPr marL="0" indent="0">
+              <a:buNone/>
+            </a:pPr>
+            <a:r>
+              <a:rPr dirty="0"/>
+              <a:t>• </a:t>
+            </a:r>
+            <a:r>
+              <a:rPr dirty="0" err="1"/>
+              <a:t>Respuesta</a:t>
+            </a:r>
+            <a:r>
+              <a:rPr dirty="0"/>
+              <a:t> </a:t>
+            </a:r>
+            <a:r>
+              <a:rPr dirty="0" err="1"/>
+              <a:t>en</a:t>
+            </a:r>
+            <a:r>
+              <a:rPr dirty="0"/>
+              <a:t> </a:t>
+            </a:r>
+            <a:r>
+              <a:rPr dirty="0" err="1"/>
+              <a:t>frecuencia</a:t>
+            </a:r>
+            <a:r>
+              <a:rPr dirty="0"/>
+              <a:t> superior al </a:t>
+            </a:r>
+            <a:r>
+              <a:rPr dirty="0" err="1"/>
+              <a:t>MHz.</a:t>
+            </a:r>
+            <a:endParaRPr dirty="0"/>
+          </a:p>
+          <a:p>
+            <a:pPr marL="0" indent="0">
+              <a:buNone/>
+            </a:pPr>
+            <a:r>
+              <a:rPr dirty="0"/>
+              <a:t>• El </a:t>
+            </a:r>
+            <a:r>
+              <a:rPr dirty="0" err="1"/>
+              <a:t>proyecto</a:t>
+            </a:r>
+            <a:r>
+              <a:rPr dirty="0"/>
+              <a:t> </a:t>
+            </a:r>
+            <a:r>
+              <a:rPr dirty="0" err="1"/>
+              <a:t>culminará</a:t>
+            </a:r>
+            <a:r>
+              <a:rPr dirty="0"/>
+              <a:t> con el </a:t>
+            </a:r>
+            <a:r>
+              <a:rPr dirty="0" err="1"/>
+              <a:t>diseño</a:t>
+            </a:r>
+            <a:r>
+              <a:rPr dirty="0"/>
+              <a:t> del sensor.</a:t>
+            </a:r>
+          </a:p>
+        </p:txBody>
+      </p:sp>
+      <p:sp>
+        <p:nvSpPr>
+          <p:cNvPr id="2" name="Title 1"/>
+          <p:cNvSpPr>
+            <a:spLocks noGrp="1"/>
+          </p:cNvSpPr>
+          <p:nvPr>
+            <p:ph type="title"/>
+          </p:nvPr>
+        </p:nvSpPr>
+        <p:spPr/>
+        <p:txBody>
+          <a:bodyPr/>
+          <a:lstStyle/>
+          <a:p>
+            <a:r>
+              <a:rPr dirty="0" err="1"/>
+              <a:t>Alcance</a:t>
+            </a:r>
+            <a:endParaRPr dirty="0"/>
+          </a:p>
+        </p:txBody>
+      </p:sp>
     </p:spTree>
   </p:cSld>
   <p:clrMapOvr>
@@ -4854,7 +5438,11 @@
             </a:r>
             <a:r>
               <a:rPr dirty="0"/>
-              <a:t> 'speckle'.</a:t>
+              <a:t> </a:t>
+            </a:r>
+            <a:r>
+              <a:rPr b="1" dirty="0"/>
+              <a:t>'speckle'.</a:t>
             </a:r>
           </a:p>
           <a:p>
@@ -5077,47 +5665,47 @@
               <a:t>Diseñar</a:t>
             </a:r>
             <a:r>
-              <a:rPr dirty="0"/>
+              <a:rPr dirty="0" smtClean="0"/>
               <a:t>, </a:t>
             </a:r>
             <a:r>
-              <a:rPr dirty="0" err="1"/>
+              <a:rPr dirty="0" err="1" smtClean="0"/>
               <a:t>simular</a:t>
             </a:r>
             <a:r>
-              <a:rPr dirty="0"/>
+              <a:rPr dirty="0" smtClean="0"/>
               <a:t> y </a:t>
             </a:r>
             <a:r>
-              <a:rPr dirty="0" err="1"/>
+              <a:rPr dirty="0" err="1" smtClean="0"/>
               <a:t>fabricar</a:t>
             </a:r>
             <a:r>
-              <a:rPr dirty="0"/>
+              <a:rPr dirty="0" smtClean="0"/>
               <a:t> un sensor </a:t>
             </a:r>
             <a:r>
-              <a:rPr dirty="0" err="1"/>
+              <a:rPr dirty="0" err="1" smtClean="0"/>
               <a:t>fotodetector</a:t>
             </a:r>
             <a:r>
-              <a:rPr dirty="0"/>
+              <a:rPr dirty="0" smtClean="0"/>
               <a:t> de </a:t>
             </a:r>
             <a:r>
-              <a:rPr dirty="0" err="1"/>
+              <a:rPr dirty="0" err="1" smtClean="0"/>
               <a:t>píxeles</a:t>
             </a:r>
             <a:r>
-              <a:rPr dirty="0"/>
+              <a:rPr dirty="0" smtClean="0"/>
               <a:t> </a:t>
             </a:r>
             <a:r>
-              <a:rPr dirty="0" err="1"/>
+              <a:rPr dirty="0" err="1" smtClean="0"/>
               <a:t>interconectables</a:t>
             </a:r>
             <a:r>
-              <a:rPr dirty="0"/>
+              <a:rPr dirty="0" smtClean="0"/>
               <a:t>.</a:t>
             </a:r>
           </a:p>
@@ -5126,63 +5714,63 @@
               <a:buNone/>
             </a:pPr>
             <a:r>
-              <a:rPr dirty="0"/>
+              <a:rPr dirty="0" smtClean="0"/>
               <a:t>  - </a:t>
             </a:r>
             <a:r>
-              <a:rPr dirty="0" err="1"/>
+              <a:rPr dirty="0" err="1" smtClean="0"/>
               <a:t>Aplicaciones</a:t>
             </a:r>
             <a:r>
-              <a:rPr dirty="0"/>
+              <a:rPr dirty="0" smtClean="0"/>
               <a:t> </a:t>
             </a:r>
             <a:r>
-              <a:rPr dirty="0" err="1"/>
+              <a:rPr dirty="0" err="1" smtClean="0"/>
               <a:t>en</a:t>
             </a:r>
             <a:r>
-              <a:rPr dirty="0"/>
+              <a:rPr dirty="0" smtClean="0"/>
               <a:t> </a:t>
             </a:r>
             <a:r>
-              <a:rPr dirty="0" err="1"/>
+              <a:rPr dirty="0" err="1" smtClean="0"/>
               <a:t>detección</a:t>
             </a:r>
             <a:r>
-              <a:rPr dirty="0"/>
+              <a:rPr dirty="0" smtClean="0"/>
               <a:t> de </a:t>
             </a:r>
             <a:r>
-              <a:rPr dirty="0" err="1"/>
+              <a:rPr dirty="0" err="1" smtClean="0"/>
               <a:t>posición</a:t>
             </a:r>
             <a:r>
-              <a:rPr dirty="0"/>
+              <a:rPr dirty="0" smtClean="0"/>
               <a:t>, </a:t>
             </a:r>
             <a:r>
-              <a:rPr dirty="0" err="1"/>
+              <a:rPr dirty="0" err="1" smtClean="0"/>
               <a:t>velocidad</a:t>
             </a:r>
             <a:r>
-              <a:rPr dirty="0"/>
+              <a:rPr dirty="0" smtClean="0"/>
               <a:t> y </a:t>
             </a:r>
             <a:r>
-              <a:rPr dirty="0" err="1"/>
+              <a:rPr dirty="0" err="1" smtClean="0"/>
               <a:t>vibraciones</a:t>
             </a:r>
             <a:r>
-              <a:rPr dirty="0"/>
+              <a:rPr dirty="0" smtClean="0"/>
               <a:t> de superficies </a:t>
             </a:r>
             <a:r>
-              <a:rPr dirty="0" err="1"/>
+              <a:rPr dirty="0" err="1" smtClean="0"/>
               <a:t>rugosas</a:t>
             </a:r>
             <a:r>
-              <a:rPr dirty="0"/>
+              <a:rPr dirty="0" smtClean="0"/>
               <a:t>.</a:t>
             </a:r>
           </a:p>
@@ -5191,47 +5779,47 @@
               <a:buNone/>
             </a:pPr>
             <a:r>
-              <a:rPr dirty="0"/>
+              <a:rPr dirty="0" smtClean="0"/>
               <a:t>  - </a:t>
             </a:r>
             <a:r>
-              <a:rPr dirty="0" err="1"/>
+              <a:rPr dirty="0" err="1" smtClean="0"/>
               <a:t>Mediciones</a:t>
             </a:r>
             <a:r>
-              <a:rPr dirty="0"/>
+              <a:rPr dirty="0" smtClean="0"/>
               <a:t> sin </a:t>
             </a:r>
             <a:r>
-              <a:rPr dirty="0" err="1"/>
+              <a:rPr dirty="0" err="1" smtClean="0"/>
               <a:t>necesidad</a:t>
             </a:r>
             <a:r>
-              <a:rPr dirty="0"/>
+              <a:rPr dirty="0" smtClean="0"/>
               <a:t> de </a:t>
             </a:r>
             <a:r>
-              <a:rPr dirty="0" err="1"/>
+              <a:rPr dirty="0" err="1" smtClean="0"/>
               <a:t>marcas</a:t>
             </a:r>
             <a:r>
-              <a:rPr dirty="0"/>
+              <a:rPr dirty="0" smtClean="0"/>
               <a:t> </a:t>
             </a:r>
             <a:r>
-              <a:rPr dirty="0" err="1"/>
+              <a:rPr dirty="0" err="1" smtClean="0"/>
               <a:t>en</a:t>
             </a:r>
             <a:r>
-              <a:rPr dirty="0"/>
+              <a:rPr dirty="0" smtClean="0"/>
               <a:t> la </a:t>
             </a:r>
             <a:r>
-              <a:rPr dirty="0" err="1"/>
+              <a:rPr dirty="0" err="1" smtClean="0"/>
               <a:t>pieza</a:t>
             </a:r>
             <a:r>
-              <a:rPr dirty="0"/>
+              <a:rPr dirty="0" smtClean="0"/>
               <a:t>.</a:t>
             </a:r>
           </a:p>
@@ -5240,41 +5828,42 @@
               <a:buNone/>
             </a:pPr>
             <a:r>
-              <a:rPr dirty="0"/>
+              <a:rPr dirty="0" smtClean="0"/>
               <a:t>  - </a:t>
             </a:r>
             <a:r>
-              <a:rPr dirty="0" err="1"/>
+              <a:rPr dirty="0" err="1" smtClean="0"/>
               <a:t>Salida</a:t>
             </a:r>
             <a:r>
-              <a:rPr dirty="0"/>
+              <a:rPr dirty="0" smtClean="0"/>
               <a:t> </a:t>
             </a:r>
             <a:r>
-              <a:rPr dirty="0" err="1"/>
+              <a:rPr dirty="0" err="1" smtClean="0"/>
               <a:t>analógica</a:t>
             </a:r>
             <a:r>
-              <a:rPr dirty="0"/>
+              <a:rPr dirty="0" smtClean="0"/>
               <a:t> para registrar </a:t>
             </a:r>
             <a:r>
-              <a:rPr dirty="0" err="1"/>
+              <a:rPr dirty="0" err="1" smtClean="0"/>
               <a:t>variaciones</a:t>
             </a:r>
             <a:r>
-              <a:rPr dirty="0"/>
+              <a:rPr dirty="0" smtClean="0"/>
               <a:t> de mayor </a:t>
             </a:r>
             <a:r>
-              <a:rPr dirty="0" err="1"/>
+              <a:rPr dirty="0" err="1" smtClean="0"/>
               <a:t>frecuencia</a:t>
             </a:r>
             <a:r>
-              <a:rPr dirty="0"/>
+              <a:rPr dirty="0" smtClean="0"/>
               <a:t>.</a:t>
             </a:r>
+            <a:endParaRPr dirty="0"/>
           </a:p>
         </p:txBody>
       </p:sp>
@@ -5549,330 +6138,85 @@
         </p:nvSpPr>
         <p:spPr/>
         <p:txBody>
-          <a:bodyPr>
-            <a:normAutofit lnSpcReduction="10000"/>
-          </a:bodyPr>
+          <a:bodyPr/>
           <a:lstStyle/>
           <a:p>
             <a:pPr marL="457200" indent="-457200">
               <a:buClrTx/>
-              <a:buSzPct val="85000"/>
+              <a:buSzPct val="100000"/>
               <a:buFont typeface="Arial" panose="020B0604020202020204" pitchFamily="34" charset="0"/>
               <a:buChar char="•"/>
             </a:pPr>
             <a:r>
-              <a:rPr dirty="0" err="1" smtClean="0"/>
-              <a:t>Sensores</a:t>
-            </a:r>
-            <a:r>
-              <a:rPr dirty="0" smtClean="0"/>
-              <a:t> </a:t>
-            </a:r>
-            <a:r>
-              <a:rPr dirty="0"/>
-              <a:t>de luz CMOS con </a:t>
-            </a:r>
-            <a:r>
-              <a:rPr dirty="0" err="1"/>
-              <a:t>píxeles</a:t>
-            </a:r>
-            <a:r>
-              <a:rPr dirty="0"/>
-              <a:t> </a:t>
-            </a:r>
-            <a:r>
-              <a:rPr dirty="0" err="1"/>
-              <a:t>interconectables</a:t>
-            </a:r>
-            <a:r>
-              <a:rPr dirty="0"/>
-              <a:t> </a:t>
-            </a:r>
-            <a:r>
-              <a:rPr dirty="0" err="1"/>
-              <a:t>ya</a:t>
-            </a:r>
-            <a:r>
-              <a:rPr dirty="0"/>
-              <a:t> </a:t>
-            </a:r>
-            <a:r>
-              <a:rPr dirty="0" err="1" smtClean="0"/>
-              <a:t>existen</a:t>
-            </a:r>
-            <a:r>
-              <a:rPr dirty="0" smtClean="0"/>
-              <a:t>.</a:t>
+              <a:rPr lang="es-AR" dirty="0" smtClean="0"/>
+              <a:t>Detección </a:t>
+            </a:r>
+            <a:r>
+              <a:rPr lang="es-AR" dirty="0"/>
+              <a:t>de vibraciones en pruebas no destructivas, </a:t>
+            </a:r>
+            <a:r>
+              <a:rPr lang="es-AR" dirty="0" smtClean="0"/>
+              <a:t>medición de velocidad </a:t>
+            </a:r>
+            <a:r>
+              <a:rPr lang="es-AR" dirty="0"/>
+              <a:t>de ejes de motores, y la detección de </a:t>
+            </a:r>
+            <a:r>
+              <a:rPr lang="es-AR" dirty="0" smtClean="0"/>
+              <a:t>desplazamientos </a:t>
+            </a:r>
+            <a:r>
+              <a:rPr lang="es-AR" dirty="0"/>
+              <a:t>angulares en maquinaria industrial. </a:t>
             </a:r>
             <a:endParaRPr lang="es-AR" dirty="0" smtClean="0"/>
           </a:p>
           <a:p>
             <a:pPr marL="457200" indent="-457200">
-              <a:buClrTx/>
-              <a:buSzPct val="85000"/>
               <a:buFont typeface="Arial" panose="020B0604020202020204" pitchFamily="34" charset="0"/>
               <a:buChar char="•"/>
             </a:pPr>
-            <a:r>
-              <a:rPr dirty="0" smtClean="0"/>
-              <a:t>Se </a:t>
-            </a:r>
-            <a:r>
-              <a:rPr dirty="0" err="1"/>
-              <a:t>enfocan</a:t>
-            </a:r>
-            <a:r>
-              <a:rPr dirty="0"/>
-              <a:t> </a:t>
-            </a:r>
-            <a:r>
-              <a:rPr dirty="0" err="1"/>
-              <a:t>en</a:t>
-            </a:r>
-            <a:r>
-              <a:rPr dirty="0"/>
-              <a:t> </a:t>
-            </a:r>
-            <a:r>
-              <a:rPr dirty="0" err="1"/>
-              <a:t>mejorar</a:t>
-            </a:r>
-            <a:r>
-              <a:rPr dirty="0"/>
-              <a:t> </a:t>
-            </a:r>
-            <a:r>
-              <a:rPr dirty="0" err="1"/>
-              <a:t>sensibilidad</a:t>
-            </a:r>
-            <a:r>
-              <a:rPr dirty="0"/>
-              <a:t> o </a:t>
-            </a:r>
-            <a:r>
-              <a:rPr dirty="0" err="1"/>
-              <a:t>resolución</a:t>
-            </a:r>
-            <a:r>
-              <a:rPr dirty="0"/>
-              <a:t> de imagen.</a:t>
-            </a:r>
-          </a:p>
-          <a:p>
-            <a:pPr marL="457200" indent="-457200">
-              <a:buClrTx/>
-              <a:buSzPct val="85000"/>
-              <a:buFont typeface="Arial" panose="020B0604020202020204" pitchFamily="34" charset="0"/>
-              <a:buChar char="•"/>
+            <a:endParaRPr lang="es-AR" dirty="0" smtClean="0"/>
+          </a:p>
+          <a:p>
+            <a:pPr marL="0" indent="0" algn="ctr">
+              <a:buNone/>
             </a:pPr>
             <a:r>
-              <a:rPr dirty="0" smtClean="0"/>
-              <a:t>La </a:t>
-            </a:r>
-            <a:r>
-              <a:rPr dirty="0" err="1"/>
-              <a:t>propuesta</a:t>
-            </a:r>
-            <a:r>
-              <a:rPr dirty="0"/>
-              <a:t> actual </a:t>
-            </a:r>
-            <a:r>
-              <a:rPr dirty="0" err="1"/>
-              <a:t>incluye</a:t>
-            </a:r>
-            <a:r>
-              <a:rPr dirty="0"/>
-              <a:t> </a:t>
-            </a:r>
-            <a:r>
-              <a:rPr dirty="0" err="1"/>
-              <a:t>interconexión</a:t>
-            </a:r>
-            <a:r>
-              <a:rPr dirty="0"/>
-              <a:t> </a:t>
-            </a:r>
-            <a:r>
-              <a:rPr dirty="0" err="1"/>
-              <a:t>dinámica</a:t>
-            </a:r>
-            <a:r>
-              <a:rPr dirty="0"/>
-              <a:t> y </a:t>
-            </a:r>
-            <a:r>
-              <a:rPr dirty="0" err="1"/>
-              <a:t>procesamiento</a:t>
-            </a:r>
-            <a:r>
-              <a:rPr dirty="0"/>
-              <a:t> local a </a:t>
-            </a:r>
-            <a:r>
-              <a:rPr dirty="0" err="1"/>
-              <a:t>nivel</a:t>
-            </a:r>
-            <a:r>
-              <a:rPr dirty="0"/>
-              <a:t> de </a:t>
-            </a:r>
-            <a:r>
-              <a:rPr dirty="0" err="1"/>
-              <a:t>píxel</a:t>
-            </a:r>
-            <a:r>
-              <a:rPr dirty="0"/>
+              <a:rPr lang="es-AR" sz="2000" i="1" u="sng" dirty="0" smtClean="0"/>
+              <a:t>Ventaja:</a:t>
+            </a:r>
+            <a:r>
+              <a:rPr lang="es-AR" sz="2000" i="1" dirty="0" smtClean="0"/>
+              <a:t> permite registrar </a:t>
+            </a:r>
+            <a:r>
+              <a:rPr lang="es-AR" sz="2000" i="1" dirty="0"/>
+              <a:t>las variaciones de </a:t>
+            </a:r>
+            <a:r>
+              <a:rPr lang="es-AR" sz="2000" i="1" dirty="0" err="1"/>
+              <a:t>speckle</a:t>
+            </a:r>
+            <a:r>
+              <a:rPr lang="es-AR" sz="2000" i="1" dirty="0"/>
+              <a:t> sin necesidad de procesamiento digital, logrando </a:t>
+            </a:r>
+            <a:r>
+              <a:rPr lang="es-AR" sz="2000" i="1" dirty="0" smtClean="0"/>
+              <a:t>mediciones </a:t>
+            </a:r>
+            <a:r>
+              <a:rPr lang="es-AR" sz="2000" i="1" dirty="0"/>
+              <a:t>mucho más rápidas y eficientes en consumo energético</a:t>
+            </a:r>
+            <a:r>
+              <a:rPr lang="es-AR" i="1" dirty="0"/>
               <a:t>.</a:t>
             </a:r>
-          </a:p>
-          <a:p>
-            <a:pPr marL="457200" indent="-457200">
-              <a:buClrTx/>
-              <a:buSzPct val="85000"/>
-              <a:buFont typeface="Arial" panose="020B0604020202020204" pitchFamily="34" charset="0"/>
-              <a:buChar char="•"/>
-            </a:pPr>
-            <a:r>
-              <a:rPr dirty="0" err="1" smtClean="0"/>
-              <a:t>Aplicaciones</a:t>
-            </a:r>
-            <a:r>
-              <a:rPr dirty="0" smtClean="0"/>
-              <a:t> </a:t>
-            </a:r>
-            <a:r>
-              <a:rPr dirty="0" err="1"/>
-              <a:t>anteriores</a:t>
-            </a:r>
-            <a:r>
-              <a:rPr dirty="0"/>
-              <a:t> </a:t>
-            </a:r>
-            <a:r>
-              <a:rPr dirty="0" err="1"/>
-              <a:t>en</a:t>
-            </a:r>
-            <a:r>
-              <a:rPr dirty="0"/>
-              <a:t> </a:t>
-            </a:r>
-            <a:r>
-              <a:rPr dirty="0" err="1"/>
-              <a:t>detección</a:t>
-            </a:r>
-            <a:r>
-              <a:rPr dirty="0"/>
-              <a:t> de </a:t>
-            </a:r>
-            <a:r>
-              <a:rPr dirty="0" err="1"/>
-              <a:t>ultrasonido</a:t>
-            </a:r>
-            <a:r>
-              <a:rPr dirty="0"/>
-              <a:t> y </a:t>
-            </a:r>
-            <a:r>
-              <a:rPr dirty="0" err="1"/>
-              <a:t>desplazamientos</a:t>
-            </a:r>
-            <a:r>
-              <a:rPr dirty="0"/>
-              <a:t> </a:t>
-            </a:r>
-            <a:r>
-              <a:rPr dirty="0" err="1"/>
-              <a:t>rápidos</a:t>
-            </a:r>
-            <a:r>
-              <a:rPr dirty="0"/>
-              <a:t>.</a:t>
-            </a:r>
-          </a:p>
-          <a:p>
-            <a:pPr marL="457200" indent="-457200">
-              <a:buClrTx/>
-              <a:buSzPct val="85000"/>
-              <a:buFont typeface="Arial" panose="020B0604020202020204" pitchFamily="34" charset="0"/>
-              <a:buChar char="•"/>
-            </a:pPr>
-            <a:r>
-              <a:rPr dirty="0" smtClean="0"/>
-              <a:t>Este </a:t>
-            </a:r>
-            <a:r>
-              <a:rPr dirty="0" err="1"/>
-              <a:t>proyecto</a:t>
-            </a:r>
-            <a:r>
-              <a:rPr dirty="0"/>
-              <a:t> </a:t>
-            </a:r>
-            <a:r>
-              <a:rPr dirty="0" err="1"/>
-              <a:t>extiende</a:t>
-            </a:r>
-            <a:r>
-              <a:rPr dirty="0"/>
-              <a:t> la </a:t>
-            </a:r>
-            <a:r>
-              <a:rPr dirty="0" err="1"/>
-              <a:t>aplicación</a:t>
-            </a:r>
-            <a:r>
-              <a:rPr dirty="0"/>
-              <a:t> a </a:t>
-            </a:r>
-            <a:r>
-              <a:rPr dirty="0" err="1"/>
-              <a:t>medir</a:t>
-            </a:r>
-            <a:r>
-              <a:rPr dirty="0"/>
-              <a:t> </a:t>
-            </a:r>
-            <a:r>
-              <a:rPr dirty="0" err="1"/>
-              <a:t>rotación</a:t>
-            </a:r>
-            <a:r>
-              <a:rPr dirty="0"/>
-              <a:t> y </a:t>
-            </a:r>
-            <a:r>
-              <a:rPr dirty="0" err="1"/>
-              <a:t>vibración</a:t>
-            </a:r>
-            <a:r>
-              <a:rPr dirty="0"/>
-              <a:t> </a:t>
-            </a:r>
-            <a:r>
-              <a:rPr dirty="0" err="1"/>
-              <a:t>en</a:t>
-            </a:r>
-            <a:r>
-              <a:rPr dirty="0"/>
-              <a:t> </a:t>
-            </a:r>
-            <a:r>
-              <a:rPr dirty="0" err="1"/>
-              <a:t>piezas</a:t>
-            </a:r>
-            <a:r>
-              <a:rPr dirty="0"/>
-              <a:t> </a:t>
-            </a:r>
-            <a:r>
-              <a:rPr dirty="0" err="1"/>
-              <a:t>industriales</a:t>
-            </a:r>
-            <a:r>
-              <a:rPr dirty="0"/>
-              <a:t>.</a:t>
-            </a:r>
+            <a:endParaRPr i="1" dirty="0"/>
           </a:p>
         </p:txBody>
       </p:sp>
@@ -5892,14 +6236,19 @@
           <a:lstStyle/>
           <a:p>
             <a:r>
-              <a:rPr dirty="0" err="1"/>
-              <a:t>Antecedentes</a:t>
+              <a:rPr lang="es-AR" dirty="0" smtClean="0"/>
+              <a:t>Sensores CMOS</a:t>
             </a:r>
             <a:endParaRPr dirty="0"/>
           </a:p>
         </p:txBody>
       </p:sp>
     </p:spTree>
+    <p:extLst>
+      <p:ext uri="{BB962C8B-B14F-4D97-AF65-F5344CB8AC3E}">
+        <p14:creationId xmlns:p14="http://schemas.microsoft.com/office/powerpoint/2010/main" val="1072860222"/>
+      </p:ext>
+    </p:extLst>
   </p:cSld>
   <p:clrMapOvr>
     <a:masterClrMapping/>
@@ -5943,246 +6292,108 @@
         </p:nvSpPr>
         <p:spPr/>
         <p:txBody>
-          <a:bodyPr/>
-          <a:lstStyle/>
-          <a:p>
-            <a:pPr marL="0" indent="0">
-              <a:buNone/>
-            </a:pPr>
-            <a:r>
-              <a:rPr dirty="0" smtClean="0"/>
-              <a:t>• </a:t>
-            </a:r>
-            <a:r>
-              <a:rPr dirty="0" err="1" smtClean="0"/>
-              <a:t>Aplicaciones</a:t>
-            </a:r>
-            <a:r>
-              <a:rPr dirty="0" smtClean="0"/>
-              <a:t> </a:t>
-            </a:r>
-            <a:r>
-              <a:rPr dirty="0" err="1"/>
-              <a:t>en</a:t>
-            </a:r>
-            <a:r>
-              <a:rPr dirty="0"/>
-              <a:t> la </a:t>
-            </a:r>
-            <a:r>
-              <a:rPr dirty="0" err="1"/>
-              <a:t>industria</a:t>
-            </a:r>
-            <a:r>
-              <a:rPr dirty="0"/>
-              <a:t>:</a:t>
-            </a:r>
-          </a:p>
-          <a:p>
-            <a:pPr marL="0" indent="0">
-              <a:buNone/>
-            </a:pPr>
-            <a:r>
-              <a:rPr dirty="0"/>
-              <a:t>  - </a:t>
-            </a:r>
-            <a:r>
-              <a:rPr dirty="0" err="1"/>
-              <a:t>Automotriz</a:t>
-            </a:r>
-            <a:r>
-              <a:rPr dirty="0"/>
-              <a:t>: </a:t>
-            </a:r>
-            <a:r>
-              <a:rPr dirty="0" err="1"/>
-              <a:t>posición</a:t>
-            </a:r>
-            <a:r>
-              <a:rPr dirty="0"/>
-              <a:t> de </a:t>
-            </a:r>
-            <a:r>
-              <a:rPr dirty="0" err="1"/>
-              <a:t>acelerador</a:t>
-            </a:r>
-            <a:r>
-              <a:rPr dirty="0"/>
-              <a:t>, volante y </a:t>
-            </a:r>
-            <a:r>
-              <a:rPr dirty="0" err="1"/>
-              <a:t>partes</a:t>
-            </a:r>
-            <a:r>
-              <a:rPr dirty="0"/>
-              <a:t> del motor.</a:t>
-            </a:r>
-          </a:p>
-          <a:p>
-            <a:pPr marL="0" indent="0">
-              <a:buNone/>
-            </a:pPr>
-            <a:r>
-              <a:rPr dirty="0"/>
-              <a:t>  - </a:t>
-            </a:r>
-            <a:r>
-              <a:rPr dirty="0" err="1"/>
-              <a:t>Robótica</a:t>
-            </a:r>
-            <a:r>
-              <a:rPr dirty="0"/>
-              <a:t>: </a:t>
-            </a:r>
-            <a:r>
-              <a:rPr dirty="0" err="1"/>
-              <a:t>detección</a:t>
-            </a:r>
-            <a:r>
-              <a:rPr dirty="0"/>
-              <a:t> de </a:t>
-            </a:r>
-            <a:r>
-              <a:rPr dirty="0" err="1"/>
-              <a:t>ángulos</a:t>
-            </a:r>
-            <a:r>
-              <a:rPr dirty="0"/>
-              <a:t> </a:t>
-            </a:r>
-            <a:r>
-              <a:rPr dirty="0" err="1"/>
-              <a:t>en</a:t>
-            </a:r>
-            <a:r>
-              <a:rPr dirty="0"/>
-              <a:t> </a:t>
-            </a:r>
-            <a:r>
-              <a:rPr dirty="0" err="1"/>
-              <a:t>articulaciones</a:t>
-            </a:r>
-            <a:r>
-              <a:rPr dirty="0"/>
-              <a:t> y </a:t>
-            </a:r>
-            <a:r>
-              <a:rPr dirty="0" err="1"/>
-              <a:t>ruedas</a:t>
-            </a:r>
-            <a:r>
-              <a:rPr dirty="0"/>
-              <a:t>.</a:t>
-            </a:r>
-          </a:p>
-          <a:p>
-            <a:pPr marL="0" indent="0">
-              <a:buNone/>
-            </a:pPr>
-            <a:r>
-              <a:rPr dirty="0"/>
-              <a:t>• </a:t>
-            </a:r>
-            <a:r>
-              <a:rPr dirty="0" err="1"/>
-              <a:t>Ventajas</a:t>
-            </a:r>
-            <a:r>
-              <a:rPr dirty="0"/>
-              <a:t> de </a:t>
-            </a:r>
-            <a:r>
-              <a:rPr dirty="0" err="1"/>
-              <a:t>los</a:t>
-            </a:r>
-            <a:r>
-              <a:rPr dirty="0"/>
-              <a:t> </a:t>
-            </a:r>
-            <a:r>
-              <a:rPr dirty="0" err="1"/>
-              <a:t>sensores</a:t>
-            </a:r>
-            <a:r>
-              <a:rPr dirty="0"/>
-              <a:t> </a:t>
-            </a:r>
-            <a:r>
-              <a:rPr dirty="0" err="1"/>
-              <a:t>ópticos</a:t>
-            </a:r>
-            <a:r>
-              <a:rPr dirty="0"/>
-              <a:t>: </a:t>
-            </a:r>
-            <a:r>
-              <a:rPr dirty="0" err="1"/>
-              <a:t>alta</a:t>
-            </a:r>
-            <a:r>
-              <a:rPr dirty="0"/>
-              <a:t> </a:t>
-            </a:r>
-            <a:r>
-              <a:rPr dirty="0" err="1"/>
-              <a:t>sensibilidad</a:t>
-            </a:r>
-            <a:r>
-              <a:rPr dirty="0"/>
-              <a:t> y </a:t>
-            </a:r>
-            <a:r>
-              <a:rPr dirty="0" err="1"/>
-              <a:t>resolución</a:t>
-            </a:r>
-            <a:r>
-              <a:rPr dirty="0"/>
-              <a:t>, </a:t>
-            </a:r>
-            <a:r>
-              <a:rPr dirty="0" err="1"/>
-              <a:t>inmunes</a:t>
-            </a:r>
-            <a:r>
-              <a:rPr dirty="0"/>
-              <a:t> a </a:t>
-            </a:r>
-            <a:r>
-              <a:rPr dirty="0" err="1"/>
-              <a:t>interferencias</a:t>
-            </a:r>
-            <a:r>
-              <a:rPr dirty="0"/>
-              <a:t>.</a:t>
-            </a:r>
-          </a:p>
-        </p:txBody>
-      </p:sp>
-      <p:sp>
-        <p:nvSpPr>
-          <p:cNvPr id="2" name="Title 1"/>
-          <p:cNvSpPr>
-            <a:spLocks noGrp="1"/>
-          </p:cNvSpPr>
-          <p:nvPr>
-            <p:ph type="title"/>
-          </p:nvPr>
-        </p:nvSpPr>
-        <p:spPr/>
-        <p:txBody>
           <a:bodyPr>
             <a:normAutofit/>
           </a:bodyPr>
           <a:lstStyle/>
           <a:p>
-            <a:r>
-              <a:t>Desarrollo Tecnológico</a:t>
-            </a:r>
+            <a:pPr>
+              <a:buClrTx/>
+              <a:buSzPct val="100000"/>
+              <a:buFont typeface="Arial" panose="020B0604020202020204" pitchFamily="34" charset="0"/>
+              <a:buChar char="•"/>
+            </a:pPr>
+            <a:endParaRPr lang="es-AR" dirty="0" smtClean="0"/>
+          </a:p>
+          <a:p>
+            <a:pPr>
+              <a:buClrTx/>
+              <a:buSzPct val="100000"/>
+              <a:buFont typeface="Arial" panose="020B0604020202020204" pitchFamily="34" charset="0"/>
+              <a:buChar char="•"/>
+            </a:pPr>
+            <a:r>
+              <a:rPr lang="es-AR" i="1" dirty="0" smtClean="0"/>
+              <a:t>Este </a:t>
+            </a:r>
+            <a:r>
+              <a:rPr lang="es-AR" i="1" dirty="0"/>
+              <a:t>sensor </a:t>
+            </a:r>
+            <a:r>
+              <a:rPr lang="es-AR" i="1" dirty="0" smtClean="0"/>
+              <a:t>consiste </a:t>
+            </a:r>
+            <a:r>
+              <a:rPr lang="es-ES" i="1" dirty="0" smtClean="0"/>
+              <a:t>en </a:t>
+            </a:r>
+            <a:r>
+              <a:rPr lang="es-ES" i="1" dirty="0"/>
+              <a:t>un arreglo de pixeles programables que tiene la capacidad de formar el </a:t>
+            </a:r>
+            <a:r>
+              <a:rPr lang="es-ES" i="1" dirty="0" smtClean="0"/>
+              <a:t>patrón de detección </a:t>
+            </a:r>
+            <a:r>
+              <a:rPr lang="es-ES" i="1" dirty="0"/>
+              <a:t>en el lugar indicado una vez que el haz incide sobre el, evitando la necesidad </a:t>
+            </a:r>
+            <a:r>
+              <a:rPr lang="es-ES" i="1" dirty="0" smtClean="0"/>
+              <a:t>de </a:t>
+            </a:r>
+            <a:r>
+              <a:rPr lang="es-AR" i="1" dirty="0" smtClean="0"/>
+              <a:t>complejos alineamientos mecánicos micrométricos</a:t>
+            </a:r>
+          </a:p>
+        </p:txBody>
+      </p:sp>
+      <p:sp>
+        <p:nvSpPr>
+          <p:cNvPr id="2" name="Title 1"/>
+          <p:cNvSpPr>
+            <a:spLocks noGrp="1"/>
+          </p:cNvSpPr>
+          <p:nvPr>
+            <p:ph type="title"/>
+          </p:nvPr>
+        </p:nvSpPr>
+        <p:spPr/>
+        <p:txBody>
+          <a:bodyPr>
+            <a:normAutofit fontScale="90000"/>
+          </a:bodyPr>
+          <a:lstStyle/>
+          <a:p>
+            <a:r>
+              <a:rPr lang="es-AR" dirty="0" smtClean="0"/>
+              <a:t>Sensor CMOS: pixeles </a:t>
+            </a:r>
+            <a:r>
+              <a:rPr lang="es-AR" dirty="0" err="1" smtClean="0"/>
+              <a:t>interconectables</a:t>
+            </a:r>
+            <a:r>
+              <a:rPr lang="es-AR" dirty="0"/>
+              <a:t>-</a:t>
+            </a:r>
+            <a:r>
+              <a:rPr lang="es-AR" dirty="0" smtClean="0"/>
+              <a:t>programables</a:t>
+            </a:r>
+            <a:endParaRPr dirty="0"/>
           </a:p>
         </p:txBody>
       </p:sp>
     </p:spTree>
+    <p:extLst>
+      <p:ext uri="{BB962C8B-B14F-4D97-AF65-F5344CB8AC3E}">
+        <p14:creationId xmlns:p14="http://schemas.microsoft.com/office/powerpoint/2010/main" val="4217766506"/>
+      </p:ext>
+    </p:extLst>
   </p:cSld>
   <p:clrMapOvr>
     <a:masterClrMapping/>
@@ -6224,221 +6435,122 @@
             <p:ph idx="1"/>
           </p:nvPr>
         </p:nvSpPr>
-        <p:spPr/>
-        <p:txBody>
-          <a:bodyPr/>
+        <p:spPr>
+          <a:xfrm>
+            <a:off x="457200" y="1316229"/>
+            <a:ext cx="7302500" cy="3268472"/>
+          </a:xfrm>
+        </p:spPr>
+        <p:txBody>
+          <a:bodyPr>
+            <a:normAutofit fontScale="85000" lnSpcReduction="20000"/>
+          </a:bodyPr>
           <a:lstStyle/>
           <a:p>
-            <a:pPr marL="0" indent="0">
-              <a:buNone/>
+            <a:pPr>
+              <a:buClrTx/>
+              <a:buSzPct val="100000"/>
+              <a:buFont typeface="Arial" panose="020B0604020202020204" pitchFamily="34" charset="0"/>
+              <a:buChar char="•"/>
             </a:pPr>
-            <a:r>
-              <a:rPr dirty="0"/>
-              <a:t>• </a:t>
-            </a:r>
-            <a:r>
-              <a:rPr dirty="0" err="1"/>
-              <a:t>Uso</a:t>
-            </a:r>
-            <a:r>
-              <a:rPr dirty="0"/>
-              <a:t> de la </a:t>
-            </a:r>
-            <a:r>
-              <a:rPr dirty="0" err="1"/>
-              <a:t>técnica</a:t>
-            </a:r>
-            <a:r>
-              <a:rPr dirty="0"/>
-              <a:t> de </a:t>
-            </a:r>
-            <a:r>
-              <a:rPr dirty="0" err="1"/>
-              <a:t>correlación</a:t>
-            </a:r>
-            <a:r>
-              <a:rPr dirty="0"/>
-              <a:t> de speckle </a:t>
-            </a:r>
-            <a:r>
-              <a:rPr dirty="0" err="1"/>
-              <a:t>en</a:t>
-            </a:r>
-            <a:r>
-              <a:rPr dirty="0"/>
-              <a:t> </a:t>
-            </a:r>
-            <a:r>
-              <a:rPr dirty="0" err="1"/>
-              <a:t>tiempo</a:t>
-            </a:r>
-            <a:r>
-              <a:rPr dirty="0"/>
-              <a:t> real:</a:t>
-            </a:r>
-          </a:p>
-          <a:p>
-            <a:pPr marL="0" indent="0">
-              <a:buNone/>
+            <a:endParaRPr lang="es-AR" dirty="0" smtClean="0"/>
+          </a:p>
+          <a:p>
+            <a:pPr>
+              <a:buClrTx/>
+              <a:buSzPct val="100000"/>
+              <a:buFont typeface="Arial" panose="020B0604020202020204" pitchFamily="34" charset="0"/>
+              <a:buChar char="•"/>
             </a:pPr>
             <a:r>
-              <a:rPr dirty="0"/>
-              <a:t>  - </a:t>
-            </a:r>
-            <a:r>
-              <a:rPr dirty="0" err="1"/>
-              <a:t>Dinámica</a:t>
-            </a:r>
-            <a:r>
-              <a:rPr dirty="0"/>
-              <a:t> </a:t>
-            </a:r>
-            <a:r>
-              <a:rPr dirty="0" err="1"/>
-              <a:t>interconexión</a:t>
-            </a:r>
-            <a:r>
-              <a:rPr dirty="0"/>
-              <a:t> de </a:t>
-            </a:r>
-            <a:r>
-              <a:rPr dirty="0" err="1"/>
-              <a:t>píxeles</a:t>
-            </a:r>
-            <a:r>
-              <a:rPr dirty="0"/>
-              <a:t> para </a:t>
-            </a:r>
-            <a:r>
-              <a:rPr dirty="0" err="1"/>
-              <a:t>correlación</a:t>
-            </a:r>
-            <a:r>
-              <a:rPr dirty="0"/>
-              <a:t> </a:t>
-            </a:r>
-            <a:r>
-              <a:rPr dirty="0" err="1"/>
-              <a:t>instantánea</a:t>
-            </a:r>
-            <a:r>
-              <a:rPr dirty="0"/>
+              <a:rPr lang="es-ES" dirty="0"/>
+              <a:t>Cada pixel esta compuesto por un fotodiodo y un circuito </a:t>
+            </a:r>
+            <a:r>
+              <a:rPr lang="es-ES" dirty="0" err="1"/>
+              <a:t>electronico</a:t>
+            </a:r>
+            <a:r>
+              <a:rPr lang="es-ES" dirty="0"/>
+              <a:t>. El fotodiodo </a:t>
+            </a:r>
+            <a:r>
+              <a:rPr lang="es-ES" dirty="0" smtClean="0"/>
+              <a:t>es decir</a:t>
+            </a:r>
+            <a:r>
+              <a:rPr lang="es-ES" dirty="0"/>
+              <a:t>, la superficie sensible a la </a:t>
+            </a:r>
+            <a:r>
+              <a:rPr lang="es-ES" dirty="0" smtClean="0"/>
+              <a:t>luz, esta </a:t>
+            </a:r>
+            <a:r>
+              <a:rPr lang="es-ES" dirty="0"/>
+              <a:t>hecho de un implante n+ sobre el sustrato </a:t>
+            </a:r>
+            <a:r>
+              <a:rPr lang="es-ES" dirty="0" smtClean="0"/>
+              <a:t>p-, ocupa </a:t>
+            </a:r>
+            <a:r>
+              <a:rPr lang="es-ES" dirty="0"/>
+              <a:t>el 60% del </a:t>
+            </a:r>
+            <a:r>
+              <a:rPr lang="es-ES" dirty="0" err="1"/>
+              <a:t>area</a:t>
+            </a:r>
+            <a:r>
+              <a:rPr lang="es-ES" dirty="0"/>
+              <a:t> del pixel; el circuito </a:t>
+            </a:r>
+            <a:r>
+              <a:rPr lang="es-ES" dirty="0" err="1"/>
+              <a:t>electronico</a:t>
+            </a:r>
+            <a:r>
+              <a:rPr lang="es-ES" dirty="0"/>
+              <a:t> ocupa </a:t>
+            </a:r>
+            <a:r>
+              <a:rPr lang="es-ES" dirty="0" err="1" smtClean="0"/>
+              <a:t>practicamente</a:t>
+            </a:r>
+            <a:r>
+              <a:rPr lang="es-ES" dirty="0" smtClean="0"/>
+              <a:t> el </a:t>
+            </a:r>
+            <a:r>
+              <a:rPr lang="es-ES" dirty="0"/>
+              <a:t>40% del </a:t>
+            </a:r>
+            <a:r>
+              <a:rPr lang="es-ES" dirty="0" err="1"/>
+              <a:t>area</a:t>
+            </a:r>
+            <a:r>
+              <a:rPr lang="es-ES" dirty="0"/>
+              <a:t> restante , y consta de transistores y celdas de memoria </a:t>
+            </a:r>
+            <a:r>
+              <a:rPr lang="es-AR" dirty="0" smtClean="0"/>
+              <a:t>SRAM </a:t>
+            </a:r>
+            <a:r>
+              <a:rPr lang="es-AR" dirty="0"/>
+              <a:t>que permiten interconectar </a:t>
+            </a:r>
+            <a:r>
+              <a:rPr lang="es-AR" dirty="0" smtClean="0"/>
+              <a:t>cada pixel vecinos</a:t>
+            </a:r>
+            <a:r>
+              <a:rPr lang="es-AR" dirty="0"/>
               <a:t>.</a:t>
             </a:r>
-          </a:p>
-          <a:p>
-            <a:pPr marL="0" indent="0">
-              <a:buNone/>
-            </a:pPr>
-            <a:r>
-              <a:rPr dirty="0"/>
-              <a:t>  - </a:t>
-            </a:r>
-            <a:r>
-              <a:rPr dirty="0" err="1"/>
-              <a:t>Mide</a:t>
-            </a:r>
-            <a:r>
-              <a:rPr dirty="0"/>
-              <a:t> </a:t>
-            </a:r>
-            <a:r>
-              <a:rPr dirty="0" err="1"/>
-              <a:t>velocidad</a:t>
-            </a:r>
-            <a:r>
-              <a:rPr dirty="0"/>
-              <a:t> de </a:t>
-            </a:r>
-            <a:r>
-              <a:rPr dirty="0" err="1"/>
-              <a:t>rotación</a:t>
-            </a:r>
-            <a:r>
-              <a:rPr dirty="0"/>
-              <a:t> y </a:t>
-            </a:r>
-            <a:r>
-              <a:rPr dirty="0" err="1"/>
-              <a:t>posición</a:t>
-            </a:r>
-            <a:r>
-              <a:rPr dirty="0"/>
-              <a:t> angular </a:t>
-            </a:r>
-            <a:r>
-              <a:rPr dirty="0" err="1"/>
-              <a:t>en</a:t>
-            </a:r>
-            <a:r>
-              <a:rPr dirty="0"/>
-              <a:t> </a:t>
-            </a:r>
-            <a:r>
-              <a:rPr dirty="0" err="1"/>
-              <a:t>ejes</a:t>
-            </a:r>
-            <a:r>
-              <a:rPr dirty="0"/>
-              <a:t>.</a:t>
-            </a:r>
-          </a:p>
-          <a:p>
-            <a:pPr marL="0" indent="0">
-              <a:buNone/>
-            </a:pPr>
-            <a:r>
-              <a:rPr dirty="0"/>
-              <a:t>  - </a:t>
-            </a:r>
-            <a:r>
-              <a:rPr dirty="0" err="1"/>
-              <a:t>Multipropósito</a:t>
-            </a:r>
-            <a:r>
-              <a:rPr dirty="0"/>
-              <a:t>: </a:t>
-            </a:r>
-            <a:r>
-              <a:rPr dirty="0" err="1"/>
-              <a:t>detección</a:t>
-            </a:r>
-            <a:r>
-              <a:rPr dirty="0"/>
-              <a:t> de </a:t>
-            </a:r>
-            <a:r>
-              <a:rPr dirty="0" err="1"/>
-              <a:t>ultrasonido</a:t>
-            </a:r>
-            <a:r>
-              <a:rPr dirty="0"/>
-              <a:t> y </a:t>
-            </a:r>
-            <a:r>
-              <a:rPr dirty="0" err="1"/>
-              <a:t>otras</a:t>
-            </a:r>
-            <a:r>
-              <a:rPr dirty="0"/>
-              <a:t> </a:t>
-            </a:r>
-            <a:r>
-              <a:rPr dirty="0" err="1"/>
-              <a:t>aplicaciones</a:t>
-            </a:r>
-            <a:r>
-              <a:rPr dirty="0"/>
-              <a:t> </a:t>
-            </a:r>
-            <a:r>
-              <a:rPr dirty="0" err="1"/>
-              <a:t>industriales</a:t>
-            </a:r>
-            <a:r>
-              <a:rPr dirty="0"/>
-              <a:t>.</a:t>
-            </a:r>
+            <a:endParaRPr lang="es-AR" i="1" dirty="0" smtClean="0"/>
           </a:p>
         </p:txBody>
       </p:sp>
@@ -6460,22 +6572,145 @@
           <a:lstStyle/>
           <a:p>
             <a:r>
-              <a:rPr dirty="0" err="1"/>
-              <a:t>Innovación</a:t>
-            </a:r>
-            <a:r>
-              <a:rPr dirty="0"/>
-              <a:t> </a:t>
-            </a:r>
-            <a:r>
-              <a:rPr dirty="0" err="1"/>
-              <a:t>Propuesta</a:t>
+              <a:rPr lang="es-AR" dirty="0" smtClean="0"/>
+              <a:t>PIXEL: Definición</a:t>
             </a:r>
             <a:endParaRPr dirty="0"/>
           </a:p>
         </p:txBody>
       </p:sp>
+      <p:pic>
+        <p:nvPicPr>
+          <p:cNvPr id="2050" name="Picture 2"/>
+          <p:cNvPicPr>
+            <a:picLocks noChangeAspect="1" noChangeArrowheads="1"/>
+          </p:cNvPicPr>
+          <p:nvPr/>
+        </p:nvPicPr>
+        <p:blipFill>
+          <a:blip r:embed="rId2">
+            <a:extLst>
+              <a:ext uri="{28A0092B-C50C-407E-A947-70E740481C1C}">
+                <a14:useLocalDpi xmlns:a14="http://schemas.microsoft.com/office/drawing/2010/main" val="0"/>
+              </a:ext>
+            </a:extLst>
+          </a:blip>
+          <a:srcRect/>
+          <a:stretch>
+            <a:fillRect/>
+          </a:stretch>
+        </p:blipFill>
+        <p:spPr bwMode="auto">
+          <a:xfrm>
+            <a:off x="457200" y="4391025"/>
+            <a:ext cx="4648200" cy="2266950"/>
+          </a:xfrm>
+          <a:prstGeom prst="rect">
+            <a:avLst/>
+          </a:prstGeom>
+          <a:noFill/>
+          <a:ln>
+            <a:noFill/>
+          </a:ln>
+          <a:effectLst/>
+          <a:extLst>
+            <a:ext uri="{909E8E84-426E-40DD-AFC4-6F175D3DCCD1}">
+              <a14:hiddenFill xmlns:a14="http://schemas.microsoft.com/office/drawing/2010/main">
+                <a:solidFill>
+                  <a:schemeClr val="accent1"/>
+                </a:solidFill>
+              </a14:hiddenFill>
+            </a:ext>
+            <a:ext uri="{91240B29-F687-4F45-9708-019B960494DF}">
+              <a14:hiddenLine xmlns:a14="http://schemas.microsoft.com/office/drawing/2010/main" w="9525">
+                <a:solidFill>
+                  <a:schemeClr val="tx1"/>
+                </a:solidFill>
+                <a:miter lim="800000"/>
+                <a:headEnd/>
+                <a:tailEnd/>
+              </a14:hiddenLine>
+            </a:ext>
+            <a:ext uri="{AF507438-7753-43E0-B8FC-AC1667EBCBE1}">
+              <a14:hiddenEffects xmlns:a14="http://schemas.microsoft.com/office/drawing/2010/main">
+                <a:effectLst>
+                  <a:outerShdw dist="35921" dir="2700000" algn="ctr" rotWithShape="0">
+                    <a:schemeClr val="bg2"/>
+                  </a:outerShdw>
+                </a:effectLst>
+              </a14:hiddenEffects>
+            </a:ext>
+          </a:extLst>
+        </p:spPr>
+      </p:pic>
+      <p:pic>
+        <p:nvPicPr>
+          <p:cNvPr id="2051" name="Picture 3"/>
+          <p:cNvPicPr>
+            <a:picLocks noChangeAspect="1" noChangeArrowheads="1"/>
+          </p:cNvPicPr>
+          <p:nvPr/>
+        </p:nvPicPr>
+        <p:blipFill rotWithShape="1">
+          <a:blip r:embed="rId3">
+            <a:extLst>
+              <a:ext uri="{28A0092B-C50C-407E-A947-70E740481C1C}">
+                <a14:useLocalDpi xmlns:a14="http://schemas.microsoft.com/office/drawing/2010/main" val="0"/>
+              </a:ext>
+            </a:extLst>
+          </a:blip>
+          <a:srcRect l="5469" r="13754"/>
+          <a:stretch/>
+        </p:blipFill>
+        <p:spPr bwMode="auto">
+          <a:xfrm>
+            <a:off x="4991100" y="4221956"/>
+            <a:ext cx="3543300" cy="2436019"/>
+          </a:xfrm>
+          <a:prstGeom prst="rect">
+            <a:avLst/>
+          </a:prstGeom>
+          <a:noFill/>
+          <a:ln>
+            <a:noFill/>
+          </a:ln>
+          <a:effectLst/>
+          <a:extLst>
+            <a:ext uri="{909E8E84-426E-40DD-AFC4-6F175D3DCCD1}">
+              <a14:hiddenFill xmlns:a14="http://schemas.microsoft.com/office/drawing/2010/main">
+                <a:solidFill>
+                  <a:schemeClr val="accent1"/>
+                </a:solidFill>
+              </a14:hiddenFill>
+            </a:ext>
+            <a:ext uri="{91240B29-F687-4F45-9708-019B960494DF}">
+              <a14:hiddenLine xmlns:a14="http://schemas.microsoft.com/office/drawing/2010/main" w="9525">
+                <a:solidFill>
+                  <a:schemeClr val="tx1"/>
+                </a:solidFill>
+                <a:miter lim="800000"/>
+                <a:headEnd/>
+                <a:tailEnd/>
+              </a14:hiddenLine>
+            </a:ext>
+            <a:ext uri="{AF507438-7753-43E0-B8FC-AC1667EBCBE1}">
+              <a14:hiddenEffects xmlns:a14="http://schemas.microsoft.com/office/drawing/2010/main">
+                <a:effectLst>
+                  <a:outerShdw dist="35921" dir="2700000" algn="ctr" rotWithShape="0">
+                    <a:schemeClr val="bg2"/>
+                  </a:outerShdw>
+                </a:effectLst>
+              </a14:hiddenEffects>
+            </a:ext>
+          </a:extLst>
+        </p:spPr>
+      </p:pic>
     </p:spTree>
+    <p:extLst>
+      <p:ext uri="{BB962C8B-B14F-4D97-AF65-F5344CB8AC3E}">
+        <p14:creationId xmlns:p14="http://schemas.microsoft.com/office/powerpoint/2010/main" val="30540699"/>
+      </p:ext>
+    </p:extLst>
   </p:cSld>
   <p:clrMapOvr>
     <a:masterClrMapping/>
@@ -6519,6 +6754,409 @@
         </p:nvSpPr>
         <p:spPr/>
         <p:txBody>
+          <a:bodyPr>
+            <a:normAutofit fontScale="92500" lnSpcReduction="10000"/>
+          </a:bodyPr>
+          <a:lstStyle/>
+          <a:p>
+            <a:pPr marL="457200" indent="-457200">
+              <a:buClrTx/>
+              <a:buSzPct val="85000"/>
+              <a:buFont typeface="Arial" panose="020B0604020202020204" pitchFamily="34" charset="0"/>
+              <a:buChar char="•"/>
+            </a:pPr>
+            <a:r>
+              <a:rPr dirty="0" err="1" smtClean="0"/>
+              <a:t>Sensores</a:t>
+            </a:r>
+            <a:r>
+              <a:rPr dirty="0" smtClean="0"/>
+              <a:t> </a:t>
+            </a:r>
+            <a:r>
+              <a:rPr dirty="0"/>
+              <a:t>de luz CMOS con </a:t>
+            </a:r>
+            <a:r>
+              <a:rPr dirty="0" err="1"/>
+              <a:t>píxeles</a:t>
+            </a:r>
+            <a:r>
+              <a:rPr dirty="0"/>
+              <a:t> </a:t>
+            </a:r>
+            <a:r>
+              <a:rPr dirty="0" err="1"/>
+              <a:t>interconectables</a:t>
+            </a:r>
+            <a:r>
+              <a:rPr dirty="0"/>
+              <a:t> </a:t>
+            </a:r>
+            <a:r>
+              <a:rPr dirty="0" err="1"/>
+              <a:t>ya</a:t>
+            </a:r>
+            <a:r>
+              <a:rPr dirty="0"/>
+              <a:t> </a:t>
+            </a:r>
+            <a:r>
+              <a:rPr dirty="0" err="1" smtClean="0"/>
+              <a:t>existen</a:t>
+            </a:r>
+            <a:r>
+              <a:rPr dirty="0" smtClean="0"/>
+              <a:t>.</a:t>
+            </a:r>
+            <a:endParaRPr lang="es-AR" dirty="0" smtClean="0"/>
+          </a:p>
+          <a:p>
+            <a:pPr marL="457200" indent="-457200">
+              <a:buClrTx/>
+              <a:buSzPct val="85000"/>
+              <a:buFont typeface="Arial" panose="020B0604020202020204" pitchFamily="34" charset="0"/>
+              <a:buChar char="•"/>
+            </a:pPr>
+            <a:r>
+              <a:rPr dirty="0" smtClean="0"/>
+              <a:t>Se </a:t>
+            </a:r>
+            <a:r>
+              <a:rPr dirty="0" err="1"/>
+              <a:t>enfocan</a:t>
+            </a:r>
+            <a:r>
+              <a:rPr dirty="0"/>
+              <a:t> </a:t>
+            </a:r>
+            <a:r>
+              <a:rPr dirty="0" err="1"/>
+              <a:t>en</a:t>
+            </a:r>
+            <a:r>
+              <a:rPr dirty="0"/>
+              <a:t> </a:t>
+            </a:r>
+            <a:r>
+              <a:rPr dirty="0" err="1"/>
+              <a:t>mejorar</a:t>
+            </a:r>
+            <a:r>
+              <a:rPr dirty="0"/>
+              <a:t> </a:t>
+            </a:r>
+            <a:r>
+              <a:rPr dirty="0" err="1"/>
+              <a:t>sensibilidad</a:t>
+            </a:r>
+            <a:r>
+              <a:rPr dirty="0"/>
+              <a:t> o </a:t>
+            </a:r>
+            <a:r>
+              <a:rPr dirty="0" err="1"/>
+              <a:t>resolución</a:t>
+            </a:r>
+            <a:r>
+              <a:rPr dirty="0"/>
+              <a:t> de imagen.</a:t>
+            </a:r>
+          </a:p>
+          <a:p>
+            <a:pPr marL="457200" indent="-457200">
+              <a:buClrTx/>
+              <a:buSzPct val="85000"/>
+              <a:buFont typeface="Arial" panose="020B0604020202020204" pitchFamily="34" charset="0"/>
+              <a:buChar char="•"/>
+            </a:pPr>
+            <a:r>
+              <a:rPr dirty="0" smtClean="0"/>
+              <a:t>La </a:t>
+            </a:r>
+            <a:r>
+              <a:rPr dirty="0" err="1"/>
+              <a:t>propuesta</a:t>
+            </a:r>
+            <a:r>
+              <a:rPr dirty="0"/>
+              <a:t> actual </a:t>
+            </a:r>
+            <a:r>
+              <a:rPr dirty="0" err="1"/>
+              <a:t>incluye</a:t>
+            </a:r>
+            <a:r>
+              <a:rPr dirty="0"/>
+              <a:t> </a:t>
+            </a:r>
+            <a:r>
+              <a:rPr dirty="0" err="1"/>
+              <a:t>interconexión</a:t>
+            </a:r>
+            <a:r>
+              <a:rPr dirty="0"/>
+              <a:t> </a:t>
+            </a:r>
+            <a:r>
+              <a:rPr dirty="0" err="1"/>
+              <a:t>dinámica</a:t>
+            </a:r>
+            <a:r>
+              <a:rPr dirty="0"/>
+              <a:t> y </a:t>
+            </a:r>
+            <a:r>
+              <a:rPr dirty="0" err="1"/>
+              <a:t>procesamiento</a:t>
+            </a:r>
+            <a:r>
+              <a:rPr dirty="0"/>
+              <a:t> local a </a:t>
+            </a:r>
+            <a:r>
+              <a:rPr dirty="0" err="1"/>
+              <a:t>nivel</a:t>
+            </a:r>
+            <a:r>
+              <a:rPr dirty="0"/>
+              <a:t> de </a:t>
+            </a:r>
+            <a:r>
+              <a:rPr dirty="0" err="1"/>
+              <a:t>píxel</a:t>
+            </a:r>
+            <a:r>
+              <a:rPr dirty="0"/>
+              <a:t>.</a:t>
+            </a:r>
+          </a:p>
+          <a:p>
+            <a:pPr marL="457200" indent="-457200">
+              <a:buClrTx/>
+              <a:buSzPct val="85000"/>
+              <a:buFont typeface="Arial" panose="020B0604020202020204" pitchFamily="34" charset="0"/>
+              <a:buChar char="•"/>
+            </a:pPr>
+            <a:r>
+              <a:rPr dirty="0" err="1" smtClean="0"/>
+              <a:t>Aplicaciones</a:t>
+            </a:r>
+            <a:r>
+              <a:rPr dirty="0" smtClean="0"/>
+              <a:t> </a:t>
+            </a:r>
+            <a:r>
+              <a:rPr dirty="0" err="1"/>
+              <a:t>anteriores</a:t>
+            </a:r>
+            <a:r>
+              <a:rPr dirty="0"/>
+              <a:t> </a:t>
+            </a:r>
+            <a:r>
+              <a:rPr dirty="0" err="1"/>
+              <a:t>en</a:t>
+            </a:r>
+            <a:r>
+              <a:rPr dirty="0"/>
+              <a:t> </a:t>
+            </a:r>
+            <a:r>
+              <a:rPr dirty="0" err="1"/>
+              <a:t>detección</a:t>
+            </a:r>
+            <a:r>
+              <a:rPr dirty="0"/>
+              <a:t> de </a:t>
+            </a:r>
+            <a:r>
+              <a:rPr dirty="0" err="1"/>
+              <a:t>ultrasonido</a:t>
+            </a:r>
+            <a:r>
+              <a:rPr dirty="0"/>
+              <a:t> y </a:t>
+            </a:r>
+            <a:r>
+              <a:rPr dirty="0" err="1"/>
+              <a:t>desplazamientos</a:t>
+            </a:r>
+            <a:r>
+              <a:rPr dirty="0"/>
+              <a:t> </a:t>
+            </a:r>
+            <a:r>
+              <a:rPr dirty="0" err="1"/>
+              <a:t>rápidos</a:t>
+            </a:r>
+            <a:r>
+              <a:rPr dirty="0" smtClean="0"/>
+              <a:t>.</a:t>
+            </a:r>
+            <a:endParaRPr lang="es-AR" dirty="0" smtClean="0"/>
+          </a:p>
+          <a:p>
+            <a:pPr marL="457200" indent="-457200">
+              <a:buClrTx/>
+              <a:buSzPct val="85000"/>
+              <a:buFont typeface="Arial" panose="020B0604020202020204" pitchFamily="34" charset="0"/>
+              <a:buChar char="•"/>
+            </a:pPr>
+            <a:endParaRPr dirty="0"/>
+          </a:p>
+          <a:p>
+            <a:pPr marL="0" indent="0" algn="ctr">
+              <a:buClrTx/>
+              <a:buSzPct val="85000"/>
+              <a:buNone/>
+            </a:pPr>
+            <a:r>
+              <a:rPr b="1" i="1" dirty="0" smtClean="0"/>
+              <a:t>Este </a:t>
+            </a:r>
+            <a:r>
+              <a:rPr b="1" i="1" dirty="0" err="1"/>
+              <a:t>proyecto</a:t>
+            </a:r>
+            <a:r>
+              <a:rPr b="1" i="1" dirty="0"/>
+              <a:t> </a:t>
+            </a:r>
+            <a:r>
+              <a:rPr b="1" i="1" dirty="0" err="1"/>
+              <a:t>extiende</a:t>
+            </a:r>
+            <a:r>
+              <a:rPr b="1" i="1" dirty="0"/>
+              <a:t> la </a:t>
+            </a:r>
+            <a:r>
+              <a:rPr b="1" i="1" dirty="0" err="1"/>
+              <a:t>aplicación</a:t>
+            </a:r>
+            <a:r>
+              <a:rPr b="1" i="1" dirty="0"/>
+              <a:t> a </a:t>
+            </a:r>
+            <a:r>
+              <a:rPr b="1" i="1" dirty="0" err="1"/>
+              <a:t>medir</a:t>
+            </a:r>
+            <a:r>
+              <a:rPr b="1" i="1" dirty="0"/>
+              <a:t> </a:t>
+            </a:r>
+            <a:r>
+              <a:rPr b="1" i="1" dirty="0" err="1"/>
+              <a:t>rotación</a:t>
+            </a:r>
+            <a:r>
+              <a:rPr b="1" i="1" dirty="0"/>
+              <a:t> y </a:t>
+            </a:r>
+            <a:r>
+              <a:rPr b="1" i="1" dirty="0" err="1"/>
+              <a:t>vibración</a:t>
+            </a:r>
+            <a:r>
+              <a:rPr b="1" i="1" dirty="0"/>
+              <a:t> </a:t>
+            </a:r>
+            <a:r>
+              <a:rPr b="1" i="1" dirty="0" err="1"/>
+              <a:t>en</a:t>
+            </a:r>
+            <a:r>
+              <a:rPr b="1" i="1" dirty="0"/>
+              <a:t> </a:t>
+            </a:r>
+            <a:r>
+              <a:rPr b="1" i="1" dirty="0" err="1"/>
+              <a:t>piezas</a:t>
+            </a:r>
+            <a:r>
+              <a:rPr b="1" i="1" dirty="0"/>
+              <a:t> </a:t>
+            </a:r>
+            <a:r>
+              <a:rPr b="1" i="1" dirty="0" err="1"/>
+              <a:t>industriales</a:t>
+            </a:r>
+            <a:r>
+              <a:rPr b="1" i="1" dirty="0"/>
+              <a:t>.</a:t>
+            </a:r>
+          </a:p>
+        </p:txBody>
+      </p:sp>
+      <p:sp>
+        <p:nvSpPr>
+          <p:cNvPr id="2" name="Title 1"/>
+          <p:cNvSpPr>
+            <a:spLocks noGrp="1"/>
+          </p:cNvSpPr>
+          <p:nvPr>
+            <p:ph type="title"/>
+          </p:nvPr>
+        </p:nvSpPr>
+        <p:spPr/>
+        <p:txBody>
+          <a:bodyPr/>
+          <a:lstStyle/>
+          <a:p>
+            <a:r>
+              <a:rPr dirty="0" err="1"/>
+              <a:t>Antecedentes</a:t>
+            </a:r>
+            <a:endParaRPr dirty="0"/>
+          </a:p>
+        </p:txBody>
+      </p:sp>
+    </p:spTree>
+  </p:cSld>
+  <p:clrMapOvr>
+    <a:masterClrMapping/>
+  </p:clrMapOvr>
+  <p:timing>
+    <p:tnLst>
+      <p:par>
+        <p:cTn id="1" dur="indefinite" restart="never" nodeType="tmRoot"/>
+      </p:par>
+    </p:tnLst>
+  </p:timing>
+</p:sld>
+</file>
+
+<file path=ppt/slides/slide9.xml><?xml version="1.0" encoding="utf-8"?>
+<p:sld xmlns:a="http://schemas.openxmlformats.org/drawingml/2006/main" xmlns:r="http://schemas.openxmlformats.org/officeDocument/2006/relationships" xmlns:p="http://schemas.openxmlformats.org/presentationml/2006/main">
+  <p:cSld>
+    <p:spTree>
+      <p:nvGrpSpPr>
+        <p:cNvPr id="1" name=""/>
+        <p:cNvGrpSpPr/>
+        <p:nvPr/>
+      </p:nvGrpSpPr>
+      <p:grpSpPr>
+        <a:xfrm>
+          <a:off x="0" y="0"/>
+          <a:ext cx="0" cy="0"/>
+          <a:chOff x="0" y="0"/>
+          <a:chExt cx="0" cy="0"/>
+        </a:xfrm>
+      </p:grpSpPr>
+      <p:sp>
+        <p:nvSpPr>
+          <p:cNvPr id="3" name="Content Placeholder 2"/>
+          <p:cNvSpPr>
+            <a:spLocks noGrp="1"/>
+          </p:cNvSpPr>
+          <p:nvPr>
+            <p:ph idx="1"/>
+          </p:nvPr>
+        </p:nvSpPr>
+        <p:spPr/>
+        <p:txBody>
           <a:bodyPr/>
           <a:lstStyle/>
           <a:p>
@@ -6526,40 +7164,32 @@
               <a:buNone/>
             </a:pPr>
             <a:r>
-              <a:rPr dirty="0"/>
+              <a:rPr dirty="0" smtClean="0"/>
               <a:t>• </a:t>
             </a:r>
             <a:r>
-              <a:rPr dirty="0" err="1"/>
-              <a:t>Medición</a:t>
-            </a:r>
-            <a:r>
-              <a:rPr dirty="0"/>
-              <a:t> de </a:t>
-            </a:r>
-            <a:r>
-              <a:rPr dirty="0" err="1"/>
-              <a:t>posición</a:t>
-            </a:r>
-            <a:r>
-              <a:rPr dirty="0"/>
-              <a:t> angular y </a:t>
-            </a:r>
-            <a:r>
-              <a:rPr dirty="0" err="1"/>
-              <a:t>velocidad</a:t>
-            </a:r>
-            <a:r>
-              <a:rPr dirty="0"/>
-              <a:t> de </a:t>
-            </a:r>
-            <a:r>
-              <a:rPr dirty="0" err="1"/>
-              <a:t>giro</a:t>
-            </a:r>
-            <a:r>
-              <a:rPr dirty="0"/>
-              <a:t>.</a:t>
+              <a:rPr dirty="0" err="1" smtClean="0"/>
+              <a:t>Aplicaciones</a:t>
+            </a:r>
+            <a:r>
+              <a:rPr dirty="0" smtClean="0"/>
+              <a:t> </a:t>
+            </a:r>
+            <a:r>
+              <a:rPr dirty="0" err="1"/>
+              <a:t>en</a:t>
+            </a:r>
+            <a:r>
+              <a:rPr dirty="0"/>
+              <a:t> la </a:t>
+            </a:r>
+            <a:r>
+              <a:rPr dirty="0" err="1"/>
+              <a:t>industria</a:t>
+            </a:r>
+            <a:r>
+              <a:rPr dirty="0"/>
+              <a:t>:</a:t>
             </a:r>
           </a:p>
           <a:p>
@@ -6568,11 +7198,19 @@
             </a:pPr>
             <a:r>
               <a:rPr dirty="0"/>
-              <a:t>• </a:t>
-            </a:r>
-            <a:r>
-              <a:rPr dirty="0" err="1"/>
-              <a:t>Expectativas</a:t>
+              <a:t>  - </a:t>
+            </a:r>
+            <a:r>
+              <a:rPr dirty="0" err="1"/>
+              <a:t>Automotriz</a:t>
+            </a:r>
+            <a:r>
+              <a:rPr dirty="0"/>
+              <a:t>: </a:t>
+            </a:r>
+            <a:r>
+              <a:rPr dirty="0" err="1"/>
+              <a:t>posición</a:t>
             </a:r>
             <a:r>
               <a:rPr dirty="0"/>
@@ -6580,27 +7218,19 @@
             </a:r>
             <a:r>
               <a:rPr dirty="0" err="1"/>
-              <a:t>linealidad</a:t>
-            </a:r>
-            <a:r>
-              <a:rPr dirty="0"/>
-              <a:t> </a:t>
-            </a:r>
-            <a:r>
-              <a:rPr dirty="0" err="1"/>
-              <a:t>en</a:t>
-            </a:r>
-            <a:r>
-              <a:rPr dirty="0"/>
-              <a:t> la </a:t>
-            </a:r>
-            <a:r>
-              <a:rPr dirty="0" err="1"/>
-              <a:t>fotorespuesta</a:t>
-            </a:r>
-            <a:r>
-              <a:rPr dirty="0"/>
-              <a:t>.</a:t>
+              <a:t>acelerador</a:t>
+            </a:r>
+            <a:r>
+              <a:rPr dirty="0"/>
+              <a:t>, volante y </a:t>
+            </a:r>
+            <a:r>
+              <a:rPr dirty="0" err="1"/>
+              <a:t>partes</a:t>
+            </a:r>
+            <a:r>
+              <a:rPr dirty="0"/>
+              <a:t> del motor.</a:t>
             </a:r>
           </a:p>
           <a:p>
@@ -6609,11 +7239,27 @@
             </a:pPr>
             <a:r>
               <a:rPr dirty="0"/>
-              <a:t>• </a:t>
-            </a:r>
-            <a:r>
-              <a:rPr dirty="0" err="1"/>
-              <a:t>Respuesta</a:t>
+              <a:t>  - </a:t>
+            </a:r>
+            <a:r>
+              <a:rPr dirty="0" err="1"/>
+              <a:t>Robótica</a:t>
+            </a:r>
+            <a:r>
+              <a:rPr dirty="0"/>
+              <a:t>: </a:t>
+            </a:r>
+            <a:r>
+              <a:rPr dirty="0" err="1"/>
+              <a:t>detección</a:t>
+            </a:r>
+            <a:r>
+              <a:rPr dirty="0"/>
+              <a:t> de </a:t>
+            </a:r>
+            <a:r>
+              <a:rPr dirty="0" err="1"/>
+              <a:t>ángulos</a:t>
             </a:r>
             <a:r>
               <a:rPr dirty="0"/>
@@ -6629,49 +7275,106 @@
             </a:r>
             <a:r>
               <a:rPr dirty="0" err="1"/>
-              <a:t>frecuencia</a:t>
-            </a:r>
-            <a:r>
-              <a:rPr dirty="0"/>
-              <a:t> superior al </a:t>
-            </a:r>
-            <a:r>
-              <a:rPr dirty="0" err="1"/>
-              <a:t>MHz.</a:t>
-            </a:r>
-            <a:endParaRPr dirty="0"/>
+              <a:t>articulaciones</a:t>
+            </a:r>
+            <a:r>
+              <a:rPr dirty="0"/>
+              <a:t> y </a:t>
+            </a:r>
+            <a:r>
+              <a:rPr dirty="0" err="1"/>
+              <a:t>ruedas</a:t>
+            </a:r>
+            <a:r>
+              <a:rPr dirty="0"/>
+              <a:t>.</a:t>
+            </a:r>
           </a:p>
           <a:p>
             <a:pPr marL="0" indent="0">
               <a:buNone/>
             </a:pPr>
-            <a:r>
-              <a:rPr dirty="0"/>
-              <a:t>• El </a:t>
-            </a:r>
-            <a:r>
-              <a:rPr dirty="0" err="1"/>
-              <a:t>proyecto</a:t>
-            </a:r>
-            <a:r>
-              <a:rPr dirty="0"/>
+            <a:endParaRPr lang="es-AR" dirty="0"/>
+          </a:p>
+          <a:p>
+            <a:pPr marL="0" indent="0" algn="ctr">
+              <a:buNone/>
+            </a:pPr>
+            <a:r>
+              <a:rPr i="1" dirty="0" err="1" smtClean="0"/>
+              <a:t>Ventajas</a:t>
+            </a:r>
+            <a:r>
+              <a:rPr i="1" dirty="0" smtClean="0"/>
               <a:t> </a:t>
             </a:r>
             <a:r>
-              <a:rPr dirty="0" err="1"/>
-              <a:t>culminará</a:t>
-            </a:r>
-            <a:r>
-              <a:rPr dirty="0"/>
-              <a:t> con el </a:t>
-            </a:r>
-            <a:r>
-              <a:rPr dirty="0" err="1"/>
-              <a:t>diseño</a:t>
-            </a:r>
-            <a:r>
-              <a:rPr dirty="0"/>
-              <a:t> del sensor.</a:t>
+              <a:rPr i="1" dirty="0"/>
+              <a:t>de </a:t>
+            </a:r>
+            <a:r>
+              <a:rPr i="1" dirty="0" err="1"/>
+              <a:t>los</a:t>
+            </a:r>
+            <a:r>
+              <a:rPr i="1" dirty="0"/>
+              <a:t> </a:t>
+            </a:r>
+            <a:r>
+              <a:rPr i="1" dirty="0" err="1"/>
+              <a:t>sensores</a:t>
+            </a:r>
+            <a:r>
+              <a:rPr i="1" dirty="0"/>
+              <a:t> </a:t>
+            </a:r>
+            <a:r>
+              <a:rPr i="1" dirty="0" err="1"/>
+              <a:t>ópticos</a:t>
+            </a:r>
+            <a:r>
+              <a:rPr i="1" dirty="0"/>
+              <a:t>: </a:t>
+            </a:r>
+            <a:r>
+              <a:rPr i="1" dirty="0" err="1"/>
+              <a:t>alta</a:t>
+            </a:r>
+            <a:r>
+              <a:rPr i="1" dirty="0"/>
+              <a:t> </a:t>
+            </a:r>
+            <a:r>
+              <a:rPr i="1" dirty="0" err="1"/>
+              <a:t>sensibilidad</a:t>
+            </a:r>
+            <a:r>
+              <a:rPr i="1" dirty="0"/>
+              <a:t> y </a:t>
+            </a:r>
+            <a:r>
+              <a:rPr i="1" dirty="0" err="1"/>
+              <a:t>resolución</a:t>
+            </a:r>
+            <a:r>
+              <a:rPr i="1" dirty="0"/>
+              <a:t>, </a:t>
+            </a:r>
+            <a:r>
+              <a:rPr i="1" dirty="0" err="1"/>
+              <a:t>inmunes</a:t>
+            </a:r>
+            <a:r>
+              <a:rPr i="1" dirty="0"/>
+              <a:t> a </a:t>
+            </a:r>
+            <a:r>
+              <a:rPr i="1" dirty="0" err="1"/>
+              <a:t>interferencias</a:t>
+            </a:r>
+            <a:r>
+              <a:rPr i="1" dirty="0"/>
+              <a:t>.</a:t>
             </a:r>
           </a:p>
         </p:txBody>
@@ -6688,14 +7391,14 @@
         </p:nvSpPr>
         <p:spPr/>
         <p:txBody>
-          <a:bodyPr/>
+          <a:bodyPr>
+            <a:normAutofit/>
+          </a:bodyPr>
           <a:lstStyle/>
           <a:p>
             <a:r>
-              <a:rPr dirty="0" err="1"/>
-              <a:t>Alcance</a:t>
-            </a:r>
-            <a:endParaRPr dirty="0"/>
+              <a:t>Desarrollo Tecnológico</a:t>
+            </a:r>
           </a:p>
         </p:txBody>
       </p:sp>

--- a/sensores_cmos_presentacion.pptx
+++ b/sensores_cmos_presentacion.pptx
@@ -742,7 +742,7 @@
           <a:p>
             <a:fld id="{5BCAD085-E8A6-8845-BD4E-CB4CCA059FC4}" type="datetimeFigureOut">
               <a:rPr lang="en-US" smtClean="0"/>
-              <a:t>11/15/2024</a:t>
+              <a:t>11/22/2024</a:t>
             </a:fld>
             <a:endParaRPr lang="en-US"/>
           </a:p>
@@ -938,7 +938,7 @@
           <a:p>
             <a:fld id="{5BCAD085-E8A6-8845-BD4E-CB4CCA059FC4}" type="datetimeFigureOut">
               <a:rPr lang="en-US" smtClean="0"/>
-              <a:t>11/15/2024</a:t>
+              <a:t>11/22/2024</a:t>
             </a:fld>
             <a:endParaRPr lang="en-US"/>
           </a:p>
@@ -1123,7 +1123,7 @@
           <a:p>
             <a:fld id="{5BCAD085-E8A6-8845-BD4E-CB4CCA059FC4}" type="datetimeFigureOut">
               <a:rPr lang="en-US" smtClean="0"/>
-              <a:t>11/15/2024</a:t>
+              <a:t>11/22/2024</a:t>
             </a:fld>
             <a:endParaRPr lang="en-US"/>
           </a:p>
@@ -1273,7 +1273,7 @@
           <a:p>
             <a:fld id="{5BCAD085-E8A6-8845-BD4E-CB4CCA059FC4}" type="datetimeFigureOut">
               <a:rPr lang="en-US" smtClean="0"/>
-              <a:t>11/15/2024</a:t>
+              <a:t>11/22/2024</a:t>
             </a:fld>
             <a:endParaRPr lang="en-US"/>
           </a:p>
@@ -1528,7 +1528,7 @@
           <a:p>
             <a:fld id="{5BCAD085-E8A6-8845-BD4E-CB4CCA059FC4}" type="datetimeFigureOut">
               <a:rPr lang="en-US" smtClean="0"/>
-              <a:t>11/15/2024</a:t>
+              <a:t>11/22/2024</a:t>
             </a:fld>
             <a:endParaRPr lang="en-US"/>
           </a:p>
@@ -1937,7 +1937,7 @@
           <a:p>
             <a:fld id="{5BCAD085-E8A6-8845-BD4E-CB4CCA059FC4}" type="datetimeFigureOut">
               <a:rPr lang="en-US" smtClean="0"/>
-              <a:t>11/15/2024</a:t>
+              <a:t>11/22/2024</a:t>
             </a:fld>
             <a:endParaRPr lang="en-US"/>
           </a:p>
@@ -2383,7 +2383,7 @@
           <a:p>
             <a:fld id="{5BCAD085-E8A6-8845-BD4E-CB4CCA059FC4}" type="datetimeFigureOut">
               <a:rPr lang="en-US" smtClean="0"/>
-              <a:t>11/15/2024</a:t>
+              <a:t>11/22/2024</a:t>
             </a:fld>
             <a:endParaRPr lang="en-US"/>
           </a:p>
@@ -2484,7 +2484,7 @@
           <a:p>
             <a:fld id="{5BCAD085-E8A6-8845-BD4E-CB4CCA059FC4}" type="datetimeFigureOut">
               <a:rPr lang="en-US" smtClean="0"/>
-              <a:t>11/15/2024</a:t>
+              <a:t>11/22/2024</a:t>
             </a:fld>
             <a:endParaRPr lang="en-US"/>
           </a:p>
@@ -2605,7 +2605,7 @@
           <a:p>
             <a:fld id="{5BCAD085-E8A6-8845-BD4E-CB4CCA059FC4}" type="datetimeFigureOut">
               <a:rPr lang="en-US" smtClean="0"/>
-              <a:t>11/15/2024</a:t>
+              <a:t>11/22/2024</a:t>
             </a:fld>
             <a:endParaRPr lang="en-US"/>
           </a:p>
@@ -2879,7 +2879,7 @@
           <a:p>
             <a:fld id="{5BCAD085-E8A6-8845-BD4E-CB4CCA059FC4}" type="datetimeFigureOut">
               <a:rPr lang="en-US" smtClean="0"/>
-              <a:t>11/15/2024</a:t>
+              <a:t>11/22/2024</a:t>
             </a:fld>
             <a:endParaRPr lang="en-US"/>
           </a:p>
@@ -3084,7 +3084,7 @@
           <a:p>
             <a:fld id="{5BCAD085-E8A6-8845-BD4E-CB4CCA059FC4}" type="datetimeFigureOut">
               <a:rPr lang="en-US" smtClean="0"/>
-              <a:t>11/15/2024</a:t>
+              <a:t>11/22/2024</a:t>
             </a:fld>
             <a:endParaRPr lang="en-US"/>
           </a:p>
@@ -4193,7 +4193,7 @@
           <a:p>
             <a:fld id="{5BCAD085-E8A6-8845-BD4E-CB4CCA059FC4}" type="datetimeFigureOut">
               <a:rPr lang="en-US" smtClean="0"/>
-              <a:t>11/15/2024</a:t>
+              <a:t>11/22/2024</a:t>
             </a:fld>
             <a:endParaRPr lang="en-US"/>
           </a:p>
@@ -4610,7 +4610,12 @@
             <p:ph type="ctrTitle"/>
           </p:nvPr>
         </p:nvSpPr>
-        <p:spPr/>
+        <p:spPr>
+          <a:xfrm>
+            <a:off x="685800" y="1306287"/>
+            <a:ext cx="7772400" cy="1829761"/>
+          </a:xfrm>
+        </p:spPr>
         <p:txBody>
           <a:bodyPr>
             <a:normAutofit fontScale="90000"/>
@@ -4667,7 +4672,12 @@
             <p:ph type="subTitle" idx="1"/>
           </p:nvPr>
         </p:nvSpPr>
-        <p:spPr/>
+        <p:spPr>
+          <a:xfrm>
+            <a:off x="685800" y="3111826"/>
+            <a:ext cx="7772400" cy="1199704"/>
+          </a:xfrm>
+        </p:spPr>
         <p:txBody>
           <a:bodyPr/>
           <a:lstStyle/>
@@ -4727,7 +4737,7 @@
         </p:blipFill>
         <p:spPr bwMode="auto">
           <a:xfrm>
-            <a:off x="1241425" y="4346139"/>
+            <a:off x="1241424" y="3899824"/>
             <a:ext cx="3152775" cy="2296779"/>
           </a:xfrm>
           <a:prstGeom prst="rect">
@@ -5257,8 +5267,33 @@
             </a:r>
             <a:r>
               <a:rPr dirty="0"/>
-              <a:t> del sensor.</a:t>
-            </a:r>
+              <a:t> del sensor</a:t>
+            </a:r>
+            <a:r>
+              <a:rPr dirty="0" smtClean="0"/>
+              <a:t>.</a:t>
+            </a:r>
+            <a:endParaRPr lang="es-AR" dirty="0" smtClean="0"/>
+          </a:p>
+          <a:p>
+            <a:pPr marL="0" indent="0">
+              <a:buNone/>
+            </a:pPr>
+            <a:endParaRPr lang="es-AR" dirty="0"/>
+          </a:p>
+          <a:p>
+            <a:pPr marL="0" indent="0" algn="r">
+              <a:buNone/>
+            </a:pPr>
+            <a:r>
+              <a:rPr lang="es-AR" b="1" i="1" dirty="0" smtClean="0"/>
+              <a:t>Muchas gracias por la atenci</a:t>
+            </a:r>
+            <a:r>
+              <a:rPr lang="es-AR" b="1" i="1" dirty="0" smtClean="0"/>
+              <a:t>ón!</a:t>
+            </a:r>
+            <a:endParaRPr b="1" i="1" dirty="0"/>
           </a:p>
         </p:txBody>
       </p:sp>
@@ -6290,7 +6325,12 @@
             <p:ph idx="1"/>
           </p:nvPr>
         </p:nvSpPr>
-        <p:spPr/>
+        <p:spPr>
+          <a:xfrm>
+            <a:off x="457200" y="1797014"/>
+            <a:ext cx="8229600" cy="4525963"/>
+          </a:xfrm>
+        </p:spPr>
         <p:txBody>
           <a:bodyPr>
             <a:normAutofit/>
@@ -6361,7 +6401,12 @@
             <p:ph type="title"/>
           </p:nvPr>
         </p:nvSpPr>
-        <p:spPr/>
+        <p:spPr>
+          <a:xfrm>
+            <a:off x="457200" y="656509"/>
+            <a:ext cx="8229600" cy="1143000"/>
+          </a:xfrm>
+        </p:spPr>
         <p:txBody>
           <a:bodyPr>
             <a:normAutofit fontScale="90000"/>
@@ -6377,12 +6422,8 @@
               <a:t>interconectables</a:t>
             </a:r>
             <a:r>
-              <a:rPr lang="es-AR" dirty="0"/>
-              <a:t>-</a:t>
-            </a:r>
-            <a:r>
               <a:rPr lang="es-AR" dirty="0" smtClean="0"/>
-              <a:t>programables</a:t>
+              <a:t> - programables</a:t>
             </a:r>
             <a:endParaRPr dirty="0"/>
           </a:p>
@@ -6437,7 +6478,7 @@
         </p:nvSpPr>
         <p:spPr>
           <a:xfrm>
-            <a:off x="457200" y="1316229"/>
+            <a:off x="457200" y="1122553"/>
             <a:ext cx="7302500" cy="3268472"/>
           </a:xfrm>
         </p:spPr>
@@ -6602,7 +6643,7 @@
         </p:blipFill>
         <p:spPr bwMode="auto">
           <a:xfrm>
-            <a:off x="457200" y="4391025"/>
+            <a:off x="457200" y="4221956"/>
             <a:ext cx="4648200" cy="2266950"/>
           </a:xfrm>
           <a:prstGeom prst="rect">
@@ -6664,7 +6705,7 @@
         </p:blipFill>
         <p:spPr bwMode="auto">
           <a:xfrm>
-            <a:off x="4991100" y="4221956"/>
+            <a:off x="4991100" y="4137421"/>
             <a:ext cx="3543300" cy="2436019"/>
           </a:xfrm>
           <a:prstGeom prst="rect">
@@ -7012,6 +7053,18 @@
               <a:buNone/>
             </a:pPr>
             <a:r>
+              <a:rPr lang="es-AR" b="1" i="1" u="sng" dirty="0" smtClean="0"/>
+              <a:t>Innovaci</a:t>
+            </a:r>
+            <a:r>
+              <a:rPr lang="es-AR" b="1" i="1" u="sng" dirty="0" smtClean="0"/>
+              <a:t>ón</a:t>
+            </a:r>
+            <a:r>
+              <a:rPr lang="es-AR" b="1" i="1" dirty="0" smtClean="0"/>
+              <a:t>: </a:t>
+            </a:r>
+            <a:r>
               <a:rPr b="1" i="1" dirty="0" smtClean="0"/>
               <a:t>Este </a:t>
             </a:r>
@@ -7301,79 +7354,85 @@
               <a:buNone/>
             </a:pPr>
             <a:r>
-              <a:rPr i="1" dirty="0" err="1" smtClean="0"/>
+              <a:rPr sz="2500" b="1" i="1" u="sng" dirty="0" err="1" smtClean="0"/>
               <a:t>Ventajas</a:t>
             </a:r>
             <a:r>
-              <a:rPr i="1" dirty="0" smtClean="0"/>
+              <a:rPr sz="2500" b="1" i="1" u="sng" dirty="0" smtClean="0"/>
               <a:t> </a:t>
             </a:r>
             <a:r>
-              <a:rPr i="1" dirty="0"/>
+              <a:rPr sz="2500" b="1" i="1" u="sng" dirty="0"/>
               <a:t>de </a:t>
             </a:r>
             <a:r>
-              <a:rPr i="1" dirty="0" err="1"/>
+              <a:rPr sz="2500" b="1" i="1" u="sng" dirty="0" err="1"/>
               <a:t>los</a:t>
             </a:r>
             <a:r>
-              <a:rPr i="1" dirty="0"/>
+              <a:rPr sz="2500" b="1" i="1" u="sng" dirty="0"/>
               <a:t> </a:t>
             </a:r>
             <a:r>
-              <a:rPr i="1" dirty="0" err="1"/>
+              <a:rPr sz="2500" b="1" i="1" u="sng" dirty="0" err="1"/>
               <a:t>sensores</a:t>
             </a:r>
             <a:r>
-              <a:rPr i="1" dirty="0"/>
+              <a:rPr sz="2500" b="1" i="1" u="sng" dirty="0"/>
               <a:t> </a:t>
             </a:r>
             <a:r>
-              <a:rPr i="1" dirty="0" err="1"/>
+              <a:rPr sz="2500" b="1" i="1" u="sng" dirty="0" err="1"/>
               <a:t>ópticos</a:t>
             </a:r>
             <a:r>
-              <a:rPr i="1" dirty="0"/>
+              <a:rPr sz="2500" b="1" i="1" u="sng" dirty="0"/>
               <a:t>: </a:t>
             </a:r>
-            <a:r>
-              <a:rPr i="1" dirty="0" err="1"/>
+            <a:endParaRPr lang="es-AR" sz="2500" b="1" i="1" u="sng" dirty="0" smtClean="0"/>
+          </a:p>
+          <a:p>
+            <a:pPr marL="0" indent="0" algn="ctr">
+              <a:buNone/>
+            </a:pPr>
+            <a:r>
+              <a:rPr sz="2500" b="1" i="1" dirty="0" err="1" smtClean="0"/>
               <a:t>alta</a:t>
             </a:r>
             <a:r>
-              <a:rPr i="1" dirty="0"/>
+              <a:rPr sz="2500" b="1" i="1" dirty="0" smtClean="0"/>
               <a:t> </a:t>
             </a:r>
             <a:r>
-              <a:rPr i="1" dirty="0" err="1"/>
+              <a:rPr sz="2500" b="1" i="1" dirty="0" err="1"/>
               <a:t>sensibilidad</a:t>
             </a:r>
             <a:r>
-              <a:rPr i="1" dirty="0"/>
+              <a:rPr sz="2500" b="1" i="1" dirty="0"/>
               <a:t> y </a:t>
             </a:r>
             <a:r>
-              <a:rPr i="1" dirty="0" err="1"/>
+              <a:rPr sz="2500" b="1" i="1" dirty="0" err="1"/>
               <a:t>resolución</a:t>
             </a:r>
             <a:r>
-              <a:rPr i="1" dirty="0"/>
+              <a:rPr sz="2500" b="1" i="1" dirty="0"/>
               <a:t>, </a:t>
             </a:r>
             <a:r>
-              <a:rPr i="1" dirty="0" err="1"/>
+              <a:rPr sz="2500" b="1" i="1" dirty="0" err="1"/>
               <a:t>inmunes</a:t>
             </a:r>
             <a:r>
-              <a:rPr i="1" dirty="0"/>
+              <a:rPr sz="2500" b="1" i="1" dirty="0"/>
               <a:t> a </a:t>
             </a:r>
             <a:r>
-              <a:rPr i="1" dirty="0" err="1"/>
+              <a:rPr sz="2500" b="1" i="1" dirty="0" err="1"/>
               <a:t>interferencias</a:t>
             </a:r>
             <a:r>
-              <a:rPr i="1" dirty="0"/>
+              <a:rPr sz="2500" b="1" i="1" dirty="0"/>
               <a:t>.</a:t>
             </a:r>
           </a:p>

--- a/sensores_cmos_presentacion.pptx
+++ b/sensores_cmos_presentacion.pptx
@@ -742,7 +742,7 @@
           <a:p>
             <a:fld id="{5BCAD085-E8A6-8845-BD4E-CB4CCA059FC4}" type="datetimeFigureOut">
               <a:rPr lang="en-US" smtClean="0"/>
-              <a:t>11/22/2024</a:t>
+              <a:t>11/25/2024</a:t>
             </a:fld>
             <a:endParaRPr lang="en-US"/>
           </a:p>
@@ -938,7 +938,7 @@
           <a:p>
             <a:fld id="{5BCAD085-E8A6-8845-BD4E-CB4CCA059FC4}" type="datetimeFigureOut">
               <a:rPr lang="en-US" smtClean="0"/>
-              <a:t>11/22/2024</a:t>
+              <a:t>11/25/2024</a:t>
             </a:fld>
             <a:endParaRPr lang="en-US"/>
           </a:p>
@@ -1123,7 +1123,7 @@
           <a:p>
             <a:fld id="{5BCAD085-E8A6-8845-BD4E-CB4CCA059FC4}" type="datetimeFigureOut">
               <a:rPr lang="en-US" smtClean="0"/>
-              <a:t>11/22/2024</a:t>
+              <a:t>11/25/2024</a:t>
             </a:fld>
             <a:endParaRPr lang="en-US"/>
           </a:p>
@@ -1273,7 +1273,7 @@
           <a:p>
             <a:fld id="{5BCAD085-E8A6-8845-BD4E-CB4CCA059FC4}" type="datetimeFigureOut">
               <a:rPr lang="en-US" smtClean="0"/>
-              <a:t>11/22/2024</a:t>
+              <a:t>11/25/2024</a:t>
             </a:fld>
             <a:endParaRPr lang="en-US"/>
           </a:p>
@@ -1528,7 +1528,7 @@
           <a:p>
             <a:fld id="{5BCAD085-E8A6-8845-BD4E-CB4CCA059FC4}" type="datetimeFigureOut">
               <a:rPr lang="en-US" smtClean="0"/>
-              <a:t>11/22/2024</a:t>
+              <a:t>11/25/2024</a:t>
             </a:fld>
             <a:endParaRPr lang="en-US"/>
           </a:p>
@@ -1937,7 +1937,7 @@
           <a:p>
             <a:fld id="{5BCAD085-E8A6-8845-BD4E-CB4CCA059FC4}" type="datetimeFigureOut">
               <a:rPr lang="en-US" smtClean="0"/>
-              <a:t>11/22/2024</a:t>
+              <a:t>11/25/2024</a:t>
             </a:fld>
             <a:endParaRPr lang="en-US"/>
           </a:p>
@@ -2383,7 +2383,7 @@
           <a:p>
             <a:fld id="{5BCAD085-E8A6-8845-BD4E-CB4CCA059FC4}" type="datetimeFigureOut">
               <a:rPr lang="en-US" smtClean="0"/>
-              <a:t>11/22/2024</a:t>
+              <a:t>11/25/2024</a:t>
             </a:fld>
             <a:endParaRPr lang="en-US"/>
           </a:p>
@@ -2484,7 +2484,7 @@
           <a:p>
             <a:fld id="{5BCAD085-E8A6-8845-BD4E-CB4CCA059FC4}" type="datetimeFigureOut">
               <a:rPr lang="en-US" smtClean="0"/>
-              <a:t>11/22/2024</a:t>
+              <a:t>11/25/2024</a:t>
             </a:fld>
             <a:endParaRPr lang="en-US"/>
           </a:p>
@@ -2605,7 +2605,7 @@
           <a:p>
             <a:fld id="{5BCAD085-E8A6-8845-BD4E-CB4CCA059FC4}" type="datetimeFigureOut">
               <a:rPr lang="en-US" smtClean="0"/>
-              <a:t>11/22/2024</a:t>
+              <a:t>11/25/2024</a:t>
             </a:fld>
             <a:endParaRPr lang="en-US"/>
           </a:p>
@@ -2879,7 +2879,7 @@
           <a:p>
             <a:fld id="{5BCAD085-E8A6-8845-BD4E-CB4CCA059FC4}" type="datetimeFigureOut">
               <a:rPr lang="en-US" smtClean="0"/>
-              <a:t>11/22/2024</a:t>
+              <a:t>11/25/2024</a:t>
             </a:fld>
             <a:endParaRPr lang="en-US"/>
           </a:p>
@@ -3084,7 +3084,7 @@
           <a:p>
             <a:fld id="{5BCAD085-E8A6-8845-BD4E-CB4CCA059FC4}" type="datetimeFigureOut">
               <a:rPr lang="en-US" smtClean="0"/>
-              <a:t>11/22/2024</a:t>
+              <a:t>11/25/2024</a:t>
             </a:fld>
             <a:endParaRPr lang="en-US"/>
           </a:p>
@@ -4193,7 +4193,7 @@
           <a:p>
             <a:fld id="{5BCAD085-E8A6-8845-BD4E-CB4CCA059FC4}" type="datetimeFigureOut">
               <a:rPr lang="en-US" smtClean="0"/>
-              <a:t>11/22/2024</a:t>
+              <a:t>11/25/2024</a:t>
             </a:fld>
             <a:endParaRPr lang="en-US"/>
           </a:p>
@@ -5071,6 +5071,144 @@
           </a:p>
         </p:txBody>
       </p:sp>
+      <p:pic>
+        <p:nvPicPr>
+          <p:cNvPr id="3074" name="Picture 2"/>
+          <p:cNvPicPr>
+            <a:picLocks noChangeAspect="1" noChangeArrowheads="1"/>
+          </p:cNvPicPr>
+          <p:nvPr/>
+        </p:nvPicPr>
+        <p:blipFill rotWithShape="1">
+          <a:blip r:embed="rId2">
+            <a:extLst>
+              <a:ext uri="{28A0092B-C50C-407E-A947-70E740481C1C}">
+                <a14:useLocalDpi xmlns:a14="http://schemas.microsoft.com/office/drawing/2010/main" val="0"/>
+              </a:ext>
+            </a:extLst>
+          </a:blip>
+          <a:srcRect t="11023"/>
+          <a:stretch/>
+        </p:blipFill>
+        <p:spPr bwMode="auto">
+          <a:xfrm>
+            <a:off x="5955846" y="4669971"/>
+            <a:ext cx="2491468" cy="2064615"/>
+          </a:xfrm>
+          <a:prstGeom prst="rect">
+            <a:avLst/>
+          </a:prstGeom>
+          <a:noFill/>
+          <a:ln>
+            <a:noFill/>
+          </a:ln>
+          <a:effectLst/>
+          <a:extLst>
+            <a:ext uri="{909E8E84-426E-40DD-AFC4-6F175D3DCCD1}">
+              <a14:hiddenFill xmlns:a14="http://schemas.microsoft.com/office/drawing/2010/main">
+                <a:solidFill>
+                  <a:schemeClr val="accent1"/>
+                </a:solidFill>
+              </a14:hiddenFill>
+            </a:ext>
+            <a:ext uri="{91240B29-F687-4F45-9708-019B960494DF}">
+              <a14:hiddenLine xmlns:a14="http://schemas.microsoft.com/office/drawing/2010/main" w="9525">
+                <a:solidFill>
+                  <a:schemeClr val="tx1"/>
+                </a:solidFill>
+                <a:miter lim="800000"/>
+                <a:headEnd/>
+                <a:tailEnd/>
+              </a14:hiddenLine>
+            </a:ext>
+            <a:ext uri="{AF507438-7753-43E0-B8FC-AC1667EBCBE1}">
+              <a14:hiddenEffects xmlns:a14="http://schemas.microsoft.com/office/drawing/2010/main">
+                <a:effectLst>
+                  <a:outerShdw dist="35921" dir="2700000" algn="ctr" rotWithShape="0">
+                    <a:schemeClr val="bg2"/>
+                  </a:outerShdw>
+                </a:effectLst>
+              </a14:hiddenEffects>
+            </a:ext>
+          </a:extLst>
+        </p:spPr>
+      </p:pic>
+      <p:sp>
+        <p:nvSpPr>
+          <p:cNvPr id="4" name="3 Rectángulo"/>
+          <p:cNvSpPr/>
+          <p:nvPr/>
+        </p:nvSpPr>
+        <p:spPr>
+          <a:xfrm>
+            <a:off x="1240972" y="5379112"/>
+            <a:ext cx="3603171" cy="646331"/>
+          </a:xfrm>
+          <a:prstGeom prst="rect">
+            <a:avLst/>
+          </a:prstGeom>
+        </p:spPr>
+        <p:txBody>
+          <a:bodyPr wrap="square">
+            <a:spAutoFit/>
+          </a:bodyPr>
+          <a:lstStyle/>
+          <a:p>
+            <a:r>
+              <a:rPr lang="es-ES" b="1" i="1" dirty="0">
+                <a:solidFill>
+                  <a:srgbClr val="FF0000"/>
+                </a:solidFill>
+              </a:rPr>
+              <a:t>Necesidad de </a:t>
+            </a:r>
+            <a:r>
+              <a:rPr lang="es-ES" b="1" i="1" dirty="0" err="1" smtClean="0">
+                <a:solidFill>
+                  <a:srgbClr val="FF0000"/>
+                </a:solidFill>
+              </a:rPr>
+              <a:t>reconfiguracion</a:t>
+            </a:r>
+            <a:endParaRPr lang="es-ES" b="1" i="1" dirty="0">
+              <a:solidFill>
+                <a:srgbClr val="FF0000"/>
+              </a:solidFill>
+            </a:endParaRPr>
+          </a:p>
+          <a:p>
+            <a:r>
+              <a:rPr lang="es-ES" b="1" i="1" dirty="0" smtClean="0">
+                <a:solidFill>
+                  <a:srgbClr val="FF0000"/>
+                </a:solidFill>
+              </a:rPr>
+              <a:t>a </a:t>
+            </a:r>
+            <a:r>
+              <a:rPr lang="es-ES" b="1" i="1" dirty="0">
+                <a:solidFill>
+                  <a:srgbClr val="FF0000"/>
+                </a:solidFill>
+              </a:rPr>
+              <a:t>alta velocidad </a:t>
+            </a:r>
+            <a:r>
+              <a:rPr lang="es-ES" b="1" i="1" dirty="0" smtClean="0">
+                <a:solidFill>
+                  <a:srgbClr val="FF0000"/>
+                </a:solidFill>
+              </a:rPr>
+              <a:t>???</a:t>
+            </a:r>
+            <a:endParaRPr lang="es-AR" b="1" i="1" dirty="0">
+              <a:solidFill>
+                <a:srgbClr val="FF0000"/>
+              </a:solidFill>
+            </a:endParaRPr>
+          </a:p>
+        </p:txBody>
+      </p:sp>
     </p:spTree>
   </p:cSld>
   <p:clrMapOvr>
@@ -5224,16 +5362,16 @@
               <a:t> </a:t>
             </a:r>
             <a:r>
-              <a:rPr dirty="0" err="1"/>
+              <a:rPr dirty="0" err="1" smtClean="0"/>
               <a:t>frecuencia</a:t>
             </a:r>
             <a:r>
-              <a:rPr dirty="0"/>
-              <a:t> superior al </a:t>
-            </a:r>
-            <a:r>
-              <a:rPr dirty="0" err="1"/>
-              <a:t>MHz.</a:t>
+              <a:rPr lang="es-AR" dirty="0" smtClean="0"/>
+              <a:t>s media-alta</a:t>
+            </a:r>
+            <a:r>
+              <a:rPr dirty="0" smtClean="0"/>
+              <a:t>.</a:t>
             </a:r>
             <a:endParaRPr dirty="0"/>
           </a:p>
@@ -5287,11 +5425,7 @@
             </a:pPr>
             <a:r>
               <a:rPr lang="es-AR" b="1" i="1" dirty="0" smtClean="0"/>
-              <a:t>Muchas gracias por la atenci</a:t>
-            </a:r>
-            <a:r>
-              <a:rPr lang="es-AR" b="1" i="1" dirty="0" smtClean="0"/>
-              <a:t>ón!</a:t>
+              <a:t>Muchas gracias por la atención!</a:t>
             </a:r>
             <a:endParaRPr b="1" i="1" dirty="0"/>
           </a:p>
@@ -5449,7 +5583,11 @@
             </a:r>
             <a:r>
               <a:rPr dirty="0"/>
-              <a:t> la luz, </a:t>
+              <a:t> la </a:t>
+            </a:r>
+            <a:r>
+              <a:rPr dirty="0" smtClean="0"/>
+              <a:t>luz, </a:t>
             </a:r>
             <a:r>
               <a:rPr dirty="0" err="1"/>
@@ -5477,8 +5615,21 @@
             </a:r>
             <a:r>
               <a:rPr b="1" dirty="0"/>
-              <a:t>'speckle'.</a:t>
-            </a:r>
+              <a:t>'speckle</a:t>
+            </a:r>
+            <a:r>
+              <a:rPr b="1" dirty="0" smtClean="0"/>
+              <a:t>'</a:t>
+            </a:r>
+            <a:r>
+              <a:rPr lang="es-AR" b="1" dirty="0" smtClean="0"/>
+              <a:t> </a:t>
+            </a:r>
+            <a:r>
+              <a:rPr lang="es-AR" dirty="0" smtClean="0"/>
+              <a:t>(moteado)</a:t>
+            </a:r>
+            <a:endParaRPr b="1" dirty="0"/>
           </a:p>
           <a:p>
             <a:pPr marL="0" indent="0">
@@ -5639,6 +5790,70 @@
           </a:p>
         </p:txBody>
       </p:sp>
+      <p:pic>
+        <p:nvPicPr>
+          <p:cNvPr id="1026" name="Picture 2"/>
+          <p:cNvPicPr>
+            <a:picLocks noChangeAspect="1" noChangeArrowheads="1"/>
+          </p:cNvPicPr>
+          <p:nvPr/>
+        </p:nvPicPr>
+        <p:blipFill>
+          <a:blip r:embed="rId2">
+            <a:extLst>
+              <a:ext uri="{28A0092B-C50C-407E-A947-70E740481C1C}">
+                <a14:useLocalDpi xmlns:a14="http://schemas.microsoft.com/office/drawing/2010/main" val="0"/>
+              </a:ext>
+            </a:extLst>
+          </a:blip>
+          <a:srcRect/>
+          <a:stretch>
+            <a:fillRect/>
+          </a:stretch>
+        </p:blipFill>
+        <p:spPr bwMode="auto">
+          <a:xfrm>
+            <a:off x="5887811" y="4725196"/>
+            <a:ext cx="1460047" cy="1453470"/>
+          </a:xfrm>
+          <a:prstGeom prst="rect">
+            <a:avLst/>
+          </a:prstGeom>
+          <a:noFill/>
+          <a:ln>
+            <a:noFill/>
+          </a:ln>
+          <a:effectLst/>
+          <a:extLst>
+            <a:ext uri="{909E8E84-426E-40DD-AFC4-6F175D3DCCD1}">
+              <a14:hiddenFill xmlns:a14="http://schemas.microsoft.com/office/drawing/2010/main">
+                <a:solidFill>
+                  <a:schemeClr val="accent1"/>
+                </a:solidFill>
+              </a14:hiddenFill>
+            </a:ext>
+            <a:ext uri="{91240B29-F687-4F45-9708-019B960494DF}">
+              <a14:hiddenLine xmlns:a14="http://schemas.microsoft.com/office/drawing/2010/main" w="9525">
+                <a:solidFill>
+                  <a:schemeClr val="tx1"/>
+                </a:solidFill>
+                <a:miter lim="800000"/>
+                <a:headEnd/>
+                <a:tailEnd/>
+              </a14:hiddenLine>
+            </a:ext>
+            <a:ext uri="{AF507438-7753-43E0-B8FC-AC1667EBCBE1}">
+              <a14:hiddenEffects xmlns:a14="http://schemas.microsoft.com/office/drawing/2010/main">
+                <a:effectLst>
+                  <a:outerShdw dist="35921" dir="2700000" algn="ctr" rotWithShape="0">
+                    <a:schemeClr val="bg2"/>
+                  </a:outerShdw>
+                </a:effectLst>
+              </a14:hiddenEffects>
+            </a:ext>
+          </a:extLst>
+        </p:spPr>
+      </p:pic>
     </p:spTree>
   </p:cSld>
   <p:clrMapOvr>
@@ -6173,7 +6388,9 @@
         </p:nvSpPr>
         <p:spPr/>
         <p:txBody>
-          <a:bodyPr/>
+          <a:bodyPr>
+            <a:normAutofit lnSpcReduction="10000"/>
+          </a:bodyPr>
           <a:lstStyle/>
           <a:p>
             <a:pPr marL="457200" indent="-457200">
@@ -6213,43 +6430,85 @@
               <a:buFont typeface="Arial" panose="020B0604020202020204" pitchFamily="34" charset="0"/>
               <a:buChar char="•"/>
             </a:pPr>
-            <a:endParaRPr lang="es-AR" dirty="0" smtClean="0"/>
+            <a:endParaRPr lang="es-AR" sz="2000" b="1" dirty="0" smtClean="0"/>
           </a:p>
           <a:p>
             <a:pPr marL="0" indent="0" algn="ctr">
               <a:buNone/>
             </a:pPr>
             <a:r>
-              <a:rPr lang="es-AR" sz="2000" i="1" u="sng" dirty="0" smtClean="0"/>
-              <a:t>Ventaja:</a:t>
-            </a:r>
+              <a:rPr lang="es-AR" sz="2000" b="1" u="sng" dirty="0" smtClean="0"/>
+              <a:t>Ventaja</a:t>
+            </a:r>
+            <a:r>
+              <a:rPr lang="es-AR" sz="2000" b="1" dirty="0" smtClean="0"/>
+              <a:t>: </a:t>
+            </a:r>
+            <a:endParaRPr lang="es-AR" sz="2000" b="1" dirty="0" smtClean="0"/>
+          </a:p>
+          <a:p>
+            <a:pPr marL="0" indent="0" algn="ctr">
+              <a:buNone/>
+            </a:pPr>
+            <a:endParaRPr lang="es-AR" sz="2000" b="1" i="1" dirty="0"/>
+          </a:p>
+          <a:p>
+            <a:pPr marL="0" indent="0" algn="ctr">
+              <a:buNone/>
+            </a:pPr>
             <a:r>
               <a:rPr lang="es-AR" sz="2000" i="1" dirty="0" smtClean="0"/>
-              <a:t> permite registrar </a:t>
+              <a:t>Permite </a:t>
+            </a:r>
+            <a:r>
+              <a:rPr lang="es-AR" sz="2000" i="1" dirty="0" smtClean="0"/>
+              <a:t>registrar </a:t>
             </a:r>
             <a:r>
               <a:rPr lang="es-AR" sz="2000" i="1" dirty="0"/>
               <a:t>las variaciones de </a:t>
             </a:r>
             <a:r>
-              <a:rPr lang="es-AR" sz="2000" i="1" dirty="0" err="1"/>
+              <a:rPr lang="es-AR" sz="2000" i="1" dirty="0" err="1" smtClean="0"/>
               <a:t>speckle</a:t>
             </a:r>
+            <a:endParaRPr lang="es-AR" sz="2000" i="1" dirty="0" smtClean="0"/>
+          </a:p>
+          <a:p>
+            <a:pPr marL="0" indent="0" algn="ctr">
+              <a:buNone/>
+            </a:pPr>
+            <a:r>
+              <a:rPr lang="es-AR" sz="2000" i="1" dirty="0" smtClean="0"/>
+              <a:t> </a:t>
+            </a:r>
             <a:r>
               <a:rPr lang="es-AR" sz="2000" i="1" dirty="0"/>
-              <a:t> sin necesidad de procesamiento digital, logrando </a:t>
-            </a:r>
+              <a:t>sin necesidad de procesamiento digital, logrando </a:t>
+            </a:r>
+            <a:endParaRPr lang="es-AR" sz="2000" i="1" dirty="0" smtClean="0"/>
+          </a:p>
+          <a:p>
+            <a:pPr marL="0" indent="0" algn="ctr">
+              <a:buNone/>
+            </a:pPr>
             <a:r>
               <a:rPr lang="es-AR" sz="2000" i="1" dirty="0" smtClean="0"/>
               <a:t>mediciones </a:t>
             </a:r>
             <a:r>
               <a:rPr lang="es-AR" sz="2000" i="1" dirty="0"/>
-              <a:t>mucho más rápidas y eficientes en consumo energético</a:t>
-            </a:r>
-            <a:r>
-              <a:rPr lang="es-AR" i="1" dirty="0"/>
-              <a:t>.</a:t>
+              <a:t>mucho más rápidas y eficientes en </a:t>
+            </a:r>
+            <a:endParaRPr lang="es-AR" sz="2000" i="1" dirty="0" smtClean="0"/>
+          </a:p>
+          <a:p>
+            <a:pPr marL="0" indent="0" algn="ctr">
+              <a:buNone/>
+            </a:pPr>
+            <a:r>
+              <a:rPr lang="es-AR" sz="2000" i="1" dirty="0" smtClean="0"/>
+              <a:t>consumo energético</a:t>
             </a:r>
             <a:endParaRPr i="1" dirty="0"/>
           </a:p>
@@ -6327,7 +6586,7 @@
         </p:nvSpPr>
         <p:spPr>
           <a:xfrm>
-            <a:off x="457200" y="1797014"/>
+            <a:off x="457200" y="1709928"/>
             <a:ext cx="8229600" cy="4525963"/>
           </a:xfrm>
         </p:spPr>
@@ -6353,39 +6612,39 @@
               <a:buChar char="•"/>
             </a:pPr>
             <a:r>
-              <a:rPr lang="es-AR" i="1" dirty="0" smtClean="0"/>
+              <a:rPr lang="es-AR" sz="2500" dirty="0" smtClean="0"/>
               <a:t>Este </a:t>
             </a:r>
             <a:r>
-              <a:rPr lang="es-AR" i="1" dirty="0"/>
+              <a:rPr lang="es-AR" sz="2500" dirty="0"/>
               <a:t>sensor </a:t>
             </a:r>
             <a:r>
-              <a:rPr lang="es-AR" i="1" dirty="0" smtClean="0"/>
+              <a:rPr lang="es-AR" sz="2500" dirty="0" smtClean="0"/>
               <a:t>consiste </a:t>
             </a:r>
             <a:r>
-              <a:rPr lang="es-ES" i="1" dirty="0" smtClean="0"/>
+              <a:rPr lang="es-ES" sz="2500" dirty="0" smtClean="0"/>
               <a:t>en </a:t>
             </a:r>
             <a:r>
-              <a:rPr lang="es-ES" i="1" dirty="0"/>
+              <a:rPr lang="es-ES" sz="2500" dirty="0"/>
               <a:t>un arreglo de pixeles programables que tiene la capacidad de formar el </a:t>
             </a:r>
             <a:r>
-              <a:rPr lang="es-ES" i="1" dirty="0" smtClean="0"/>
+              <a:rPr lang="es-ES" sz="2500" dirty="0" smtClean="0"/>
               <a:t>patrón de detección </a:t>
             </a:r>
             <a:r>
-              <a:rPr lang="es-ES" i="1" dirty="0"/>
+              <a:rPr lang="es-ES" sz="2500" dirty="0"/>
               <a:t>en el lugar indicado una vez que el haz incide sobre el, evitando la necesidad </a:t>
             </a:r>
             <a:r>
-              <a:rPr lang="es-ES" i="1" dirty="0" smtClean="0"/>
+              <a:rPr lang="es-ES" sz="2500" dirty="0" smtClean="0"/>
               <a:t>de </a:t>
             </a:r>
             <a:r>
-              <a:rPr lang="es-AR" i="1" dirty="0" smtClean="0"/>
+              <a:rPr lang="es-AR" sz="2500" dirty="0" smtClean="0"/>
               <a:t>complejos alineamientos mecánicos micrométricos</a:t>
             </a:r>
           </a:p>
@@ -6429,6 +6688,134 @@
           </a:p>
         </p:txBody>
       </p:sp>
+      <p:pic>
+        <p:nvPicPr>
+          <p:cNvPr id="2050" name="Picture 2"/>
+          <p:cNvPicPr>
+            <a:picLocks noChangeAspect="1" noChangeArrowheads="1"/>
+          </p:cNvPicPr>
+          <p:nvPr/>
+        </p:nvPicPr>
+        <p:blipFill>
+          <a:blip r:embed="rId2">
+            <a:extLst>
+              <a:ext uri="{28A0092B-C50C-407E-A947-70E740481C1C}">
+                <a14:useLocalDpi xmlns:a14="http://schemas.microsoft.com/office/drawing/2010/main" val="0"/>
+              </a:ext>
+            </a:extLst>
+          </a:blip>
+          <a:srcRect/>
+          <a:stretch>
+            <a:fillRect/>
+          </a:stretch>
+        </p:blipFill>
+        <p:spPr bwMode="auto">
+          <a:xfrm>
+            <a:off x="1166813" y="4516893"/>
+            <a:ext cx="2543175" cy="1895475"/>
+          </a:xfrm>
+          <a:prstGeom prst="rect">
+            <a:avLst/>
+          </a:prstGeom>
+          <a:noFill/>
+          <a:ln>
+            <a:noFill/>
+          </a:ln>
+          <a:effectLst/>
+          <a:extLst>
+            <a:ext uri="{909E8E84-426E-40DD-AFC4-6F175D3DCCD1}">
+              <a14:hiddenFill xmlns:a14="http://schemas.microsoft.com/office/drawing/2010/main">
+                <a:solidFill>
+                  <a:schemeClr val="accent1"/>
+                </a:solidFill>
+              </a14:hiddenFill>
+            </a:ext>
+            <a:ext uri="{91240B29-F687-4F45-9708-019B960494DF}">
+              <a14:hiddenLine xmlns:a14="http://schemas.microsoft.com/office/drawing/2010/main" w="9525">
+                <a:solidFill>
+                  <a:schemeClr val="tx1"/>
+                </a:solidFill>
+                <a:miter lim="800000"/>
+                <a:headEnd/>
+                <a:tailEnd/>
+              </a14:hiddenLine>
+            </a:ext>
+            <a:ext uri="{AF507438-7753-43E0-B8FC-AC1667EBCBE1}">
+              <a14:hiddenEffects xmlns:a14="http://schemas.microsoft.com/office/drawing/2010/main">
+                <a:effectLst>
+                  <a:outerShdw dist="35921" dir="2700000" algn="ctr" rotWithShape="0">
+                    <a:schemeClr val="bg2"/>
+                  </a:outerShdw>
+                </a:effectLst>
+              </a14:hiddenEffects>
+            </a:ext>
+          </a:extLst>
+        </p:spPr>
+      </p:pic>
+      <p:pic>
+        <p:nvPicPr>
+          <p:cNvPr id="2051" name="Picture 3"/>
+          <p:cNvPicPr>
+            <a:picLocks noChangeAspect="1" noChangeArrowheads="1"/>
+          </p:cNvPicPr>
+          <p:nvPr/>
+        </p:nvPicPr>
+        <p:blipFill>
+          <a:blip r:embed="rId3">
+            <a:extLst>
+              <a:ext uri="{28A0092B-C50C-407E-A947-70E740481C1C}">
+                <a14:useLocalDpi xmlns:a14="http://schemas.microsoft.com/office/drawing/2010/main" val="0"/>
+              </a:ext>
+            </a:extLst>
+          </a:blip>
+          <a:srcRect/>
+          <a:stretch>
+            <a:fillRect/>
+          </a:stretch>
+        </p:blipFill>
+        <p:spPr bwMode="auto">
+          <a:xfrm>
+            <a:off x="5537786" y="4628603"/>
+            <a:ext cx="2107385" cy="1672054"/>
+          </a:xfrm>
+          <a:prstGeom prst="rect">
+            <a:avLst/>
+          </a:prstGeom>
+          <a:noFill/>
+          <a:ln>
+            <a:noFill/>
+          </a:ln>
+          <a:effectLst/>
+          <a:extLst>
+            <a:ext uri="{909E8E84-426E-40DD-AFC4-6F175D3DCCD1}">
+              <a14:hiddenFill xmlns:a14="http://schemas.microsoft.com/office/drawing/2010/main">
+                <a:solidFill>
+                  <a:schemeClr val="accent1"/>
+                </a:solidFill>
+              </a14:hiddenFill>
+            </a:ext>
+            <a:ext uri="{91240B29-F687-4F45-9708-019B960494DF}">
+              <a14:hiddenLine xmlns:a14="http://schemas.microsoft.com/office/drawing/2010/main" w="9525">
+                <a:solidFill>
+                  <a:schemeClr val="tx1"/>
+                </a:solidFill>
+                <a:miter lim="800000"/>
+                <a:headEnd/>
+                <a:tailEnd/>
+              </a14:hiddenLine>
+            </a:ext>
+            <a:ext uri="{AF507438-7753-43E0-B8FC-AC1667EBCBE1}">
+              <a14:hiddenEffects xmlns:a14="http://schemas.microsoft.com/office/drawing/2010/main">
+                <a:effectLst>
+                  <a:outerShdw dist="35921" dir="2700000" algn="ctr" rotWithShape="0">
+                    <a:schemeClr val="bg2"/>
+                  </a:outerShdw>
+                </a:effectLst>
+              </a14:hiddenEffects>
+            </a:ext>
+          </a:extLst>
+        </p:spPr>
+      </p:pic>
     </p:spTree>
     <p:extLst>
       <p:ext uri="{BB962C8B-B14F-4D97-AF65-F5344CB8AC3E}">
@@ -6573,7 +6960,15 @@
             </a:r>
             <a:r>
               <a:rPr lang="es-ES" dirty="0"/>
-              <a:t> restante , y consta de transistores y celdas de memoria </a:t>
+              <a:t> </a:t>
+            </a:r>
+            <a:r>
+              <a:rPr lang="es-ES" dirty="0" smtClean="0"/>
+              <a:t>restante, </a:t>
+            </a:r>
+            <a:r>
+              <a:rPr lang="es-ES" dirty="0"/>
+              <a:t>y consta de transistores y celdas de memoria </a:t>
             </a:r>
             <a:r>
               <a:rPr lang="es-AR" dirty="0" smtClean="0"/>
@@ -6644,7 +7039,7 @@
         <p:spPr bwMode="auto">
           <a:xfrm>
             <a:off x="457200" y="4221956"/>
-            <a:ext cx="4648200" cy="2266950"/>
+            <a:ext cx="4223657" cy="2059898"/>
           </a:xfrm>
           <a:prstGeom prst="rect">
             <a:avLst/>
@@ -6796,7 +7191,7 @@
         <p:spPr/>
         <p:txBody>
           <a:bodyPr>
-            <a:normAutofit fontScale="92500" lnSpcReduction="10000"/>
+            <a:normAutofit fontScale="92500"/>
           </a:bodyPr>
           <a:lstStyle/>
           <a:p>
@@ -7053,91 +7448,99 @@
               <a:buNone/>
             </a:pPr>
             <a:r>
-              <a:rPr lang="es-AR" b="1" i="1" u="sng" dirty="0" smtClean="0"/>
-              <a:t>Innovaci</a:t>
-            </a:r>
-            <a:r>
-              <a:rPr lang="es-AR" b="1" i="1" u="sng" dirty="0" smtClean="0"/>
-              <a:t>ón</a:t>
-            </a:r>
-            <a:r>
-              <a:rPr lang="es-AR" b="1" i="1" dirty="0" smtClean="0"/>
+              <a:rPr lang="es-AR" sz="2200" b="1" u="sng" dirty="0" smtClean="0"/>
+              <a:t>Innovación</a:t>
+            </a:r>
+            <a:r>
+              <a:rPr lang="es-AR" sz="2200" b="1" dirty="0" smtClean="0"/>
               <a:t>: </a:t>
             </a:r>
             <a:r>
-              <a:rPr b="1" i="1" dirty="0" smtClean="0"/>
+              <a:rPr sz="2200" i="1" dirty="0" smtClean="0"/>
               <a:t>Este </a:t>
             </a:r>
             <a:r>
-              <a:rPr b="1" i="1" dirty="0" err="1"/>
+              <a:rPr sz="2200" i="1" dirty="0" err="1"/>
               <a:t>proyecto</a:t>
             </a:r>
             <a:r>
-              <a:rPr b="1" i="1" dirty="0"/>
+              <a:rPr sz="2200" i="1" dirty="0"/>
               <a:t> </a:t>
             </a:r>
             <a:r>
-              <a:rPr b="1" i="1" dirty="0" err="1"/>
+              <a:rPr sz="2200" i="1" dirty="0" err="1"/>
               <a:t>extiende</a:t>
             </a:r>
             <a:r>
-              <a:rPr b="1" i="1" dirty="0"/>
+              <a:rPr sz="2200" i="1" dirty="0"/>
               <a:t> la </a:t>
             </a:r>
             <a:r>
-              <a:rPr b="1" i="1" dirty="0" err="1"/>
+              <a:rPr sz="2200" i="1" dirty="0" err="1" smtClean="0"/>
               <a:t>aplicación</a:t>
             </a:r>
-            <a:r>
-              <a:rPr b="1" i="1" dirty="0"/>
-              <a:t> a </a:t>
-            </a:r>
-            <a:r>
-              <a:rPr b="1" i="1" dirty="0" err="1"/>
+            <a:endParaRPr lang="es-AR" sz="2200" i="1" dirty="0" smtClean="0"/>
+          </a:p>
+          <a:p>
+            <a:pPr marL="0" indent="0" algn="ctr">
+              <a:buClrTx/>
+              <a:buSzPct val="85000"/>
+              <a:buNone/>
+            </a:pPr>
+            <a:r>
+              <a:rPr sz="2200" i="1" dirty="0" smtClean="0"/>
+              <a:t> </a:t>
+            </a:r>
+            <a:r>
+              <a:rPr sz="2200" i="1" dirty="0"/>
+              <a:t>a </a:t>
+            </a:r>
+            <a:r>
+              <a:rPr sz="2200" i="1" dirty="0" err="1"/>
               <a:t>medir</a:t>
             </a:r>
             <a:r>
-              <a:rPr b="1" i="1" dirty="0"/>
+              <a:rPr sz="2200" i="1" dirty="0"/>
               <a:t> </a:t>
             </a:r>
             <a:r>
-              <a:rPr b="1" i="1" dirty="0" err="1"/>
+              <a:rPr sz="2200" i="1" dirty="0" err="1"/>
               <a:t>rotación</a:t>
             </a:r>
             <a:r>
-              <a:rPr b="1" i="1" dirty="0"/>
+              <a:rPr sz="2200" i="1" dirty="0"/>
               <a:t> y </a:t>
             </a:r>
             <a:r>
-              <a:rPr b="1" i="1" dirty="0" err="1"/>
+              <a:rPr sz="2200" i="1" dirty="0" err="1"/>
               <a:t>vibración</a:t>
             </a:r>
             <a:r>
-              <a:rPr b="1" i="1" dirty="0"/>
+              <a:rPr sz="2200" i="1" dirty="0"/>
               <a:t> </a:t>
             </a:r>
             <a:r>
-              <a:rPr b="1" i="1" dirty="0" err="1"/>
+              <a:rPr sz="2200" i="1" dirty="0" err="1"/>
               <a:t>en</a:t>
             </a:r>
             <a:r>
-              <a:rPr b="1" i="1" dirty="0"/>
+              <a:rPr sz="2200" i="1" dirty="0"/>
               <a:t> </a:t>
             </a:r>
             <a:r>
-              <a:rPr b="1" i="1" dirty="0" err="1"/>
+              <a:rPr sz="2200" i="1" dirty="0" err="1"/>
               <a:t>piezas</a:t>
             </a:r>
             <a:r>
-              <a:rPr b="1" i="1" dirty="0"/>
+              <a:rPr sz="2200" i="1" dirty="0"/>
               <a:t> </a:t>
             </a:r>
             <a:r>
-              <a:rPr b="1" i="1" dirty="0" err="1"/>
+              <a:rPr sz="2200" i="1" dirty="0" err="1"/>
               <a:t>industriales</a:t>
             </a:r>
             <a:r>
-              <a:rPr b="1" i="1" dirty="0"/>
+              <a:rPr sz="2200" i="1" dirty="0"/>
               <a:t>.</a:t>
             </a:r>
           </a:p>
@@ -7354,85 +7757,105 @@
               <a:buNone/>
             </a:pPr>
             <a:r>
-              <a:rPr sz="2500" b="1" i="1" u="sng" dirty="0" err="1" smtClean="0"/>
+              <a:rPr sz="2000" b="1" u="sng" dirty="0" err="1" smtClean="0"/>
               <a:t>Ventajas</a:t>
             </a:r>
             <a:r>
-              <a:rPr sz="2500" b="1" i="1" u="sng" dirty="0" smtClean="0"/>
+              <a:rPr sz="2000" b="1" u="sng" dirty="0" smtClean="0"/>
               <a:t> </a:t>
             </a:r>
             <a:r>
-              <a:rPr sz="2500" b="1" i="1" u="sng" dirty="0"/>
+              <a:rPr sz="2000" b="1" u="sng" dirty="0"/>
               <a:t>de </a:t>
             </a:r>
             <a:r>
-              <a:rPr sz="2500" b="1" i="1" u="sng" dirty="0" err="1"/>
+              <a:rPr sz="2000" b="1" u="sng" dirty="0" err="1"/>
               <a:t>los</a:t>
             </a:r>
             <a:r>
-              <a:rPr sz="2500" b="1" i="1" u="sng" dirty="0"/>
+              <a:rPr sz="2000" b="1" u="sng" dirty="0"/>
               <a:t> </a:t>
             </a:r>
             <a:r>
-              <a:rPr sz="2500" b="1" i="1" u="sng" dirty="0" err="1"/>
+              <a:rPr sz="2000" b="1" u="sng" dirty="0" err="1"/>
               <a:t>sensores</a:t>
             </a:r>
             <a:r>
-              <a:rPr sz="2500" b="1" i="1" u="sng" dirty="0"/>
+              <a:rPr sz="2000" b="1" u="sng" dirty="0"/>
               <a:t> </a:t>
             </a:r>
             <a:r>
-              <a:rPr sz="2500" b="1" i="1" u="sng" dirty="0" err="1"/>
+              <a:rPr sz="2000" b="1" u="sng" dirty="0" err="1"/>
               <a:t>ópticos</a:t>
             </a:r>
             <a:r>
-              <a:rPr sz="2500" b="1" i="1" u="sng" dirty="0"/>
+              <a:rPr sz="2000" b="1" u="sng" dirty="0"/>
               <a:t>: </a:t>
             </a:r>
-            <a:endParaRPr lang="es-AR" sz="2500" b="1" i="1" u="sng" dirty="0" smtClean="0"/>
+            <a:endParaRPr lang="es-AR" sz="2000" b="1" u="sng" dirty="0" smtClean="0"/>
           </a:p>
           <a:p>
             <a:pPr marL="0" indent="0" algn="ctr">
               <a:buNone/>
             </a:pPr>
-            <a:r>
-              <a:rPr sz="2500" b="1" i="1" dirty="0" err="1" smtClean="0"/>
-              <a:t>alta</a:t>
-            </a:r>
-            <a:r>
-              <a:rPr sz="2500" b="1" i="1" dirty="0" smtClean="0"/>
+            <a:endParaRPr lang="es-AR" sz="2000" b="1" u="sng" dirty="0" smtClean="0"/>
+          </a:p>
+          <a:p>
+            <a:pPr marL="0" indent="0" algn="ctr">
+              <a:buNone/>
+            </a:pPr>
+            <a:r>
+              <a:rPr lang="es-AR" sz="2000" i="1" dirty="0" smtClean="0"/>
+              <a:t>A</a:t>
+            </a:r>
+            <a:r>
+              <a:rPr sz="2000" i="1" dirty="0" err="1" smtClean="0"/>
+              <a:t>lta</a:t>
+            </a:r>
+            <a:r>
+              <a:rPr sz="2000" i="1" dirty="0" smtClean="0"/>
               <a:t> </a:t>
             </a:r>
             <a:r>
-              <a:rPr sz="2500" b="1" i="1" dirty="0" err="1"/>
+              <a:rPr sz="2000" i="1" dirty="0" err="1"/>
               <a:t>sensibilidad</a:t>
             </a:r>
             <a:r>
-              <a:rPr sz="2500" b="1" i="1" dirty="0"/>
+              <a:rPr sz="2000" i="1" dirty="0"/>
               <a:t> y </a:t>
             </a:r>
             <a:r>
-              <a:rPr sz="2500" b="1" i="1" dirty="0" err="1"/>
+              <a:rPr sz="2000" i="1" dirty="0" err="1"/>
               <a:t>resolución</a:t>
             </a:r>
             <a:r>
-              <a:rPr sz="2500" b="1" i="1" dirty="0"/>
+              <a:rPr sz="2000" i="1" dirty="0"/>
               <a:t>, </a:t>
             </a:r>
-            <a:r>
-              <a:rPr sz="2500" b="1" i="1" dirty="0" err="1"/>
+            <a:endParaRPr lang="es-AR" sz="2000" i="1" dirty="0" smtClean="0"/>
+          </a:p>
+          <a:p>
+            <a:pPr marL="0" indent="0" algn="ctr">
+              <a:buNone/>
+            </a:pPr>
+            <a:r>
+              <a:rPr sz="2000" i="1" dirty="0" err="1" smtClean="0"/>
               <a:t>inmunes</a:t>
             </a:r>
             <a:r>
-              <a:rPr sz="2500" b="1" i="1" dirty="0"/>
-              <a:t> a </a:t>
-            </a:r>
-            <a:r>
-              <a:rPr sz="2500" b="1" i="1" dirty="0" err="1"/>
+              <a:rPr sz="2000" i="1" dirty="0" smtClean="0"/>
+              <a:t> </a:t>
+            </a:r>
+            <a:r>
+              <a:rPr sz="2000" i="1" dirty="0"/>
+              <a:t>a </a:t>
+            </a:r>
+            <a:r>
+              <a:rPr sz="2000" i="1" dirty="0" err="1"/>
               <a:t>interferencias</a:t>
             </a:r>
             <a:r>
-              <a:rPr sz="2500" b="1" i="1" dirty="0"/>
+              <a:rPr sz="2000" i="1" dirty="0"/>
               <a:t>.</a:t>
             </a:r>
           </a:p>

--- a/sensores_cmos_presentacion.pptx
+++ b/sensores_cmos_presentacion.pptx
@@ -10,12 +10,13 @@
     <p:sldId id="258" r:id="rId4"/>
     <p:sldId id="259" r:id="rId5"/>
     <p:sldId id="264" r:id="rId6"/>
-    <p:sldId id="265" r:id="rId7"/>
-    <p:sldId id="266" r:id="rId8"/>
+    <p:sldId id="266" r:id="rId7"/>
+    <p:sldId id="265" r:id="rId8"/>
     <p:sldId id="260" r:id="rId9"/>
     <p:sldId id="261" r:id="rId10"/>
     <p:sldId id="262" r:id="rId11"/>
-    <p:sldId id="263" r:id="rId12"/>
+    <p:sldId id="267" r:id="rId12"/>
+    <p:sldId id="263" r:id="rId13"/>
   </p:sldIdLst>
   <p:sldSz cx="9144000" cy="6858000" type="screen4x3"/>
   <p:notesSz cx="6858000" cy="9144000"/>
@@ -742,7 +743,7 @@
           <a:p>
             <a:fld id="{5BCAD085-E8A6-8845-BD4E-CB4CCA059FC4}" type="datetimeFigureOut">
               <a:rPr lang="en-US" smtClean="0"/>
-              <a:t>11/25/2024</a:t>
+              <a:t>11/26/2024</a:t>
             </a:fld>
             <a:endParaRPr lang="en-US"/>
           </a:p>
@@ -938,7 +939,7 @@
           <a:p>
             <a:fld id="{5BCAD085-E8A6-8845-BD4E-CB4CCA059FC4}" type="datetimeFigureOut">
               <a:rPr lang="en-US" smtClean="0"/>
-              <a:t>11/25/2024</a:t>
+              <a:t>11/26/2024</a:t>
             </a:fld>
             <a:endParaRPr lang="en-US"/>
           </a:p>
@@ -1123,7 +1124,7 @@
           <a:p>
             <a:fld id="{5BCAD085-E8A6-8845-BD4E-CB4CCA059FC4}" type="datetimeFigureOut">
               <a:rPr lang="en-US" smtClean="0"/>
-              <a:t>11/25/2024</a:t>
+              <a:t>11/26/2024</a:t>
             </a:fld>
             <a:endParaRPr lang="en-US"/>
           </a:p>
@@ -1273,7 +1274,7 @@
           <a:p>
             <a:fld id="{5BCAD085-E8A6-8845-BD4E-CB4CCA059FC4}" type="datetimeFigureOut">
               <a:rPr lang="en-US" smtClean="0"/>
-              <a:t>11/25/2024</a:t>
+              <a:t>11/26/2024</a:t>
             </a:fld>
             <a:endParaRPr lang="en-US"/>
           </a:p>
@@ -1528,7 +1529,7 @@
           <a:p>
             <a:fld id="{5BCAD085-E8A6-8845-BD4E-CB4CCA059FC4}" type="datetimeFigureOut">
               <a:rPr lang="en-US" smtClean="0"/>
-              <a:t>11/25/2024</a:t>
+              <a:t>11/26/2024</a:t>
             </a:fld>
             <a:endParaRPr lang="en-US"/>
           </a:p>
@@ -1937,7 +1938,7 @@
           <a:p>
             <a:fld id="{5BCAD085-E8A6-8845-BD4E-CB4CCA059FC4}" type="datetimeFigureOut">
               <a:rPr lang="en-US" smtClean="0"/>
-              <a:t>11/25/2024</a:t>
+              <a:t>11/26/2024</a:t>
             </a:fld>
             <a:endParaRPr lang="en-US"/>
           </a:p>
@@ -2383,7 +2384,7 @@
           <a:p>
             <a:fld id="{5BCAD085-E8A6-8845-BD4E-CB4CCA059FC4}" type="datetimeFigureOut">
               <a:rPr lang="en-US" smtClean="0"/>
-              <a:t>11/25/2024</a:t>
+              <a:t>11/26/2024</a:t>
             </a:fld>
             <a:endParaRPr lang="en-US"/>
           </a:p>
@@ -2484,7 +2485,7 @@
           <a:p>
             <a:fld id="{5BCAD085-E8A6-8845-BD4E-CB4CCA059FC4}" type="datetimeFigureOut">
               <a:rPr lang="en-US" smtClean="0"/>
-              <a:t>11/25/2024</a:t>
+              <a:t>11/26/2024</a:t>
             </a:fld>
             <a:endParaRPr lang="en-US"/>
           </a:p>
@@ -2605,7 +2606,7 @@
           <a:p>
             <a:fld id="{5BCAD085-E8A6-8845-BD4E-CB4CCA059FC4}" type="datetimeFigureOut">
               <a:rPr lang="en-US" smtClean="0"/>
-              <a:t>11/25/2024</a:t>
+              <a:t>11/26/2024</a:t>
             </a:fld>
             <a:endParaRPr lang="en-US"/>
           </a:p>
@@ -2879,7 +2880,7 @@
           <a:p>
             <a:fld id="{5BCAD085-E8A6-8845-BD4E-CB4CCA059FC4}" type="datetimeFigureOut">
               <a:rPr lang="en-US" smtClean="0"/>
-              <a:t>11/25/2024</a:t>
+              <a:t>11/26/2024</a:t>
             </a:fld>
             <a:endParaRPr lang="en-US"/>
           </a:p>
@@ -3084,7 +3085,7 @@
           <a:p>
             <a:fld id="{5BCAD085-E8A6-8845-BD4E-CB4CCA059FC4}" type="datetimeFigureOut">
               <a:rPr lang="en-US" smtClean="0"/>
-              <a:t>11/25/2024</a:t>
+              <a:t>11/26/2024</a:t>
             </a:fld>
             <a:endParaRPr lang="en-US"/>
           </a:p>
@@ -4193,7 +4194,7 @@
           <a:p>
             <a:fld id="{5BCAD085-E8A6-8845-BD4E-CB4CCA059FC4}" type="datetimeFigureOut">
               <a:rPr lang="en-US" smtClean="0"/>
-              <a:t>11/25/2024</a:t>
+              <a:t>11/26/2024</a:t>
             </a:fld>
             <a:endParaRPr lang="en-US"/>
           </a:p>
@@ -4683,24 +4684,16 @@
           <a:lstStyle/>
           <a:p>
             <a:r>
-              <a:rPr dirty="0" err="1"/>
-              <a:t>Presentado</a:t>
-            </a:r>
-            <a:r>
-              <a:rPr dirty="0"/>
-              <a:t> </a:t>
-            </a:r>
-            <a:r>
-              <a:rPr dirty="0" err="1"/>
-              <a:t>por</a:t>
-            </a:r>
-            <a:r>
-              <a:rPr dirty="0"/>
+              <a:rPr lang="es-AR" dirty="0" err="1" smtClean="0"/>
+              <a:t>Tesista</a:t>
+            </a:r>
+            <a:r>
+              <a:rPr dirty="0" smtClean="0"/>
               <a:t>: </a:t>
             </a:r>
             <a:r>
               <a:rPr lang="es-AR" dirty="0" smtClean="0"/>
-              <a:t>ING. </a:t>
+              <a:t>Ing. </a:t>
             </a:r>
             <a:r>
               <a:rPr dirty="0" smtClean="0"/>
@@ -4708,7 +4701,21 @@
             </a:r>
             <a:r>
               <a:rPr lang="es-AR" dirty="0" smtClean="0"/>
-              <a:t> Morel</a:t>
+              <a:t> </a:t>
+            </a:r>
+            <a:r>
+              <a:rPr lang="es-AR" dirty="0" smtClean="0"/>
+              <a:t>Morel</a:t>
+            </a:r>
+          </a:p>
+          <a:p>
+            <a:r>
+              <a:rPr lang="es-AR" dirty="0" smtClean="0"/>
+              <a:t>Director: Dr. Nicolás </a:t>
+            </a:r>
+            <a:r>
+              <a:rPr lang="es-AR" dirty="0" err="1" smtClean="0"/>
+              <a:t>Calarco</a:t>
             </a:r>
             <a:endParaRPr dirty="0"/>
           </a:p>
@@ -4716,7 +4723,7 @@
       </p:sp>
       <p:pic>
         <p:nvPicPr>
-          <p:cNvPr id="4" name="Picture 2"/>
+          <p:cNvPr id="5" name="Picture 3"/>
           <p:cNvPicPr>
             <a:picLocks noChangeAspect="1" noChangeArrowheads="1"/>
           </p:cNvPicPr>
@@ -4737,8 +4744,8 @@
         </p:blipFill>
         <p:spPr bwMode="auto">
           <a:xfrm>
-            <a:off x="1241424" y="3899824"/>
-            <a:ext cx="3152775" cy="2296779"/>
+            <a:off x="3418114" y="4311530"/>
+            <a:ext cx="2427516" cy="1882205"/>
           </a:xfrm>
           <a:prstGeom prst="rect">
             <a:avLst/>
@@ -5071,6 +5078,176 @@
           </a:p>
         </p:txBody>
       </p:sp>
+    </p:spTree>
+  </p:cSld>
+  <p:clrMapOvr>
+    <a:masterClrMapping/>
+  </p:clrMapOvr>
+  <p:timing>
+    <p:tnLst>
+      <p:par>
+        <p:cTn id="1" dur="indefinite" restart="never" nodeType="tmRoot"/>
+      </p:par>
+    </p:tnLst>
+  </p:timing>
+</p:sld>
+</file>
+
+<file path=ppt/slides/slide11.xml><?xml version="1.0" encoding="utf-8"?>
+<p:sld xmlns:a="http://schemas.openxmlformats.org/drawingml/2006/main" xmlns:r="http://schemas.openxmlformats.org/officeDocument/2006/relationships" xmlns:p="http://schemas.openxmlformats.org/presentationml/2006/main">
+  <p:cSld>
+    <p:spTree>
+      <p:nvGrpSpPr>
+        <p:cNvPr id="1" name=""/>
+        <p:cNvGrpSpPr/>
+        <p:nvPr/>
+      </p:nvGrpSpPr>
+      <p:grpSpPr>
+        <a:xfrm>
+          <a:off x="0" y="0"/>
+          <a:ext cx="0" cy="0"/>
+          <a:chOff x="0" y="0"/>
+          <a:chExt cx="0" cy="0"/>
+        </a:xfrm>
+      </p:grpSpPr>
+      <p:sp>
+        <p:nvSpPr>
+          <p:cNvPr id="3" name="Content Placeholder 2"/>
+          <p:cNvSpPr>
+            <a:spLocks noGrp="1"/>
+          </p:cNvSpPr>
+          <p:nvPr>
+            <p:ph idx="1"/>
+          </p:nvPr>
+        </p:nvSpPr>
+        <p:spPr/>
+        <p:txBody>
+          <a:bodyPr>
+            <a:normAutofit/>
+          </a:bodyPr>
+          <a:lstStyle/>
+          <a:p>
+            <a:pPr>
+              <a:buClrTx/>
+              <a:buFont typeface="Arial" panose="020B0604020202020204" pitchFamily="34" charset="0"/>
+              <a:buChar char="•"/>
+            </a:pPr>
+            <a:r>
+              <a:rPr lang="es-AR" sz="2000" dirty="0" smtClean="0"/>
+              <a:t>La </a:t>
+            </a:r>
+            <a:r>
+              <a:rPr lang="es-AR" sz="2000" dirty="0"/>
+              <a:t>precisión depende de la resolución espacial del sensor, la estabilidad de la fuente de luz, y la calidad de interconexión de los píxeles</a:t>
+            </a:r>
+            <a:r>
+              <a:rPr lang="es-AR" sz="2000" dirty="0" smtClean="0"/>
+              <a:t>.</a:t>
+            </a:r>
+          </a:p>
+          <a:p>
+            <a:pPr>
+              <a:buClrTx/>
+              <a:buFont typeface="Arial" panose="020B0604020202020204" pitchFamily="34" charset="0"/>
+              <a:buChar char="•"/>
+            </a:pPr>
+            <a:r>
+              <a:rPr lang="es-AR" sz="2000" dirty="0" smtClean="0"/>
+              <a:t>Reto en optimizar que el </a:t>
+            </a:r>
+            <a:r>
+              <a:rPr lang="es-AR" sz="2000" dirty="0"/>
+              <a:t>diseño </a:t>
+            </a:r>
+            <a:r>
+              <a:rPr lang="es-AR" sz="2000" dirty="0" smtClean="0"/>
+              <a:t>del </a:t>
+            </a:r>
+            <a:r>
+              <a:rPr lang="es-AR" sz="2000" dirty="0"/>
+              <a:t>sensor </a:t>
+            </a:r>
+            <a:r>
+              <a:rPr lang="es-AR" sz="2000" dirty="0" smtClean="0"/>
+              <a:t>responda </a:t>
+            </a:r>
+            <a:r>
+              <a:rPr lang="es-AR" sz="2000" dirty="0"/>
+              <a:t>de manera estable a frecuencias elevadas, manteniendo precisión y confiabilidad en el seguimiento de vibraciones rápidas.</a:t>
+            </a:r>
+            <a:endParaRPr lang="es-AR" sz="2000" dirty="0" smtClean="0"/>
+          </a:p>
+          <a:p>
+            <a:pPr>
+              <a:buClrTx/>
+              <a:buFont typeface="Arial" panose="020B0604020202020204" pitchFamily="34" charset="0"/>
+              <a:buChar char="•"/>
+            </a:pPr>
+            <a:r>
+              <a:rPr lang="es-AR" sz="2000" dirty="0">
+                <a:solidFill>
+                  <a:srgbClr val="FF0000"/>
+                </a:solidFill>
+              </a:rPr>
+              <a:t>Se buscará que el chip pueda reconfigurar su patrón en tiempo real al </a:t>
+            </a:r>
+            <a:r>
+              <a:rPr lang="es-AR" sz="2000" dirty="0" smtClean="0">
+                <a:solidFill>
+                  <a:srgbClr val="FF0000"/>
+                </a:solidFill>
+              </a:rPr>
+              <a:t>movimiento. </a:t>
+            </a:r>
+            <a:endParaRPr lang="es-AR" sz="2000" dirty="0">
+              <a:solidFill>
+                <a:srgbClr val="FF0000"/>
+              </a:solidFill>
+            </a:endParaRPr>
+          </a:p>
+          <a:p>
+            <a:pPr>
+              <a:buClrTx/>
+              <a:buFont typeface="Arial" panose="020B0604020202020204" pitchFamily="34" charset="0"/>
+              <a:buChar char="•"/>
+            </a:pPr>
+            <a:endParaRPr lang="es-AR" sz="2000" dirty="0" smtClean="0"/>
+          </a:p>
+          <a:p>
+            <a:pPr>
+              <a:buClrTx/>
+              <a:buFont typeface="Arial" panose="020B0604020202020204" pitchFamily="34" charset="0"/>
+              <a:buChar char="•"/>
+            </a:pPr>
+            <a:endParaRPr lang="es-AR" sz="2000" dirty="0"/>
+          </a:p>
+        </p:txBody>
+      </p:sp>
+      <p:sp>
+        <p:nvSpPr>
+          <p:cNvPr id="2" name="Title 1"/>
+          <p:cNvSpPr>
+            <a:spLocks noGrp="1"/>
+          </p:cNvSpPr>
+          <p:nvPr>
+            <p:ph type="title"/>
+          </p:nvPr>
+        </p:nvSpPr>
+        <p:spPr/>
+        <p:txBody>
+          <a:bodyPr>
+            <a:normAutofit/>
+          </a:bodyPr>
+          <a:lstStyle/>
+          <a:p>
+            <a:r>
+              <a:rPr lang="es-AR" dirty="0" smtClean="0"/>
+              <a:t>Desafío</a:t>
+            </a:r>
+            <a:endParaRPr dirty="0"/>
+          </a:p>
+        </p:txBody>
+      </p:sp>
       <p:pic>
         <p:nvPicPr>
           <p:cNvPr id="3074" name="Picture 2"/>
@@ -5092,7 +5269,7 @@
         </p:blipFill>
         <p:spPr bwMode="auto">
           <a:xfrm>
-            <a:off x="5955846" y="4669971"/>
+            <a:off x="3274558" y="4411727"/>
             <a:ext cx="2491468" cy="2064615"/>
           </a:xfrm>
           <a:prstGeom prst="rect">
@@ -5133,83 +5310,12 @@
           </a:extLst>
         </p:spPr>
       </p:pic>
-      <p:sp>
-        <p:nvSpPr>
-          <p:cNvPr id="4" name="3 Rectángulo"/>
-          <p:cNvSpPr/>
-          <p:nvPr/>
-        </p:nvSpPr>
-        <p:spPr>
-          <a:xfrm>
-            <a:off x="1240972" y="5379112"/>
-            <a:ext cx="3603171" cy="646331"/>
-          </a:xfrm>
-          <a:prstGeom prst="rect">
-            <a:avLst/>
-          </a:prstGeom>
-        </p:spPr>
-        <p:txBody>
-          <a:bodyPr wrap="square">
-            <a:spAutoFit/>
-          </a:bodyPr>
-          <a:lstStyle/>
-          <a:p>
-            <a:r>
-              <a:rPr lang="es-ES" b="1" i="1" dirty="0">
-                <a:solidFill>
-                  <a:srgbClr val="FF0000"/>
-                </a:solidFill>
-              </a:rPr>
-              <a:t>Necesidad de </a:t>
-            </a:r>
-            <a:r>
-              <a:rPr lang="es-ES" b="1" i="1" dirty="0" err="1" smtClean="0">
-                <a:solidFill>
-                  <a:srgbClr val="FF0000"/>
-                </a:solidFill>
-              </a:rPr>
-              <a:t>reconfiguracion</a:t>
-            </a:r>
-            <a:endParaRPr lang="es-ES" b="1" i="1" dirty="0">
-              <a:solidFill>
-                <a:srgbClr val="FF0000"/>
-              </a:solidFill>
-            </a:endParaRPr>
-          </a:p>
-          <a:p>
-            <a:r>
-              <a:rPr lang="es-ES" b="1" i="1" dirty="0" smtClean="0">
-                <a:solidFill>
-                  <a:srgbClr val="FF0000"/>
-                </a:solidFill>
-              </a:rPr>
-              <a:t>a </a:t>
-            </a:r>
-            <a:r>
-              <a:rPr lang="es-ES" b="1" i="1" dirty="0">
-                <a:solidFill>
-                  <a:srgbClr val="FF0000"/>
-                </a:solidFill>
-              </a:rPr>
-              <a:t>alta velocidad </a:t>
-            </a:r>
-            <a:r>
-              <a:rPr lang="es-ES" b="1" i="1" dirty="0" smtClean="0">
-                <a:solidFill>
-                  <a:srgbClr val="FF0000"/>
-                </a:solidFill>
-              </a:rPr>
-              <a:t>???</a:t>
-            </a:r>
-            <a:endParaRPr lang="es-AR" b="1" i="1" dirty="0">
-              <a:solidFill>
-                <a:srgbClr val="FF0000"/>
-              </a:solidFill>
-            </a:endParaRPr>
-          </a:p>
-        </p:txBody>
-      </p:sp>
     </p:spTree>
+    <p:extLst>
+      <p:ext uri="{BB962C8B-B14F-4D97-AF65-F5344CB8AC3E}">
+        <p14:creationId xmlns:p14="http://schemas.microsoft.com/office/powerpoint/2010/main" val="1490344188"/>
+      </p:ext>
+    </p:extLst>
   </p:cSld>
   <p:clrMapOvr>
     <a:masterClrMapping/>
@@ -5224,7 +5330,7 @@
 </p:sld>
 </file>
 
-<file path=ppt/slides/slide11.xml><?xml version="1.0" encoding="utf-8"?>
+<file path=ppt/slides/slide12.xml><?xml version="1.0" encoding="utf-8"?>
 <p:sld xmlns:a="http://schemas.openxmlformats.org/drawingml/2006/main" xmlns:r="http://schemas.openxmlformats.org/officeDocument/2006/relationships" xmlns:p="http://schemas.openxmlformats.org/presentationml/2006/main">
   <p:cSld>
     <p:spTree>
@@ -5498,7 +5604,9 @@
         </p:nvSpPr>
         <p:spPr/>
         <p:txBody>
-          <a:bodyPr/>
+          <a:bodyPr>
+            <a:normAutofit/>
+          </a:bodyPr>
           <a:lstStyle/>
           <a:p>
             <a:pPr marL="0" indent="0">
@@ -5696,74 +5804,18 @@
               <a:t> </a:t>
             </a:r>
             <a:r>
-              <a:rPr dirty="0" err="1"/>
+              <a:rPr dirty="0" err="1" smtClean="0"/>
               <a:t>proporcional</a:t>
             </a:r>
             <a:r>
-              <a:rPr dirty="0"/>
-              <a:t>.</a:t>
-            </a:r>
-          </a:p>
-          <a:p>
-            <a:pPr marL="0" indent="0">
-              <a:buNone/>
-            </a:pPr>
-            <a:r>
-              <a:rPr dirty="0" smtClean="0"/>
-              <a:t>• </a:t>
-            </a:r>
-            <a:r>
-              <a:rPr dirty="0" err="1" smtClean="0"/>
-              <a:t>Mejoran</a:t>
-            </a:r>
-            <a:r>
-              <a:rPr dirty="0" smtClean="0"/>
-              <a:t> </a:t>
-            </a:r>
-            <a:r>
-              <a:rPr dirty="0"/>
-              <a:t>la </a:t>
-            </a:r>
-            <a:r>
-              <a:rPr dirty="0" err="1"/>
-              <a:t>velocidad</a:t>
-            </a:r>
-            <a:r>
-              <a:rPr dirty="0"/>
-              <a:t> y </a:t>
-            </a:r>
-            <a:r>
-              <a:rPr dirty="0" err="1"/>
-              <a:t>sensibilidad</a:t>
-            </a:r>
-            <a:r>
-              <a:rPr dirty="0"/>
-              <a:t> </a:t>
-            </a:r>
-            <a:r>
-              <a:rPr dirty="0" err="1"/>
-              <a:t>frente</a:t>
-            </a:r>
-            <a:r>
-              <a:rPr dirty="0"/>
-              <a:t> a </a:t>
-            </a:r>
-            <a:r>
-              <a:rPr dirty="0" err="1"/>
-              <a:t>dispositivos</a:t>
-            </a:r>
-            <a:r>
-              <a:rPr dirty="0"/>
-              <a:t> </a:t>
-            </a:r>
-            <a:r>
-              <a:rPr dirty="0" err="1"/>
-              <a:t>comerciales</a:t>
-            </a:r>
-            <a:r>
-              <a:rPr dirty="0"/>
-              <a:t>.</a:t>
-            </a:r>
+              <a:rPr lang="es-AR" dirty="0" smtClean="0"/>
+              <a:t>, </a:t>
+            </a:r>
+            <a:r>
+              <a:rPr lang="es-AR" dirty="0" smtClean="0"/>
+              <a:t>sin procesamiento digital: produce mejoras energéticas, de sensibilidad y rapidez</a:t>
+            </a:r>
+            <a:endParaRPr dirty="0"/>
           </a:p>
         </p:txBody>
       </p:sp>
@@ -5792,7 +5844,7 @@
       </p:sp>
       <p:pic>
         <p:nvPicPr>
-          <p:cNvPr id="1026" name="Picture 2"/>
+          <p:cNvPr id="4" name="Picture 2"/>
           <p:cNvPicPr>
             <a:picLocks noChangeAspect="1" noChangeArrowheads="1"/>
           </p:cNvPicPr>
@@ -5813,8 +5865,72 @@
         </p:blipFill>
         <p:spPr bwMode="auto">
           <a:xfrm>
-            <a:off x="5887811" y="4725196"/>
-            <a:ext cx="1460047" cy="1453470"/>
+            <a:off x="597807" y="4943476"/>
+            <a:ext cx="5737679" cy="1776544"/>
+          </a:xfrm>
+          <a:prstGeom prst="rect">
+            <a:avLst/>
+          </a:prstGeom>
+          <a:noFill/>
+          <a:ln>
+            <a:noFill/>
+          </a:ln>
+          <a:effectLst/>
+          <a:extLst>
+            <a:ext uri="{909E8E84-426E-40DD-AFC4-6F175D3DCCD1}">
+              <a14:hiddenFill xmlns:a14="http://schemas.microsoft.com/office/drawing/2010/main">
+                <a:solidFill>
+                  <a:schemeClr val="accent1"/>
+                </a:solidFill>
+              </a14:hiddenFill>
+            </a:ext>
+            <a:ext uri="{91240B29-F687-4F45-9708-019B960494DF}">
+              <a14:hiddenLine xmlns:a14="http://schemas.microsoft.com/office/drawing/2010/main" w="9525">
+                <a:solidFill>
+                  <a:schemeClr val="tx1"/>
+                </a:solidFill>
+                <a:miter lim="800000"/>
+                <a:headEnd/>
+                <a:tailEnd/>
+              </a14:hiddenLine>
+            </a:ext>
+            <a:ext uri="{AF507438-7753-43E0-B8FC-AC1667EBCBE1}">
+              <a14:hiddenEffects xmlns:a14="http://schemas.microsoft.com/office/drawing/2010/main">
+                <a:effectLst>
+                  <a:outerShdw dist="35921" dir="2700000" algn="ctr" rotWithShape="0">
+                    <a:schemeClr val="bg2"/>
+                  </a:outerShdw>
+                </a:effectLst>
+              </a14:hiddenEffects>
+            </a:ext>
+          </a:extLst>
+        </p:spPr>
+      </p:pic>
+      <p:pic>
+        <p:nvPicPr>
+          <p:cNvPr id="1028" name="Picture 4"/>
+          <p:cNvPicPr>
+            <a:picLocks noChangeAspect="1" noChangeArrowheads="1"/>
+          </p:cNvPicPr>
+          <p:nvPr/>
+        </p:nvPicPr>
+        <p:blipFill>
+          <a:blip r:embed="rId3">
+            <a:extLst>
+              <a:ext uri="{28A0092B-C50C-407E-A947-70E740481C1C}">
+                <a14:useLocalDpi xmlns:a14="http://schemas.microsoft.com/office/drawing/2010/main" val="0"/>
+              </a:ext>
+            </a:extLst>
+          </a:blip>
+          <a:srcRect/>
+          <a:stretch>
+            <a:fillRect/>
+          </a:stretch>
+        </p:blipFill>
+        <p:spPr bwMode="auto">
+          <a:xfrm>
+            <a:off x="6743020" y="5350735"/>
+            <a:ext cx="1666875" cy="962025"/>
           </a:xfrm>
           <a:prstGeom prst="rect">
             <a:avLst/>
@@ -5899,7 +6015,7 @@
         <p:spPr/>
         <p:txBody>
           <a:bodyPr>
-            <a:normAutofit/>
+            <a:normAutofit fontScale="92500"/>
           </a:bodyPr>
           <a:lstStyle/>
           <a:p>
@@ -5955,9 +6071,14 @@
               <a:t>interconectables</a:t>
             </a:r>
             <a:r>
+              <a:rPr lang="es-AR" dirty="0" smtClean="0"/>
+              <a:t> de alta precisión</a:t>
+            </a:r>
+            <a:r>
               <a:rPr dirty="0" smtClean="0"/>
               <a:t>.</a:t>
             </a:r>
+            <a:endParaRPr dirty="0" smtClean="0"/>
           </a:p>
           <a:p>
             <a:pPr marL="0" indent="0">
@@ -6069,9 +6190,26 @@
               <a:t>pieza</a:t>
             </a:r>
             <a:r>
-              <a:rPr dirty="0" smtClean="0"/>
-              <a:t>.</a:t>
-            </a:r>
+              <a:rPr lang="es-AR" dirty="0" smtClean="0"/>
+              <a:t>, sin contacto físico</a:t>
+            </a:r>
+            <a:r>
+              <a:rPr lang="es-AR" dirty="0"/>
+              <a:t>, sin componentes adicionales en las </a:t>
+            </a:r>
+            <a:r>
+              <a:rPr lang="es-AR" dirty="0" smtClean="0"/>
+              <a:t>superficies, sin condiciones </a:t>
+            </a:r>
+            <a:r>
+              <a:rPr lang="es-AR" dirty="0" smtClean="0"/>
+              <a:t>ambientales adversas</a:t>
+            </a:r>
+            <a:r>
+              <a:rPr lang="es-AR" dirty="0" smtClean="0"/>
+              <a:t> e interferencias electromagnéticas.</a:t>
+            </a:r>
+            <a:endParaRPr dirty="0" smtClean="0"/>
           </a:p>
           <a:p>
             <a:pPr marL="0" indent="0">
@@ -6079,7 +6217,11 @@
             </a:pPr>
             <a:r>
               <a:rPr dirty="0" smtClean="0"/>
-              <a:t>  - </a:t>
+              <a:t>  </a:t>
+            </a:r>
+            <a:r>
+              <a:rPr dirty="0" smtClean="0"/>
+              <a:t>- </a:t>
             </a:r>
             <a:r>
               <a:rPr dirty="0" err="1" smtClean="0"/>
@@ -6113,7 +6255,7 @@
               <a:rPr dirty="0" smtClean="0"/>
               <a:t>.</a:t>
             </a:r>
-            <a:endParaRPr dirty="0"/>
+            <a:endParaRPr lang="es-AR" dirty="0" smtClean="0"/>
           </a:p>
         </p:txBody>
       </p:sp>
@@ -6317,9 +6459,32 @@
               <a:t>fabricación</a:t>
             </a:r>
             <a:r>
-              <a:rPr dirty="0"/>
+              <a:rPr dirty="0" smtClean="0"/>
               <a:t>.</a:t>
             </a:r>
+            <a:endParaRPr lang="es-AR" dirty="0" smtClean="0"/>
+          </a:p>
+          <a:p>
+            <a:pPr marL="0" indent="0">
+              <a:buNone/>
+            </a:pPr>
+            <a:r>
+              <a:rPr lang="es-ES" dirty="0"/>
+              <a:t>• </a:t>
+            </a:r>
+            <a:r>
+              <a:rPr lang="es-AR" dirty="0" smtClean="0"/>
+              <a:t>Caracterización </a:t>
+            </a:r>
+            <a:r>
+              <a:rPr lang="es-AR" dirty="0"/>
+              <a:t>y pruebas aplicadas para futuras </a:t>
+            </a:r>
+            <a:r>
+              <a:rPr lang="es-AR" dirty="0" smtClean="0"/>
+              <a:t>etapas.</a:t>
+            </a:r>
+            <a:endParaRPr dirty="0"/>
           </a:p>
         </p:txBody>
       </p:sp>
@@ -6389,7 +6554,7 @@
         <p:spPr/>
         <p:txBody>
           <a:bodyPr>
-            <a:normAutofit lnSpcReduction="10000"/>
+            <a:normAutofit/>
           </a:bodyPr>
           <a:lstStyle/>
           <a:p>
@@ -6421,7 +6586,15 @@
             </a:r>
             <a:r>
               <a:rPr lang="es-AR" dirty="0"/>
-              <a:t>angulares en maquinaria industrial. </a:t>
+              <a:t>angulares en </a:t>
+            </a:r>
+            <a:r>
+              <a:rPr lang="es-AR" dirty="0" smtClean="0"/>
+              <a:t>maquinaria </a:t>
+            </a:r>
+            <a:r>
+              <a:rPr lang="es-AR" dirty="0"/>
+              <a:t>industrial. </a:t>
             </a:r>
             <a:endParaRPr lang="es-AR" dirty="0" smtClean="0"/>
           </a:p>
@@ -6444,13 +6617,6 @@
               <a:rPr lang="es-AR" sz="2000" b="1" dirty="0" smtClean="0"/>
               <a:t>: </a:t>
             </a:r>
-            <a:endParaRPr lang="es-AR" sz="2000" b="1" dirty="0" smtClean="0"/>
-          </a:p>
-          <a:p>
-            <a:pPr marL="0" indent="0" algn="ctr">
-              <a:buNone/>
-            </a:pPr>
-            <a:endParaRPr lang="es-AR" sz="2000" b="1" i="1" dirty="0"/>
           </a:p>
           <a:p>
             <a:pPr marL="0" indent="0" algn="ctr">
@@ -6558,285 +6724,6 @@
 </file>
 
 <file path=ppt/slides/slide6.xml><?xml version="1.0" encoding="utf-8"?>
-<p:sld xmlns:a="http://schemas.openxmlformats.org/drawingml/2006/main" xmlns:r="http://schemas.openxmlformats.org/officeDocument/2006/relationships" xmlns:p="http://schemas.openxmlformats.org/presentationml/2006/main">
-  <p:cSld>
-    <p:spTree>
-      <p:nvGrpSpPr>
-        <p:cNvPr id="1" name=""/>
-        <p:cNvGrpSpPr/>
-        <p:nvPr/>
-      </p:nvGrpSpPr>
-      <p:grpSpPr>
-        <a:xfrm>
-          <a:off x="0" y="0"/>
-          <a:ext cx="0" cy="0"/>
-          <a:chOff x="0" y="0"/>
-          <a:chExt cx="0" cy="0"/>
-        </a:xfrm>
-      </p:grpSpPr>
-      <p:sp>
-        <p:nvSpPr>
-          <p:cNvPr id="3" name="Content Placeholder 2"/>
-          <p:cNvSpPr>
-            <a:spLocks noGrp="1"/>
-          </p:cNvSpPr>
-          <p:nvPr>
-            <p:ph idx="1"/>
-          </p:nvPr>
-        </p:nvSpPr>
-        <p:spPr>
-          <a:xfrm>
-            <a:off x="457200" y="1709928"/>
-            <a:ext cx="8229600" cy="4525963"/>
-          </a:xfrm>
-        </p:spPr>
-        <p:txBody>
-          <a:bodyPr>
-            <a:normAutofit/>
-          </a:bodyPr>
-          <a:lstStyle/>
-          <a:p>
-            <a:pPr>
-              <a:buClrTx/>
-              <a:buSzPct val="100000"/>
-              <a:buFont typeface="Arial" panose="020B0604020202020204" pitchFamily="34" charset="0"/>
-              <a:buChar char="•"/>
-            </a:pPr>
-            <a:endParaRPr lang="es-AR" dirty="0" smtClean="0"/>
-          </a:p>
-          <a:p>
-            <a:pPr>
-              <a:buClrTx/>
-              <a:buSzPct val="100000"/>
-              <a:buFont typeface="Arial" panose="020B0604020202020204" pitchFamily="34" charset="0"/>
-              <a:buChar char="•"/>
-            </a:pPr>
-            <a:r>
-              <a:rPr lang="es-AR" sz="2500" dirty="0" smtClean="0"/>
-              <a:t>Este </a:t>
-            </a:r>
-            <a:r>
-              <a:rPr lang="es-AR" sz="2500" dirty="0"/>
-              <a:t>sensor </a:t>
-            </a:r>
-            <a:r>
-              <a:rPr lang="es-AR" sz="2500" dirty="0" smtClean="0"/>
-              <a:t>consiste </a:t>
-            </a:r>
-            <a:r>
-              <a:rPr lang="es-ES" sz="2500" dirty="0" smtClean="0"/>
-              <a:t>en </a:t>
-            </a:r>
-            <a:r>
-              <a:rPr lang="es-ES" sz="2500" dirty="0"/>
-              <a:t>un arreglo de pixeles programables que tiene la capacidad de formar el </a:t>
-            </a:r>
-            <a:r>
-              <a:rPr lang="es-ES" sz="2500" dirty="0" smtClean="0"/>
-              <a:t>patrón de detección </a:t>
-            </a:r>
-            <a:r>
-              <a:rPr lang="es-ES" sz="2500" dirty="0"/>
-              <a:t>en el lugar indicado una vez que el haz incide sobre el, evitando la necesidad </a:t>
-            </a:r>
-            <a:r>
-              <a:rPr lang="es-ES" sz="2500" dirty="0" smtClean="0"/>
-              <a:t>de </a:t>
-            </a:r>
-            <a:r>
-              <a:rPr lang="es-AR" sz="2500" dirty="0" smtClean="0"/>
-              <a:t>complejos alineamientos mecánicos micrométricos</a:t>
-            </a:r>
-          </a:p>
-        </p:txBody>
-      </p:sp>
-      <p:sp>
-        <p:nvSpPr>
-          <p:cNvPr id="2" name="Title 1"/>
-          <p:cNvSpPr>
-            <a:spLocks noGrp="1"/>
-          </p:cNvSpPr>
-          <p:nvPr>
-            <p:ph type="title"/>
-          </p:nvPr>
-        </p:nvSpPr>
-        <p:spPr>
-          <a:xfrm>
-            <a:off x="457200" y="656509"/>
-            <a:ext cx="8229600" cy="1143000"/>
-          </a:xfrm>
-        </p:spPr>
-        <p:txBody>
-          <a:bodyPr>
-            <a:normAutofit fontScale="90000"/>
-          </a:bodyPr>
-          <a:lstStyle/>
-          <a:p>
-            <a:r>
-              <a:rPr lang="es-AR" dirty="0" smtClean="0"/>
-              <a:t>Sensor CMOS: pixeles </a:t>
-            </a:r>
-            <a:r>
-              <a:rPr lang="es-AR" dirty="0" err="1" smtClean="0"/>
-              <a:t>interconectables</a:t>
-            </a:r>
-            <a:r>
-              <a:rPr lang="es-AR" dirty="0" smtClean="0"/>
-              <a:t> - programables</a:t>
-            </a:r>
-            <a:endParaRPr dirty="0"/>
-          </a:p>
-        </p:txBody>
-      </p:sp>
-      <p:pic>
-        <p:nvPicPr>
-          <p:cNvPr id="2050" name="Picture 2"/>
-          <p:cNvPicPr>
-            <a:picLocks noChangeAspect="1" noChangeArrowheads="1"/>
-          </p:cNvPicPr>
-          <p:nvPr/>
-        </p:nvPicPr>
-        <p:blipFill>
-          <a:blip r:embed="rId2">
-            <a:extLst>
-              <a:ext uri="{28A0092B-C50C-407E-A947-70E740481C1C}">
-                <a14:useLocalDpi xmlns:a14="http://schemas.microsoft.com/office/drawing/2010/main" val="0"/>
-              </a:ext>
-            </a:extLst>
-          </a:blip>
-          <a:srcRect/>
-          <a:stretch>
-            <a:fillRect/>
-          </a:stretch>
-        </p:blipFill>
-        <p:spPr bwMode="auto">
-          <a:xfrm>
-            <a:off x="1166813" y="4516893"/>
-            <a:ext cx="2543175" cy="1895475"/>
-          </a:xfrm>
-          <a:prstGeom prst="rect">
-            <a:avLst/>
-          </a:prstGeom>
-          <a:noFill/>
-          <a:ln>
-            <a:noFill/>
-          </a:ln>
-          <a:effectLst/>
-          <a:extLst>
-            <a:ext uri="{909E8E84-426E-40DD-AFC4-6F175D3DCCD1}">
-              <a14:hiddenFill xmlns:a14="http://schemas.microsoft.com/office/drawing/2010/main">
-                <a:solidFill>
-                  <a:schemeClr val="accent1"/>
-                </a:solidFill>
-              </a14:hiddenFill>
-            </a:ext>
-            <a:ext uri="{91240B29-F687-4F45-9708-019B960494DF}">
-              <a14:hiddenLine xmlns:a14="http://schemas.microsoft.com/office/drawing/2010/main" w="9525">
-                <a:solidFill>
-                  <a:schemeClr val="tx1"/>
-                </a:solidFill>
-                <a:miter lim="800000"/>
-                <a:headEnd/>
-                <a:tailEnd/>
-              </a14:hiddenLine>
-            </a:ext>
-            <a:ext uri="{AF507438-7753-43E0-B8FC-AC1667EBCBE1}">
-              <a14:hiddenEffects xmlns:a14="http://schemas.microsoft.com/office/drawing/2010/main">
-                <a:effectLst>
-                  <a:outerShdw dist="35921" dir="2700000" algn="ctr" rotWithShape="0">
-                    <a:schemeClr val="bg2"/>
-                  </a:outerShdw>
-                </a:effectLst>
-              </a14:hiddenEffects>
-            </a:ext>
-          </a:extLst>
-        </p:spPr>
-      </p:pic>
-      <p:pic>
-        <p:nvPicPr>
-          <p:cNvPr id="2051" name="Picture 3"/>
-          <p:cNvPicPr>
-            <a:picLocks noChangeAspect="1" noChangeArrowheads="1"/>
-          </p:cNvPicPr>
-          <p:nvPr/>
-        </p:nvPicPr>
-        <p:blipFill>
-          <a:blip r:embed="rId3">
-            <a:extLst>
-              <a:ext uri="{28A0092B-C50C-407E-A947-70E740481C1C}">
-                <a14:useLocalDpi xmlns:a14="http://schemas.microsoft.com/office/drawing/2010/main" val="0"/>
-              </a:ext>
-            </a:extLst>
-          </a:blip>
-          <a:srcRect/>
-          <a:stretch>
-            <a:fillRect/>
-          </a:stretch>
-        </p:blipFill>
-        <p:spPr bwMode="auto">
-          <a:xfrm>
-            <a:off x="5537786" y="4628603"/>
-            <a:ext cx="2107385" cy="1672054"/>
-          </a:xfrm>
-          <a:prstGeom prst="rect">
-            <a:avLst/>
-          </a:prstGeom>
-          <a:noFill/>
-          <a:ln>
-            <a:noFill/>
-          </a:ln>
-          <a:effectLst/>
-          <a:extLst>
-            <a:ext uri="{909E8E84-426E-40DD-AFC4-6F175D3DCCD1}">
-              <a14:hiddenFill xmlns:a14="http://schemas.microsoft.com/office/drawing/2010/main">
-                <a:solidFill>
-                  <a:schemeClr val="accent1"/>
-                </a:solidFill>
-              </a14:hiddenFill>
-            </a:ext>
-            <a:ext uri="{91240B29-F687-4F45-9708-019B960494DF}">
-              <a14:hiddenLine xmlns:a14="http://schemas.microsoft.com/office/drawing/2010/main" w="9525">
-                <a:solidFill>
-                  <a:schemeClr val="tx1"/>
-                </a:solidFill>
-                <a:miter lim="800000"/>
-                <a:headEnd/>
-                <a:tailEnd/>
-              </a14:hiddenLine>
-            </a:ext>
-            <a:ext uri="{AF507438-7753-43E0-B8FC-AC1667EBCBE1}">
-              <a14:hiddenEffects xmlns:a14="http://schemas.microsoft.com/office/drawing/2010/main">
-                <a:effectLst>
-                  <a:outerShdw dist="35921" dir="2700000" algn="ctr" rotWithShape="0">
-                    <a:schemeClr val="bg2"/>
-                  </a:outerShdw>
-                </a:effectLst>
-              </a14:hiddenEffects>
-            </a:ext>
-          </a:extLst>
-        </p:spPr>
-      </p:pic>
-    </p:spTree>
-    <p:extLst>
-      <p:ext uri="{BB962C8B-B14F-4D97-AF65-F5344CB8AC3E}">
-        <p14:creationId xmlns:p14="http://schemas.microsoft.com/office/powerpoint/2010/main" val="4217766506"/>
-      </p:ext>
-    </p:extLst>
-  </p:cSld>
-  <p:clrMapOvr>
-    <a:masterClrMapping/>
-  </p:clrMapOvr>
-  <p:timing>
-    <p:tnLst>
-      <p:par>
-        <p:cTn id="1" dur="indefinite" restart="never" nodeType="tmRoot"/>
-      </p:par>
-    </p:tnLst>
-  </p:timing>
-</p:sld>
-</file>
-
-<file path=ppt/slides/slide7.xml><?xml version="1.0" encoding="utf-8"?>
 <p:sld xmlns:a="http://schemas.openxmlformats.org/drawingml/2006/main" xmlns:r="http://schemas.openxmlformats.org/officeDocument/2006/relationships" xmlns:p="http://schemas.openxmlformats.org/presentationml/2006/main">
   <p:cSld>
     <p:spTree>
@@ -7161,6 +7048,349 @@
 </p:sld>
 </file>
 
+<file path=ppt/slides/slide7.xml><?xml version="1.0" encoding="utf-8"?>
+<p:sld xmlns:a="http://schemas.openxmlformats.org/drawingml/2006/main" xmlns:r="http://schemas.openxmlformats.org/officeDocument/2006/relationships" xmlns:p="http://schemas.openxmlformats.org/presentationml/2006/main">
+  <p:cSld>
+    <p:spTree>
+      <p:nvGrpSpPr>
+        <p:cNvPr id="1" name=""/>
+        <p:cNvGrpSpPr/>
+        <p:nvPr/>
+      </p:nvGrpSpPr>
+      <p:grpSpPr>
+        <a:xfrm>
+          <a:off x="0" y="0"/>
+          <a:ext cx="0" cy="0"/>
+          <a:chOff x="0" y="0"/>
+          <a:chExt cx="0" cy="0"/>
+        </a:xfrm>
+      </p:grpSpPr>
+      <p:sp>
+        <p:nvSpPr>
+          <p:cNvPr id="3" name="Content Placeholder 2"/>
+          <p:cNvSpPr>
+            <a:spLocks noGrp="1"/>
+          </p:cNvSpPr>
+          <p:nvPr>
+            <p:ph idx="1"/>
+          </p:nvPr>
+        </p:nvSpPr>
+        <p:spPr>
+          <a:xfrm>
+            <a:off x="457200" y="1709928"/>
+            <a:ext cx="8229600" cy="4525963"/>
+          </a:xfrm>
+        </p:spPr>
+        <p:txBody>
+          <a:bodyPr>
+            <a:normAutofit/>
+          </a:bodyPr>
+          <a:lstStyle/>
+          <a:p>
+            <a:pPr>
+              <a:buClrTx/>
+              <a:buSzPct val="100000"/>
+              <a:buFont typeface="Arial" panose="020B0604020202020204" pitchFamily="34" charset="0"/>
+              <a:buChar char="•"/>
+            </a:pPr>
+            <a:endParaRPr lang="es-AR" dirty="0" smtClean="0"/>
+          </a:p>
+          <a:p>
+            <a:pPr>
+              <a:buClrTx/>
+              <a:buSzPct val="100000"/>
+              <a:buFont typeface="Arial" panose="020B0604020202020204" pitchFamily="34" charset="0"/>
+              <a:buChar char="•"/>
+            </a:pPr>
+            <a:r>
+              <a:rPr lang="es-AR" sz="2500" dirty="0" smtClean="0"/>
+              <a:t>Este </a:t>
+            </a:r>
+            <a:r>
+              <a:rPr lang="es-AR" sz="2500" dirty="0"/>
+              <a:t>sensor </a:t>
+            </a:r>
+            <a:r>
+              <a:rPr lang="es-AR" sz="2500" dirty="0" smtClean="0"/>
+              <a:t>consiste </a:t>
+            </a:r>
+            <a:r>
+              <a:rPr lang="es-ES" sz="2500" dirty="0" smtClean="0"/>
+              <a:t>en </a:t>
+            </a:r>
+            <a:r>
+              <a:rPr lang="es-ES" sz="2500" dirty="0"/>
+              <a:t>un arreglo de pixeles programables que tiene la capacidad de formar el </a:t>
+            </a:r>
+            <a:r>
+              <a:rPr lang="es-ES" sz="2500" dirty="0" smtClean="0"/>
+              <a:t>patrón de detección </a:t>
+            </a:r>
+            <a:r>
+              <a:rPr lang="es-ES" sz="2500" dirty="0"/>
+              <a:t>en el lugar indicado una vez que el haz incide sobre el, evitando la necesidad </a:t>
+            </a:r>
+            <a:r>
+              <a:rPr lang="es-ES" sz="2500" dirty="0" smtClean="0"/>
+              <a:t>de </a:t>
+            </a:r>
+            <a:r>
+              <a:rPr lang="es-AR" sz="2500" dirty="0" smtClean="0"/>
+              <a:t>complejos alineamientos mecánicos micrométricos</a:t>
+            </a:r>
+          </a:p>
+        </p:txBody>
+      </p:sp>
+      <p:sp>
+        <p:nvSpPr>
+          <p:cNvPr id="2" name="Title 1"/>
+          <p:cNvSpPr>
+            <a:spLocks noGrp="1"/>
+          </p:cNvSpPr>
+          <p:nvPr>
+            <p:ph type="title"/>
+          </p:nvPr>
+        </p:nvSpPr>
+        <p:spPr>
+          <a:xfrm>
+            <a:off x="457200" y="656509"/>
+            <a:ext cx="8229600" cy="1143000"/>
+          </a:xfrm>
+        </p:spPr>
+        <p:txBody>
+          <a:bodyPr>
+            <a:normAutofit fontScale="90000"/>
+          </a:bodyPr>
+          <a:lstStyle/>
+          <a:p>
+            <a:r>
+              <a:rPr lang="es-AR" dirty="0" smtClean="0"/>
+              <a:t>Sensor CMOS: pixeles </a:t>
+            </a:r>
+            <a:r>
+              <a:rPr lang="es-AR" dirty="0" err="1" smtClean="0"/>
+              <a:t>interconectables</a:t>
+            </a:r>
+            <a:r>
+              <a:rPr lang="es-AR" dirty="0" smtClean="0"/>
+              <a:t> - programables</a:t>
+            </a:r>
+            <a:endParaRPr dirty="0"/>
+          </a:p>
+        </p:txBody>
+      </p:sp>
+      <p:pic>
+        <p:nvPicPr>
+          <p:cNvPr id="2050" name="Picture 2"/>
+          <p:cNvPicPr>
+            <a:picLocks noChangeAspect="1" noChangeArrowheads="1"/>
+          </p:cNvPicPr>
+          <p:nvPr/>
+        </p:nvPicPr>
+        <p:blipFill>
+          <a:blip r:embed="rId2">
+            <a:extLst>
+              <a:ext uri="{28A0092B-C50C-407E-A947-70E740481C1C}">
+                <a14:useLocalDpi xmlns:a14="http://schemas.microsoft.com/office/drawing/2010/main" val="0"/>
+              </a:ext>
+            </a:extLst>
+          </a:blip>
+          <a:srcRect/>
+          <a:stretch>
+            <a:fillRect/>
+          </a:stretch>
+        </p:blipFill>
+        <p:spPr bwMode="auto">
+          <a:xfrm>
+            <a:off x="3601131" y="4591800"/>
+            <a:ext cx="2543175" cy="1895475"/>
+          </a:xfrm>
+          <a:prstGeom prst="rect">
+            <a:avLst/>
+          </a:prstGeom>
+          <a:noFill/>
+          <a:ln>
+            <a:noFill/>
+          </a:ln>
+          <a:effectLst/>
+          <a:extLst>
+            <a:ext uri="{909E8E84-426E-40DD-AFC4-6F175D3DCCD1}">
+              <a14:hiddenFill xmlns:a14="http://schemas.microsoft.com/office/drawing/2010/main">
+                <a:solidFill>
+                  <a:schemeClr val="accent1"/>
+                </a:solidFill>
+              </a14:hiddenFill>
+            </a:ext>
+            <a:ext uri="{91240B29-F687-4F45-9708-019B960494DF}">
+              <a14:hiddenLine xmlns:a14="http://schemas.microsoft.com/office/drawing/2010/main" w="9525">
+                <a:solidFill>
+                  <a:schemeClr val="tx1"/>
+                </a:solidFill>
+                <a:miter lim="800000"/>
+                <a:headEnd/>
+                <a:tailEnd/>
+              </a14:hiddenLine>
+            </a:ext>
+            <a:ext uri="{AF507438-7753-43E0-B8FC-AC1667EBCBE1}">
+              <a14:hiddenEffects xmlns:a14="http://schemas.microsoft.com/office/drawing/2010/main">
+                <a:effectLst>
+                  <a:outerShdw dist="35921" dir="2700000" algn="ctr" rotWithShape="0">
+                    <a:schemeClr val="bg2"/>
+                  </a:outerShdw>
+                </a:effectLst>
+              </a14:hiddenEffects>
+            </a:ext>
+          </a:extLst>
+        </p:spPr>
+      </p:pic>
+      <p:pic>
+        <p:nvPicPr>
+          <p:cNvPr id="2051" name="Picture 3"/>
+          <p:cNvPicPr>
+            <a:picLocks noChangeAspect="1" noChangeArrowheads="1"/>
+          </p:cNvPicPr>
+          <p:nvPr/>
+        </p:nvPicPr>
+        <p:blipFill>
+          <a:blip r:embed="rId3">
+            <a:extLst>
+              <a:ext uri="{28A0092B-C50C-407E-A947-70E740481C1C}">
+                <a14:useLocalDpi xmlns:a14="http://schemas.microsoft.com/office/drawing/2010/main" val="0"/>
+              </a:ext>
+            </a:extLst>
+          </a:blip>
+          <a:srcRect/>
+          <a:stretch>
+            <a:fillRect/>
+          </a:stretch>
+        </p:blipFill>
+        <p:spPr bwMode="auto">
+          <a:xfrm>
+            <a:off x="6379028" y="4667200"/>
+            <a:ext cx="2198915" cy="1744676"/>
+          </a:xfrm>
+          <a:prstGeom prst="rect">
+            <a:avLst/>
+          </a:prstGeom>
+          <a:noFill/>
+          <a:ln>
+            <a:noFill/>
+          </a:ln>
+          <a:effectLst/>
+          <a:extLst>
+            <a:ext uri="{909E8E84-426E-40DD-AFC4-6F175D3DCCD1}">
+              <a14:hiddenFill xmlns:a14="http://schemas.microsoft.com/office/drawing/2010/main">
+                <a:solidFill>
+                  <a:schemeClr val="accent1"/>
+                </a:solidFill>
+              </a14:hiddenFill>
+            </a:ext>
+            <a:ext uri="{91240B29-F687-4F45-9708-019B960494DF}">
+              <a14:hiddenLine xmlns:a14="http://schemas.microsoft.com/office/drawing/2010/main" w="9525">
+                <a:solidFill>
+                  <a:schemeClr val="tx1"/>
+                </a:solidFill>
+                <a:miter lim="800000"/>
+                <a:headEnd/>
+                <a:tailEnd/>
+              </a14:hiddenLine>
+            </a:ext>
+            <a:ext uri="{AF507438-7753-43E0-B8FC-AC1667EBCBE1}">
+              <a14:hiddenEffects xmlns:a14="http://schemas.microsoft.com/office/drawing/2010/main">
+                <a:effectLst>
+                  <a:outerShdw dist="35921" dir="2700000" algn="ctr" rotWithShape="0">
+                    <a:schemeClr val="bg2"/>
+                  </a:outerShdw>
+                </a:effectLst>
+              </a14:hiddenEffects>
+            </a:ext>
+          </a:extLst>
+        </p:spPr>
+      </p:pic>
+      <p:pic>
+        <p:nvPicPr>
+          <p:cNvPr id="6" name="Picture 2"/>
+          <p:cNvPicPr>
+            <a:picLocks noChangeAspect="1" noChangeArrowheads="1"/>
+          </p:cNvPicPr>
+          <p:nvPr/>
+        </p:nvPicPr>
+        <p:blipFill>
+          <a:blip r:embed="rId4">
+            <a:extLst>
+              <a:ext uri="{28A0092B-C50C-407E-A947-70E740481C1C}">
+                <a14:useLocalDpi xmlns:a14="http://schemas.microsoft.com/office/drawing/2010/main" val="0"/>
+              </a:ext>
+            </a:extLst>
+          </a:blip>
+          <a:srcRect/>
+          <a:stretch>
+            <a:fillRect/>
+          </a:stretch>
+        </p:blipFill>
+        <p:spPr bwMode="auto">
+          <a:xfrm>
+            <a:off x="697139" y="4592292"/>
+            <a:ext cx="2601232" cy="1894983"/>
+          </a:xfrm>
+          <a:prstGeom prst="rect">
+            <a:avLst/>
+          </a:prstGeom>
+          <a:noFill/>
+          <a:ln>
+            <a:noFill/>
+          </a:ln>
+          <a:effectLst/>
+          <a:extLst>
+            <a:ext uri="{909E8E84-426E-40DD-AFC4-6F175D3DCCD1}">
+              <a14:hiddenFill xmlns:a14="http://schemas.microsoft.com/office/drawing/2010/main">
+                <a:solidFill>
+                  <a:schemeClr val="accent1"/>
+                </a:solidFill>
+              </a14:hiddenFill>
+            </a:ext>
+            <a:ext uri="{91240B29-F687-4F45-9708-019B960494DF}">
+              <a14:hiddenLine xmlns:a14="http://schemas.microsoft.com/office/drawing/2010/main" w="9525">
+                <a:solidFill>
+                  <a:schemeClr val="tx1"/>
+                </a:solidFill>
+                <a:miter lim="800000"/>
+                <a:headEnd/>
+                <a:tailEnd/>
+              </a14:hiddenLine>
+            </a:ext>
+            <a:ext uri="{AF507438-7753-43E0-B8FC-AC1667EBCBE1}">
+              <a14:hiddenEffects xmlns:a14="http://schemas.microsoft.com/office/drawing/2010/main">
+                <a:effectLst>
+                  <a:outerShdw dist="35921" dir="2700000" algn="ctr" rotWithShape="0">
+                    <a:schemeClr val="bg2"/>
+                  </a:outerShdw>
+                </a:effectLst>
+              </a14:hiddenEffects>
+            </a:ext>
+          </a:extLst>
+        </p:spPr>
+      </p:pic>
+    </p:spTree>
+    <p:extLst>
+      <p:ext uri="{BB962C8B-B14F-4D97-AF65-F5344CB8AC3E}">
+        <p14:creationId xmlns:p14="http://schemas.microsoft.com/office/powerpoint/2010/main" val="4217766506"/>
+      </p:ext>
+    </p:extLst>
+  </p:cSld>
+  <p:clrMapOvr>
+    <a:masterClrMapping/>
+  </p:clrMapOvr>
+  <p:timing>
+    <p:tnLst>
+      <p:par>
+        <p:cTn id="1" dur="indefinite" restart="never" nodeType="tmRoot"/>
+      </p:par>
+    </p:tnLst>
+  </p:timing>
+</p:sld>
+</file>
+
 <file path=ppt/slides/slide8.xml><?xml version="1.0" encoding="utf-8"?>
 <p:sld xmlns:a="http://schemas.openxmlformats.org/drawingml/2006/main" xmlns:r="http://schemas.openxmlformats.org/officeDocument/2006/relationships" xmlns:p="http://schemas.openxmlformats.org/presentationml/2006/main">
   <p:cSld>
@@ -7191,7 +7421,7 @@
         <p:spPr/>
         <p:txBody>
           <a:bodyPr>
-            <a:normAutofit fontScale="92500"/>
+            <a:normAutofit/>
           </a:bodyPr>
           <a:lstStyle/>
           <a:p>
@@ -7202,50 +7432,50 @@
               <a:buChar char="•"/>
             </a:pPr>
             <a:r>
-              <a:rPr dirty="0" err="1" smtClean="0"/>
+              <a:rPr sz="2500" dirty="0" err="1" smtClean="0"/>
               <a:t>Sensores</a:t>
             </a:r>
             <a:r>
-              <a:rPr dirty="0" smtClean="0"/>
+              <a:rPr sz="2500" dirty="0" smtClean="0"/>
               <a:t> </a:t>
             </a:r>
             <a:r>
-              <a:rPr dirty="0"/>
+              <a:rPr sz="2500" dirty="0"/>
               <a:t>de luz CMOS con </a:t>
             </a:r>
             <a:r>
-              <a:rPr dirty="0" err="1"/>
+              <a:rPr sz="2500" dirty="0" err="1"/>
               <a:t>píxeles</a:t>
             </a:r>
             <a:r>
-              <a:rPr dirty="0"/>
+              <a:rPr sz="2500" dirty="0"/>
               <a:t> </a:t>
             </a:r>
             <a:r>
-              <a:rPr dirty="0" err="1"/>
+              <a:rPr sz="2500" dirty="0" err="1"/>
               <a:t>interconectables</a:t>
             </a:r>
             <a:r>
-              <a:rPr dirty="0"/>
+              <a:rPr sz="2500" dirty="0"/>
               <a:t> </a:t>
             </a:r>
             <a:r>
-              <a:rPr dirty="0" err="1"/>
+              <a:rPr sz="2500" dirty="0" err="1"/>
               <a:t>ya</a:t>
             </a:r>
             <a:r>
-              <a:rPr dirty="0"/>
+              <a:rPr sz="2500" dirty="0"/>
               <a:t> </a:t>
             </a:r>
             <a:r>
-              <a:rPr dirty="0" err="1" smtClean="0"/>
+              <a:rPr sz="2500" dirty="0" err="1" smtClean="0"/>
               <a:t>existen</a:t>
             </a:r>
             <a:r>
-              <a:rPr dirty="0" smtClean="0"/>
+              <a:rPr sz="2500" dirty="0" smtClean="0"/>
               <a:t>.</a:t>
             </a:r>
-            <a:endParaRPr lang="es-AR" dirty="0" smtClean="0"/>
+            <a:endParaRPr lang="es-AR" sz="2500" dirty="0" smtClean="0"/>
           </a:p>
           <a:p>
             <a:pPr marL="457200" indent="-457200">
@@ -7255,47 +7485,47 @@
               <a:buChar char="•"/>
             </a:pPr>
             <a:r>
-              <a:rPr dirty="0" smtClean="0"/>
+              <a:rPr sz="2500" dirty="0" smtClean="0"/>
               <a:t>Se </a:t>
             </a:r>
             <a:r>
-              <a:rPr dirty="0" err="1"/>
+              <a:rPr sz="2500" dirty="0" err="1"/>
               <a:t>enfocan</a:t>
             </a:r>
             <a:r>
-              <a:rPr dirty="0"/>
+              <a:rPr sz="2500" dirty="0"/>
               <a:t> </a:t>
             </a:r>
             <a:r>
-              <a:rPr dirty="0" err="1"/>
+              <a:rPr sz="2500" dirty="0" err="1"/>
               <a:t>en</a:t>
             </a:r>
             <a:r>
-              <a:rPr dirty="0"/>
+              <a:rPr sz="2500" dirty="0"/>
               <a:t> </a:t>
             </a:r>
             <a:r>
-              <a:rPr dirty="0" err="1"/>
+              <a:rPr sz="2500" dirty="0" err="1"/>
               <a:t>mejorar</a:t>
             </a:r>
             <a:r>
-              <a:rPr dirty="0"/>
+              <a:rPr sz="2500" dirty="0"/>
               <a:t> </a:t>
             </a:r>
             <a:r>
-              <a:rPr dirty="0" err="1"/>
+              <a:rPr sz="2500" dirty="0" err="1"/>
               <a:t>sensibilidad</a:t>
             </a:r>
             <a:r>
-              <a:rPr dirty="0"/>
+              <a:rPr sz="2500" dirty="0"/>
               <a:t> o </a:t>
             </a:r>
             <a:r>
-              <a:rPr dirty="0" err="1"/>
+              <a:rPr sz="2500" dirty="0" err="1"/>
               <a:t>resolución</a:t>
             </a:r>
             <a:r>
-              <a:rPr dirty="0"/>
+              <a:rPr sz="2500" dirty="0"/>
               <a:t> de imagen.</a:t>
             </a:r>
           </a:p>
@@ -7307,63 +7537,63 @@
               <a:buChar char="•"/>
             </a:pPr>
             <a:r>
-              <a:rPr dirty="0" smtClean="0"/>
+              <a:rPr sz="2500" dirty="0" smtClean="0"/>
               <a:t>La </a:t>
             </a:r>
             <a:r>
-              <a:rPr dirty="0" err="1"/>
+              <a:rPr sz="2500" dirty="0" err="1"/>
               <a:t>propuesta</a:t>
             </a:r>
             <a:r>
-              <a:rPr dirty="0"/>
+              <a:rPr sz="2500" dirty="0"/>
               <a:t> actual </a:t>
             </a:r>
             <a:r>
-              <a:rPr dirty="0" err="1"/>
+              <a:rPr sz="2500" dirty="0" err="1"/>
               <a:t>incluye</a:t>
             </a:r>
             <a:r>
-              <a:rPr dirty="0"/>
+              <a:rPr sz="2500" dirty="0"/>
               <a:t> </a:t>
             </a:r>
             <a:r>
-              <a:rPr dirty="0" err="1"/>
+              <a:rPr sz="2500" dirty="0" err="1"/>
               <a:t>interconexión</a:t>
             </a:r>
             <a:r>
-              <a:rPr dirty="0"/>
+              <a:rPr sz="2500" dirty="0"/>
               <a:t> </a:t>
             </a:r>
             <a:r>
-              <a:rPr dirty="0" err="1"/>
+              <a:rPr sz="2500" dirty="0" err="1"/>
               <a:t>dinámica</a:t>
             </a:r>
             <a:r>
-              <a:rPr dirty="0"/>
+              <a:rPr sz="2500" dirty="0"/>
               <a:t> y </a:t>
             </a:r>
             <a:r>
-              <a:rPr dirty="0" err="1"/>
+              <a:rPr sz="2500" dirty="0" err="1"/>
               <a:t>procesamiento</a:t>
             </a:r>
             <a:r>
-              <a:rPr dirty="0"/>
+              <a:rPr sz="2500" dirty="0"/>
               <a:t> local a </a:t>
             </a:r>
             <a:r>
-              <a:rPr dirty="0" err="1"/>
+              <a:rPr sz="2500" dirty="0" err="1"/>
               <a:t>nivel</a:t>
             </a:r>
             <a:r>
-              <a:rPr dirty="0"/>
+              <a:rPr sz="2500" dirty="0"/>
               <a:t> de </a:t>
             </a:r>
             <a:r>
-              <a:rPr dirty="0" err="1"/>
+              <a:rPr sz="2500" dirty="0" err="1"/>
               <a:t>píxel</a:t>
             </a:r>
             <a:r>
-              <a:rPr dirty="0"/>
+              <a:rPr sz="2500" dirty="0"/>
               <a:t>.</a:t>
             </a:r>
           </a:p>
@@ -7375,61 +7605,90 @@
               <a:buChar char="•"/>
             </a:pPr>
             <a:r>
-              <a:rPr dirty="0" err="1" smtClean="0"/>
+              <a:rPr sz="2500" dirty="0" err="1" smtClean="0"/>
               <a:t>Aplicaciones</a:t>
             </a:r>
             <a:r>
-              <a:rPr dirty="0" smtClean="0"/>
+              <a:rPr sz="2500" dirty="0" smtClean="0"/>
               <a:t> </a:t>
             </a:r>
             <a:r>
-              <a:rPr dirty="0" err="1"/>
+              <a:rPr sz="2500" dirty="0" err="1"/>
               <a:t>anteriores</a:t>
             </a:r>
             <a:r>
-              <a:rPr dirty="0"/>
+              <a:rPr sz="2500" dirty="0"/>
               <a:t> </a:t>
             </a:r>
             <a:r>
-              <a:rPr dirty="0" err="1"/>
+              <a:rPr sz="2500" dirty="0" err="1"/>
               <a:t>en</a:t>
             </a:r>
             <a:r>
-              <a:rPr dirty="0"/>
+              <a:rPr sz="2500" dirty="0"/>
               <a:t> </a:t>
             </a:r>
             <a:r>
-              <a:rPr dirty="0" err="1"/>
+              <a:rPr sz="2500" dirty="0" err="1"/>
               <a:t>detección</a:t>
             </a:r>
             <a:r>
-              <a:rPr dirty="0"/>
+              <a:rPr sz="2500" dirty="0"/>
               <a:t> de </a:t>
             </a:r>
             <a:r>
-              <a:rPr dirty="0" err="1"/>
+              <a:rPr sz="2500" dirty="0" err="1"/>
               <a:t>ultrasonido</a:t>
             </a:r>
             <a:r>
-              <a:rPr dirty="0"/>
+              <a:rPr sz="2500" dirty="0"/>
               <a:t> y </a:t>
             </a:r>
             <a:r>
-              <a:rPr dirty="0" err="1"/>
+              <a:rPr sz="2500" dirty="0" err="1"/>
               <a:t>desplazamientos</a:t>
             </a:r>
             <a:r>
-              <a:rPr dirty="0"/>
+              <a:rPr sz="2500" dirty="0"/>
               <a:t> </a:t>
             </a:r>
             <a:r>
-              <a:rPr dirty="0" err="1"/>
+              <a:rPr sz="2500" dirty="0" err="1"/>
               <a:t>rápidos</a:t>
             </a:r>
             <a:r>
-              <a:rPr dirty="0" smtClean="0"/>
+              <a:rPr sz="2500" dirty="0" smtClean="0"/>
               <a:t>.</a:t>
             </a:r>
+            <a:endParaRPr lang="es-AR" sz="2500" dirty="0" smtClean="0"/>
+          </a:p>
+          <a:p>
+            <a:pPr marL="457200" indent="-457200">
+              <a:buClrTx/>
+              <a:buSzPct val="85000"/>
+              <a:buFont typeface="Arial" panose="020B0604020202020204" pitchFamily="34" charset="0"/>
+              <a:buChar char="•"/>
+            </a:pPr>
+            <a:r>
+              <a:rPr lang="es-ES" sz="2500" dirty="0"/>
+              <a:t>Este proyecto extiende la </a:t>
+            </a:r>
+            <a:r>
+              <a:rPr lang="es-ES" sz="2500" dirty="0" smtClean="0"/>
+              <a:t>aplicación a </a:t>
+            </a:r>
+            <a:r>
+              <a:rPr lang="es-ES" sz="2500" dirty="0"/>
+              <a:t>medir rotación y vibración en piezas industriales.</a:t>
+            </a:r>
+          </a:p>
+          <a:p>
+            <a:pPr marL="457200" indent="-457200">
+              <a:buClrTx/>
+              <a:buSzPct val="85000"/>
+              <a:buFont typeface="Arial" panose="020B0604020202020204" pitchFamily="34" charset="0"/>
+              <a:buChar char="•"/>
+            </a:pPr>
             <a:endParaRPr lang="es-AR" dirty="0" smtClean="0"/>
           </a:p>
           <a:p>
@@ -7440,109 +7699,6 @@
               <a:buChar char="•"/>
             </a:pPr>
             <a:endParaRPr dirty="0"/>
-          </a:p>
-          <a:p>
-            <a:pPr marL="0" indent="0" algn="ctr">
-              <a:buClrTx/>
-              <a:buSzPct val="85000"/>
-              <a:buNone/>
-            </a:pPr>
-            <a:r>
-              <a:rPr lang="es-AR" sz="2200" b="1" u="sng" dirty="0" smtClean="0"/>
-              <a:t>Innovación</a:t>
-            </a:r>
-            <a:r>
-              <a:rPr lang="es-AR" sz="2200" b="1" dirty="0" smtClean="0"/>
-              <a:t>: </a:t>
-            </a:r>
-            <a:r>
-              <a:rPr sz="2200" i="1" dirty="0" smtClean="0"/>
-              <a:t>Este </a:t>
-            </a:r>
-            <a:r>
-              <a:rPr sz="2200" i="1" dirty="0" err="1"/>
-              <a:t>proyecto</a:t>
-            </a:r>
-            <a:r>
-              <a:rPr sz="2200" i="1" dirty="0"/>
-              <a:t> </a:t>
-            </a:r>
-            <a:r>
-              <a:rPr sz="2200" i="1" dirty="0" err="1"/>
-              <a:t>extiende</a:t>
-            </a:r>
-            <a:r>
-              <a:rPr sz="2200" i="1" dirty="0"/>
-              <a:t> la </a:t>
-            </a:r>
-            <a:r>
-              <a:rPr sz="2200" i="1" dirty="0" err="1" smtClean="0"/>
-              <a:t>aplicación</a:t>
-            </a:r>
-            <a:endParaRPr lang="es-AR" sz="2200" i="1" dirty="0" smtClean="0"/>
-          </a:p>
-          <a:p>
-            <a:pPr marL="0" indent="0" algn="ctr">
-              <a:buClrTx/>
-              <a:buSzPct val="85000"/>
-              <a:buNone/>
-            </a:pPr>
-            <a:r>
-              <a:rPr sz="2200" i="1" dirty="0" smtClean="0"/>
-              <a:t> </a:t>
-            </a:r>
-            <a:r>
-              <a:rPr sz="2200" i="1" dirty="0"/>
-              <a:t>a </a:t>
-            </a:r>
-            <a:r>
-              <a:rPr sz="2200" i="1" dirty="0" err="1"/>
-              <a:t>medir</a:t>
-            </a:r>
-            <a:r>
-              <a:rPr sz="2200" i="1" dirty="0"/>
-              <a:t> </a:t>
-            </a:r>
-            <a:r>
-              <a:rPr sz="2200" i="1" dirty="0" err="1"/>
-              <a:t>rotación</a:t>
-            </a:r>
-            <a:r>
-              <a:rPr sz="2200" i="1" dirty="0"/>
-              <a:t> y </a:t>
-            </a:r>
-            <a:r>
-              <a:rPr sz="2200" i="1" dirty="0" err="1"/>
-              <a:t>vibración</a:t>
-            </a:r>
-            <a:r>
-              <a:rPr sz="2200" i="1" dirty="0"/>
-              <a:t> </a:t>
-            </a:r>
-            <a:r>
-              <a:rPr sz="2200" i="1" dirty="0" err="1"/>
-              <a:t>en</a:t>
-            </a:r>
-            <a:r>
-              <a:rPr sz="2200" i="1" dirty="0"/>
-              <a:t> </a:t>
-            </a:r>
-            <a:r>
-              <a:rPr sz="2200" i="1" dirty="0" err="1"/>
-              <a:t>piezas</a:t>
-            </a:r>
-            <a:r>
-              <a:rPr sz="2200" i="1" dirty="0"/>
-              <a:t> </a:t>
-            </a:r>
-            <a:r>
-              <a:rPr sz="2200" i="1" dirty="0" err="1"/>
-              <a:t>industriales</a:t>
-            </a:r>
-            <a:r>
-              <a:rPr sz="2200" i="1" dirty="0"/>
-              <a:t>.</a:t>
-            </a:r>
           </a:p>
         </p:txBody>
       </p:sp>
@@ -7613,34 +7769,32 @@
         </p:nvSpPr>
         <p:spPr/>
         <p:txBody>
-          <a:bodyPr/>
+          <a:bodyPr>
+            <a:normAutofit/>
+          </a:bodyPr>
           <a:lstStyle/>
           <a:p>
             <a:pPr marL="0" indent="0">
               <a:buNone/>
             </a:pPr>
             <a:r>
-              <a:rPr dirty="0" smtClean="0"/>
-              <a:t>• </a:t>
-            </a:r>
-            <a:r>
-              <a:rPr dirty="0" err="1" smtClean="0"/>
+              <a:rPr b="1" dirty="0" err="1" smtClean="0"/>
               <a:t>Aplicaciones</a:t>
             </a:r>
             <a:r>
-              <a:rPr dirty="0" smtClean="0"/>
+              <a:rPr b="1" dirty="0" smtClean="0"/>
               <a:t> </a:t>
             </a:r>
             <a:r>
-              <a:rPr dirty="0" err="1"/>
+              <a:rPr b="1" dirty="0" err="1"/>
               <a:t>en</a:t>
             </a:r>
             <a:r>
-              <a:rPr dirty="0"/>
+              <a:rPr b="1" dirty="0"/>
               <a:t> la </a:t>
             </a:r>
             <a:r>
-              <a:rPr dirty="0" err="1"/>
+              <a:rPr b="1" dirty="0" err="1"/>
               <a:t>industria</a:t>
             </a:r>
             <a:r>
@@ -7798,7 +7952,59 @@
             <a:pPr marL="0" indent="0" algn="ctr">
               <a:buNone/>
             </a:pPr>
-            <a:endParaRPr lang="es-AR" sz="2000" b="1" u="sng" dirty="0" smtClean="0"/>
+            <a:r>
+              <a:rPr lang="es-AR" sz="2000" i="1" dirty="0" smtClean="0"/>
+              <a:t>A</a:t>
+            </a:r>
+            <a:r>
+              <a:rPr sz="2000" i="1" dirty="0" err="1" smtClean="0"/>
+              <a:t>lta</a:t>
+            </a:r>
+            <a:r>
+              <a:rPr sz="2000" i="1" dirty="0" smtClean="0"/>
+              <a:t> </a:t>
+            </a:r>
+            <a:r>
+              <a:rPr sz="2000" i="1" dirty="0" err="1"/>
+              <a:t>sensibilidad</a:t>
+            </a:r>
+            <a:r>
+              <a:rPr sz="2000" i="1" dirty="0"/>
+              <a:t> y </a:t>
+            </a:r>
+            <a:r>
+              <a:rPr sz="2000" i="1" dirty="0" err="1"/>
+              <a:t>resolución</a:t>
+            </a:r>
+            <a:r>
+              <a:rPr sz="2000" i="1" dirty="0"/>
+              <a:t>, </a:t>
+            </a:r>
+            <a:r>
+              <a:rPr lang="es-AR" sz="2000" i="1" dirty="0"/>
+              <a:t>i</a:t>
+            </a:r>
+            <a:r>
+              <a:rPr sz="2000" i="1" dirty="0" err="1" smtClean="0"/>
+              <a:t>nmunes</a:t>
+            </a:r>
+            <a:r>
+              <a:rPr sz="2000" i="1" dirty="0" smtClean="0"/>
+              <a:t> </a:t>
+            </a:r>
+            <a:r>
+              <a:rPr sz="2000" i="1" dirty="0"/>
+              <a:t>a </a:t>
+            </a:r>
+            <a:r>
+              <a:rPr sz="2000" i="1" dirty="0" err="1"/>
+              <a:t>interferencias</a:t>
+            </a:r>
+            <a:r>
+              <a:rPr sz="2000" i="1" dirty="0" smtClean="0"/>
+              <a:t>.</a:t>
+            </a:r>
+            <a:endParaRPr lang="es-AR" sz="2000" i="1" dirty="0" smtClean="0"/>
           </a:p>
           <a:p>
             <a:pPr marL="0" indent="0" algn="ctr">
@@ -7806,58 +8012,26 @@
             </a:pPr>
             <a:r>
               <a:rPr lang="es-AR" sz="2000" i="1" dirty="0" smtClean="0"/>
-              <a:t>A</a:t>
-            </a:r>
-            <a:r>
-              <a:rPr sz="2000" i="1" dirty="0" err="1" smtClean="0"/>
-              <a:t>lta</a:t>
-            </a:r>
-            <a:r>
-              <a:rPr sz="2000" i="1" dirty="0" smtClean="0"/>
-              <a:t> </a:t>
-            </a:r>
-            <a:r>
-              <a:rPr sz="2000" i="1" dirty="0" err="1"/>
-              <a:t>sensibilidad</a:t>
-            </a:r>
-            <a:r>
-              <a:rPr sz="2000" i="1" dirty="0"/>
-              <a:t> y </a:t>
-            </a:r>
-            <a:r>
-              <a:rPr sz="2000" i="1" dirty="0" err="1"/>
-              <a:t>resolución</a:t>
-            </a:r>
-            <a:r>
-              <a:rPr sz="2000" i="1" dirty="0"/>
-              <a:t>, </a:t>
-            </a:r>
-            <a:endParaRPr lang="es-AR" sz="2000" i="1" dirty="0" smtClean="0"/>
+              <a:t>Puede </a:t>
+            </a:r>
+            <a:r>
+              <a:rPr lang="es-AR" sz="2000" i="1" dirty="0"/>
+              <a:t>encapsularse </a:t>
+            </a:r>
+            <a:r>
+              <a:rPr lang="es-AR" sz="2000" i="1" dirty="0" smtClean="0"/>
+              <a:t>para </a:t>
+            </a:r>
+            <a:r>
+              <a:rPr lang="es-AR" sz="2000" i="1" dirty="0"/>
+              <a:t>resistir polvo y altas temperaturas, especialmente en aplicaciones automotrices.</a:t>
+            </a:r>
           </a:p>
           <a:p>
             <a:pPr marL="0" indent="0" algn="ctr">
               <a:buNone/>
             </a:pPr>
-            <a:r>
-              <a:rPr sz="2000" i="1" dirty="0" err="1" smtClean="0"/>
-              <a:t>inmunes</a:t>
-            </a:r>
-            <a:r>
-              <a:rPr sz="2000" i="1" dirty="0" smtClean="0"/>
-              <a:t> </a:t>
-            </a:r>
-            <a:r>
-              <a:rPr sz="2000" i="1" dirty="0"/>
-              <a:t>a </a:t>
-            </a:r>
-            <a:r>
-              <a:rPr sz="2000" i="1" dirty="0" err="1"/>
-              <a:t>interferencias</a:t>
-            </a:r>
-            <a:r>
-              <a:rPr sz="2000" i="1" dirty="0"/>
-              <a:t>.</a:t>
-            </a:r>
+            <a:endParaRPr sz="2000" i="1" dirty="0"/>
           </a:p>
         </p:txBody>
       </p:sp>
